--- a/documents/supNNN_fr_DICOMwebModalityServices.20240531.pptx
+++ b/documents/supNNN_fr_DICOMwebModalityServices.20240531.pptx
@@ -5,7 +5,7 @@
     <p:sldMasterId id="2147483672" r:id="rId1"/>
   </p:sldMasterIdLst>
   <p:notesMasterIdLst>
-    <p:notesMasterId r:id="rId16"/>
+    <p:notesMasterId r:id="rId15"/>
   </p:notesMasterIdLst>
   <p:sldIdLst>
     <p:sldId id="256" r:id="rId2"/>
@@ -13,15 +13,14 @@
     <p:sldId id="419" r:id="rId4"/>
     <p:sldId id="420" r:id="rId5"/>
     <p:sldId id="426" r:id="rId6"/>
-    <p:sldId id="421" r:id="rId7"/>
-    <p:sldId id="427" r:id="rId8"/>
-    <p:sldId id="429" r:id="rId9"/>
-    <p:sldId id="430" r:id="rId10"/>
-    <p:sldId id="428" r:id="rId11"/>
-    <p:sldId id="422" r:id="rId12"/>
-    <p:sldId id="423" r:id="rId13"/>
-    <p:sldId id="424" r:id="rId14"/>
-    <p:sldId id="425" r:id="rId15"/>
+    <p:sldId id="431" r:id="rId7"/>
+    <p:sldId id="432" r:id="rId8"/>
+    <p:sldId id="421" r:id="rId9"/>
+    <p:sldId id="427" r:id="rId10"/>
+    <p:sldId id="429" r:id="rId11"/>
+    <p:sldId id="430" r:id="rId12"/>
+    <p:sldId id="428" r:id="rId13"/>
+    <p:sldId id="433" r:id="rId14"/>
   </p:sldIdLst>
   <p:sldSz cx="12192000" cy="6858000"/>
   <p:notesSz cx="7023100" cy="9309100"/>
@@ -227,7 +226,7 @@
           <a:p>
             <a:fld id="{A9C2D484-E815-E54C-BEA7-9A927767E662}" type="datetimeFigureOut">
               <a:rPr lang="en-US" smtClean="0"/>
-              <a:t>2024-05-24</a:t>
+              <a:t>2024-05-30</a:t>
             </a:fld>
             <a:endParaRPr lang="en-US" dirty="0"/>
           </a:p>
@@ -623,6 +622,86 @@
           <a:bodyPr/>
           <a:lstStyle/>
           <a:p>
+            <a:r>
+              <a:rPr lang="en-US" b="1" dirty="0"/>
+              <a:t>Applicable SOP Classes</a:t>
+            </a:r>
+          </a:p>
+          <a:p>
+            <a:r>
+              <a:rPr lang="en-US" sz="1200" dirty="0">
+                <a:solidFill>
+                  <a:srgbClr val="000000"/>
+                </a:solidFill>
+              </a:rPr>
+              <a:t>C-FIND</a:t>
+            </a:r>
+            <a:r>
+              <a:rPr lang="en-US" sz="1200" baseline="-25000" dirty="0">
+                <a:solidFill>
+                  <a:srgbClr val="000000"/>
+                </a:solidFill>
+              </a:rPr>
+              <a:t>MWL		</a:t>
+            </a:r>
+            <a:r>
+              <a:rPr lang="en-US" sz="1200" dirty="0">
+                <a:solidFill>
+                  <a:srgbClr val="000000"/>
+                </a:solidFill>
+              </a:rPr>
+              <a:t>1.2.840.10008.5.1.4.31</a:t>
+            </a:r>
+          </a:p>
+          <a:p>
+            <a:r>
+              <a:rPr lang="en-US" sz="1200" dirty="0"/>
+              <a:t>N-CREATE</a:t>
+            </a:r>
+            <a:r>
+              <a:rPr lang="en-US" sz="1200" baseline="-25000" dirty="0"/>
+              <a:t>MPPS</a:t>
+            </a:r>
+            <a:r>
+              <a:rPr lang="en-US" sz="1200" dirty="0"/>
+              <a:t>, N-SET</a:t>
+            </a:r>
+            <a:r>
+              <a:rPr lang="en-US" sz="1200" baseline="-25000" dirty="0"/>
+              <a:t>MPPS	</a:t>
+            </a:r>
+            <a:r>
+              <a:rPr lang="en-US" sz="1200" dirty="0"/>
+              <a:t>1.2.840.10008.3.1.2.3.3</a:t>
+            </a:r>
+          </a:p>
+          <a:p>
+            <a:r>
+              <a:rPr lang="en-US" sz="1200" dirty="0"/>
+              <a:t>N-GET</a:t>
+            </a:r>
+            <a:r>
+              <a:rPr lang="en-US" sz="1200" baseline="-25000" dirty="0"/>
+              <a:t>MPPS</a:t>
+            </a:r>
+            <a:r>
+              <a:rPr lang="en-US" sz="1200" dirty="0"/>
+              <a:t>		1.2.840.10008.3.1.2.3.4</a:t>
+            </a:r>
+          </a:p>
+          <a:p>
+            <a:r>
+              <a:rPr lang="en-US" sz="1200" dirty="0"/>
+              <a:t>N-EVENT-REPORT</a:t>
+            </a:r>
+            <a:r>
+              <a:rPr lang="en-US" sz="1200" baseline="-25000" dirty="0"/>
+              <a:t>MPPS</a:t>
+            </a:r>
+            <a:r>
+              <a:rPr lang="en-US" sz="1200" dirty="0"/>
+              <a:t>	1.2.840.10008.3.1.2.3.5</a:t>
+            </a:r>
             <a:endParaRPr lang="en-US" dirty="0"/>
           </a:p>
         </p:txBody>
@@ -707,7 +786,7 @@
           <a:bodyPr/>
           <a:lstStyle/>
           <a:p>
-            <a:endParaRPr lang="en-US" sz="1000" dirty="0"/>
+            <a:endParaRPr lang="en-US" dirty="0"/>
           </a:p>
         </p:txBody>
       </p:sp>
@@ -729,6 +808,90 @@
             <a:fld id="{892D68CF-5598-6B46-BB52-E9FA2B921C31}" type="slidenum">
               <a:rPr lang="en-US" smtClean="0"/>
               <a:t>6</a:t>
+            </a:fld>
+            <a:endParaRPr lang="en-US" dirty="0"/>
+          </a:p>
+        </p:txBody>
+      </p:sp>
+    </p:spTree>
+    <p:extLst>
+      <p:ext uri="{BB962C8B-B14F-4D97-AF65-F5344CB8AC3E}">
+        <p14:creationId xmlns:p14="http://schemas.microsoft.com/office/powerpoint/2010/main" val="3193547231"/>
+      </p:ext>
+    </p:extLst>
+  </p:cSld>
+  <p:clrMapOvr>
+    <a:masterClrMapping/>
+  </p:clrMapOvr>
+</p:notes>
+</file>
+
+<file path=ppt/notesSlides/notesSlide4.xml><?xml version="1.0" encoding="utf-8"?>
+<p:notes xmlns:a="http://schemas.openxmlformats.org/drawingml/2006/main" xmlns:r="http://schemas.openxmlformats.org/officeDocument/2006/relationships" xmlns:p="http://schemas.openxmlformats.org/presentationml/2006/main">
+  <p:cSld>
+    <p:spTree>
+      <p:nvGrpSpPr>
+        <p:cNvPr id="1" name=""/>
+        <p:cNvGrpSpPr/>
+        <p:nvPr/>
+      </p:nvGrpSpPr>
+      <p:grpSpPr>
+        <a:xfrm>
+          <a:off x="0" y="0"/>
+          <a:ext cx="0" cy="0"/>
+          <a:chOff x="0" y="0"/>
+          <a:chExt cx="0" cy="0"/>
+        </a:xfrm>
+      </p:grpSpPr>
+      <p:sp>
+        <p:nvSpPr>
+          <p:cNvPr id="2" name="Slide Image Placeholder 1"/>
+          <p:cNvSpPr>
+            <a:spLocks noGrp="1" noRot="1" noChangeAspect="1"/>
+          </p:cNvSpPr>
+          <p:nvPr>
+            <p:ph type="sldImg"/>
+          </p:nvPr>
+        </p:nvSpPr>
+        <p:spPr/>
+      </p:sp>
+      <p:sp>
+        <p:nvSpPr>
+          <p:cNvPr id="3" name="Notes Placeholder 2"/>
+          <p:cNvSpPr>
+            <a:spLocks noGrp="1"/>
+          </p:cNvSpPr>
+          <p:nvPr>
+            <p:ph type="body" idx="1"/>
+          </p:nvPr>
+        </p:nvSpPr>
+        <p:spPr/>
+        <p:txBody>
+          <a:bodyPr/>
+          <a:lstStyle/>
+          <a:p>
+            <a:endParaRPr lang="en-US" sz="1000" dirty="0"/>
+          </a:p>
+        </p:txBody>
+      </p:sp>
+      <p:sp>
+        <p:nvSpPr>
+          <p:cNvPr id="4" name="Slide Number Placeholder 3"/>
+          <p:cNvSpPr>
+            <a:spLocks noGrp="1"/>
+          </p:cNvSpPr>
+          <p:nvPr>
+            <p:ph type="sldNum" sz="quarter" idx="5"/>
+          </p:nvPr>
+        </p:nvSpPr>
+        <p:spPr/>
+        <p:txBody>
+          <a:bodyPr/>
+          <a:lstStyle/>
+          <a:p>
+            <a:fld id="{892D68CF-5598-6B46-BB52-E9FA2B921C31}" type="slidenum">
+              <a:rPr lang="en-US" smtClean="0"/>
+              <a:t>8</a:t>
             </a:fld>
             <a:endParaRPr lang="en-US" dirty="0"/>
           </a:p>
@@ -5080,13 +5243,13 @@
   <p:clrMapOvr>
     <a:masterClrMapping/>
   </p:clrMapOvr>
-  <mc:AlternateContent xmlns:mc="http://schemas.openxmlformats.org/markup-compatibility/2006">
-    <mc:Choice xmlns:p14="http://schemas.microsoft.com/office/powerpoint/2010/main" Requires="p14">
+  <mc:AlternateContent xmlns:mc="http://schemas.openxmlformats.org/markup-compatibility/2006" xmlns:p14="http://schemas.microsoft.com/office/powerpoint/2010/main">
+    <mc:Choice Requires="p14">
       <p:transition spd="med" p14:dur="700">
         <p:fade/>
       </p:transition>
     </mc:Choice>
-    <mc:Fallback>
+    <mc:Fallback xmlns="">
       <p:transition spd="med">
         <p:fade/>
       </p:transition>
@@ -5117,7 +5280,7 @@
           <p:cNvPr id="2" name="Title 1">
             <a:extLst>
               <a:ext uri="{FF2B5EF4-FFF2-40B4-BE49-F238E27FC236}">
-                <a16:creationId xmlns:a16="http://schemas.microsoft.com/office/drawing/2014/main" id="{EEAC6639-67C7-99F6-91F7-70BEA352371A}"/>
+                <a16:creationId xmlns:a16="http://schemas.microsoft.com/office/drawing/2014/main" id="{5ABEA049-C0CB-7258-5B2B-EA0719508170}"/>
               </a:ext>
             </a:extLst>
           </p:cNvPr>
@@ -5135,25 +5298,17 @@
           <a:p>
             <a:r>
               <a:rPr lang="en-US" dirty="0"/>
-              <a:t>Relating </a:t>
-            </a:r>
-            <a:r>
-              <a:rPr lang="en-US" dirty="0" err="1"/>
-              <a:t>Workitems</a:t>
-            </a:r>
-            <a:r>
-              <a:rPr lang="en-US" dirty="0"/>
-              <a:t> in MWL and MPPS</a:t>
-            </a:r>
-          </a:p>
-        </p:txBody>
-      </p:sp>
-      <p:sp>
-        <p:nvSpPr>
-          <p:cNvPr id="3" name="Content Placeholder 2">
+              <a:t>SCP / User Agent Proxy – MWL with UPS-RS</a:t>
+            </a:r>
+          </a:p>
+        </p:txBody>
+      </p:sp>
+      <p:sp>
+        <p:nvSpPr>
+          <p:cNvPr id="4" name="Date Placeholder 3">
             <a:extLst>
               <a:ext uri="{FF2B5EF4-FFF2-40B4-BE49-F238E27FC236}">
-                <a16:creationId xmlns:a16="http://schemas.microsoft.com/office/drawing/2014/main" id="{38293DC9-F3C6-0B57-6F0F-B05B39D949E6}"/>
+                <a16:creationId xmlns:a16="http://schemas.microsoft.com/office/drawing/2014/main" id="{C46053F0-0FFF-EFC3-5639-317C0C010E3A}"/>
               </a:ext>
             </a:extLst>
           </p:cNvPr>
@@ -5161,312 +5316,28 @@
             <a:spLocks noGrp="1"/>
           </p:cNvSpPr>
           <p:nvPr>
-            <p:ph idx="1"/>
-          </p:nvPr>
-        </p:nvSpPr>
-        <p:spPr>
-          <a:xfrm>
-            <a:off x="581192" y="2180495"/>
-            <a:ext cx="11029615" cy="4237142"/>
-          </a:xfrm>
-        </p:spPr>
-        <p:txBody>
-          <a:bodyPr>
-            <a:normAutofit fontScale="70000" lnSpcReduction="20000"/>
-          </a:bodyPr>
+            <p:ph type="dt" sz="half" idx="2"/>
+          </p:nvPr>
+        </p:nvSpPr>
+        <p:spPr/>
+        <p:txBody>
+          <a:bodyPr/>
           <a:lstStyle/>
           <a:p>
             <a:r>
-              <a:rPr lang="en-US" dirty="0"/>
-              <a:t>PS3.4, F.7.2.1: “The modality should inform the Information System as soon as possible that the performance of the Procedure Step has been started by sending the N-CREATE Service Request. This allows an SCP of the Modality Worklist SOP Class (if supported) to update the Modality Worklist. Some of the Attribute Values are already known at the beginning of the Procedure Step, they are required to be sent in the N-CREATE command. Other mandatory Attributes are known only at the end of the Performed Procedure Step, they are assigned a value in the N-SET command.” Questions: 1. Clarify what is meant by ‘(if supported)’. </a:t>
-            </a:r>
-            <a:r>
-              <a:rPr lang="en-US" dirty="0">
-                <a:highlight>
-                  <a:srgbClr val="FFFF00"/>
-                </a:highlight>
-              </a:rPr>
-              <a:t>2. How does the SCP identify the applicable work item based on the initial MPPS? </a:t>
-            </a:r>
-            <a:r>
-              <a:rPr lang="en-US" dirty="0"/>
-              <a:t>3. What attributes are already known at the beginning (and thus must be provided)? If some of these are not in DICOMweb </a:t>
-            </a:r>
-            <a:r>
-              <a:rPr lang="en-US" dirty="0" err="1"/>
-              <a:t>workitems</a:t>
-            </a:r>
-            <a:r>
-              <a:rPr lang="en-US" dirty="0"/>
-              <a:t>, these should be added at ‘claim time’.</a:t>
-            </a:r>
-          </a:p>
-          <a:p>
-            <a:pPr>
-              <a:spcAft>
-                <a:spcPts val="0"/>
-              </a:spcAft>
-            </a:pPr>
-            <a:r>
-              <a:rPr lang="en-US" dirty="0"/>
-              <a:t>PS3.17, J.2.1 Modality Conforms to Modality Worklist and MPPS SOP Classes (informative):</a:t>
-            </a:r>
-            <a:br>
-              <a:rPr lang="en-US" dirty="0"/>
-            </a:br>
-            <a:r>
-              <a:rPr lang="en-US" dirty="0"/>
-              <a:t>“The modality may:</a:t>
-            </a:r>
-          </a:p>
-          <a:p>
-            <a:pPr lvl="1">
-              <a:spcAft>
-                <a:spcPts val="0"/>
-              </a:spcAft>
-            </a:pPr>
-            <a:r>
-              <a:rPr lang="en-US" dirty="0"/>
-              <a:t>N-CREATE a MPPS SOP Instance </a:t>
-            </a:r>
-            <a:r>
-              <a:rPr lang="en-US" dirty="0">
-                <a:solidFill>
-                  <a:schemeClr val="bg1">
-                    <a:lumMod val="65000"/>
-                  </a:schemeClr>
-                </a:solidFill>
-              </a:rPr>
-              <a:t>and include its SOP Instance UID in the Image SOP Instances within the Referenced Performed Procedure Step Sequence Attribute.</a:t>
-            </a:r>
-          </a:p>
-          <a:p>
-            <a:pPr lvl="1">
-              <a:spcAft>
-                <a:spcPts val="0"/>
-              </a:spcAft>
-            </a:pPr>
-            <a:r>
-              <a:rPr lang="en-US" dirty="0"/>
-              <a:t>Copy the following Attribute values from the Modality Worklist information </a:t>
-            </a:r>
-            <a:r>
-              <a:rPr lang="en-US" dirty="0">
-                <a:solidFill>
-                  <a:schemeClr val="bg1">
-                    <a:lumMod val="65000"/>
-                  </a:schemeClr>
-                </a:solidFill>
-              </a:rPr>
-              <a:t>into the Image SOP Instances and </a:t>
-            </a:r>
-            <a:r>
-              <a:rPr lang="en-US" dirty="0"/>
-              <a:t>into the related MPPS SOP Instance:</a:t>
-            </a:r>
-          </a:p>
-          <a:p>
-            <a:pPr lvl="2">
-              <a:spcAft>
-                <a:spcPts val="0"/>
-              </a:spcAft>
-            </a:pPr>
-            <a:r>
-              <a:rPr lang="en-US" dirty="0"/>
-              <a:t>Study Instance UID</a:t>
-            </a:r>
-          </a:p>
-          <a:p>
-            <a:pPr lvl="2">
-              <a:spcAft>
-                <a:spcPts val="0"/>
-              </a:spcAft>
-            </a:pPr>
-            <a:r>
-              <a:rPr lang="en-US" dirty="0"/>
-              <a:t>Referenced Study Sequence</a:t>
-            </a:r>
-          </a:p>
-          <a:p>
-            <a:pPr lvl="2">
-              <a:spcAft>
-                <a:spcPts val="0"/>
-              </a:spcAft>
-            </a:pPr>
-            <a:r>
-              <a:rPr lang="en-US" dirty="0"/>
-              <a:t>Accession Number</a:t>
-            </a:r>
-          </a:p>
-          <a:p>
-            <a:pPr lvl="2">
-              <a:spcAft>
-                <a:spcPts val="0"/>
-              </a:spcAft>
-            </a:pPr>
-            <a:r>
-              <a:rPr lang="en-US" dirty="0"/>
-              <a:t>Requested Procedure ID</a:t>
-            </a:r>
-          </a:p>
-          <a:p>
-            <a:pPr lvl="2">
-              <a:spcAft>
-                <a:spcPts val="0"/>
-              </a:spcAft>
-            </a:pPr>
-            <a:r>
-              <a:rPr lang="en-US" dirty="0"/>
-              <a:t>Scheduled Procedure Step ID</a:t>
-            </a:r>
-          </a:p>
-          <a:p>
-            <a:pPr lvl="2">
-              <a:spcAft>
-                <a:spcPts val="0"/>
-              </a:spcAft>
-            </a:pPr>
-            <a:r>
-              <a:rPr lang="en-US" dirty="0"/>
-              <a:t>Scheduled Procedure Step Description</a:t>
-            </a:r>
-          </a:p>
-          <a:p>
-            <a:pPr lvl="2">
-              <a:spcAft>
-                <a:spcPts val="0"/>
-              </a:spcAft>
-            </a:pPr>
-            <a:r>
-              <a:rPr lang="en-US" dirty="0"/>
-              <a:t>Scheduled Protocol Code Sequence</a:t>
-            </a:r>
-          </a:p>
-          <a:p>
-            <a:pPr lvl="1">
-              <a:spcAft>
-                <a:spcPts val="0"/>
-              </a:spcAft>
-            </a:pPr>
-            <a:r>
-              <a:rPr lang="en-US" dirty="0"/>
-              <a:t>Create the following Attribute value and include it into </a:t>
-            </a:r>
-            <a:r>
-              <a:rPr lang="en-US" dirty="0">
-                <a:solidFill>
-                  <a:schemeClr val="bg1">
-                    <a:lumMod val="65000"/>
-                  </a:schemeClr>
-                </a:solidFill>
-              </a:rPr>
-              <a:t>the Image SOP Instances and </a:t>
-            </a:r>
-            <a:r>
-              <a:rPr lang="en-US" dirty="0"/>
-              <a:t>the related MPPS SOP Instance:</a:t>
-            </a:r>
-          </a:p>
-          <a:p>
-            <a:pPr lvl="2">
-              <a:spcAft>
-                <a:spcPts val="0"/>
-              </a:spcAft>
-            </a:pPr>
-            <a:r>
-              <a:rPr lang="en-US" dirty="0"/>
-              <a:t>Performed Procedure Step ID</a:t>
-            </a:r>
-          </a:p>
-          <a:p>
-            <a:pPr lvl="1">
-              <a:spcAft>
-                <a:spcPts val="0"/>
-              </a:spcAft>
-            </a:pPr>
-            <a:r>
-              <a:rPr lang="en-US" dirty="0"/>
-              <a:t>Include the following Attribute values that may be generated during image acquisition, if supported, into </a:t>
-            </a:r>
-            <a:r>
-              <a:rPr lang="en-US" dirty="0">
-                <a:solidFill>
-                  <a:schemeClr val="bg1">
-                    <a:lumMod val="65000"/>
-                  </a:schemeClr>
-                </a:solidFill>
-              </a:rPr>
-              <a:t>the Image SOP Instances and </a:t>
-            </a:r>
-            <a:r>
-              <a:rPr lang="en-US" dirty="0"/>
-              <a:t>the related MPPS SOP Instance:</a:t>
-            </a:r>
-          </a:p>
-          <a:p>
-            <a:pPr lvl="2">
-              <a:spcAft>
-                <a:spcPts val="0"/>
-              </a:spcAft>
-            </a:pPr>
-            <a:r>
-              <a:rPr lang="en-US" dirty="0"/>
-              <a:t>Performed Procedure Step Start Date</a:t>
-            </a:r>
-          </a:p>
-          <a:p>
-            <a:pPr lvl="2">
-              <a:spcAft>
-                <a:spcPts val="0"/>
-              </a:spcAft>
-            </a:pPr>
-            <a:r>
-              <a:rPr lang="en-US" dirty="0"/>
-              <a:t>Performed Procedure Step Start Time</a:t>
-            </a:r>
-          </a:p>
-          <a:p>
-            <a:pPr lvl="2">
-              <a:spcAft>
-                <a:spcPts val="0"/>
-              </a:spcAft>
-            </a:pPr>
-            <a:r>
-              <a:rPr lang="en-US" dirty="0"/>
-              <a:t>Performed Procedure Step Description</a:t>
-            </a:r>
-          </a:p>
-          <a:p>
-            <a:pPr lvl="2">
-              <a:spcAft>
-                <a:spcPts val="0"/>
-              </a:spcAft>
-            </a:pPr>
-            <a:r>
-              <a:rPr lang="en-US" dirty="0"/>
-              <a:t>Study ID”</a:t>
-            </a:r>
-          </a:p>
-          <a:p>
-            <a:pPr marL="324000" lvl="1" indent="0">
-              <a:spcAft>
-                <a:spcPts val="0"/>
-              </a:spcAft>
-              <a:buNone/>
-            </a:pPr>
-            <a:r>
-              <a:rPr lang="en-US" dirty="0"/>
-              <a:t>Annex A of IHE RAD TF-2x reflects the adoption of the above, and contains clarifications, additions and a summary.</a:t>
-            </a:r>
-          </a:p>
-        </p:txBody>
-      </p:sp>
-      <p:sp>
-        <p:nvSpPr>
-          <p:cNvPr id="4" name="Date Placeholder 3">
+              <a:rPr lang="fr-FR"/>
+              <a:t>May 2024</a:t>
+            </a:r>
+            <a:endParaRPr lang="en-US" dirty="0"/>
+          </a:p>
+        </p:txBody>
+      </p:sp>
+      <p:sp>
+        <p:nvSpPr>
+          <p:cNvPr id="5" name="Footer Placeholder 4">
             <a:extLst>
               <a:ext uri="{FF2B5EF4-FFF2-40B4-BE49-F238E27FC236}">
-                <a16:creationId xmlns:a16="http://schemas.microsoft.com/office/drawing/2014/main" id="{F20C55E6-C765-0B8E-4A3B-6BE737F07FC3}"/>
+                <a16:creationId xmlns:a16="http://schemas.microsoft.com/office/drawing/2014/main" id="{8D50405E-BAA6-874C-4469-885944DA54EA}"/>
               </a:ext>
             </a:extLst>
           </p:cNvPr>
@@ -5474,7 +5345,7 @@
             <a:spLocks noGrp="1"/>
           </p:cNvSpPr>
           <p:nvPr>
-            <p:ph type="dt" sz="half" idx="2"/>
+            <p:ph type="ftr" sz="quarter" idx="3"/>
           </p:nvPr>
         </p:nvSpPr>
         <p:spPr/>
@@ -5483,36 +5354,7 @@
           <a:lstStyle/>
           <a:p>
             <a:r>
-              <a:rPr lang="fr-FR"/>
-              <a:t>May 2024</a:t>
-            </a:r>
-            <a:endParaRPr lang="en-US" dirty="0"/>
-          </a:p>
-        </p:txBody>
-      </p:sp>
-      <p:sp>
-        <p:nvSpPr>
-          <p:cNvPr id="5" name="Footer Placeholder 4">
-            <a:extLst>
-              <a:ext uri="{FF2B5EF4-FFF2-40B4-BE49-F238E27FC236}">
-                <a16:creationId xmlns:a16="http://schemas.microsoft.com/office/drawing/2014/main" id="{A48D073D-B2B9-C2F6-1927-63AF8FCC71E0}"/>
-              </a:ext>
-            </a:extLst>
-          </p:cNvPr>
-          <p:cNvSpPr>
-            <a:spLocks noGrp="1"/>
-          </p:cNvSpPr>
-          <p:nvPr>
-            <p:ph type="ftr" sz="quarter" idx="3"/>
-          </p:nvPr>
-        </p:nvSpPr>
-        <p:spPr/>
-        <p:txBody>
-          <a:bodyPr/>
-          <a:lstStyle/>
-          <a:p>
-            <a:r>
-              <a:rPr lang="en-US" dirty="0">
+              <a:rPr lang="en-US">
                 <a:latin typeface="Arial" panose="020B0604020202020204" pitchFamily="34" charset="0"/>
                 <a:cs typeface="Arial" panose="020B0604020202020204" pitchFamily="34" charset="0"/>
               </a:rPr>
@@ -5527,7 +5369,7 @@
           <p:cNvPr id="6" name="Slide Number Placeholder 5">
             <a:extLst>
               <a:ext uri="{FF2B5EF4-FFF2-40B4-BE49-F238E27FC236}">
-                <a16:creationId xmlns:a16="http://schemas.microsoft.com/office/drawing/2014/main" id="{5D79E7C5-C1D3-318C-332B-4C890B5C4776}"/>
+                <a16:creationId xmlns:a16="http://schemas.microsoft.com/office/drawing/2014/main" id="{DD96912B-92A4-B391-23EF-8D57B3F7960B}"/>
               </a:ext>
             </a:extLst>
           </p:cNvPr>
@@ -5552,23 +5394,52 @@
           </a:p>
         </p:txBody>
       </p:sp>
+      <p:pic>
+        <p:nvPicPr>
+          <p:cNvPr id="8" name="Picture 7">
+            <a:extLst>
+              <a:ext uri="{FF2B5EF4-FFF2-40B4-BE49-F238E27FC236}">
+                <a16:creationId xmlns:a16="http://schemas.microsoft.com/office/drawing/2014/main" id="{020A7C36-27DA-C9DA-D77E-16CE37375776}"/>
+              </a:ext>
+            </a:extLst>
+          </p:cNvPr>
+          <p:cNvPicPr>
+            <a:picLocks noChangeAspect="1"/>
+          </p:cNvPicPr>
+          <p:nvPr/>
+        </p:nvPicPr>
+        <p:blipFill rotWithShape="1">
+          <a:blip r:embed="rId2"/>
+          <a:srcRect t="-14" b="69217"/>
+          <a:stretch/>
+        </p:blipFill>
+        <p:spPr>
+          <a:xfrm>
+            <a:off x="3200401" y="1807537"/>
+            <a:ext cx="5791199" cy="4543425"/>
+          </a:xfrm>
+          <a:prstGeom prst="rect">
+            <a:avLst/>
+          </a:prstGeom>
+        </p:spPr>
+      </p:pic>
     </p:spTree>
     <p:extLst>
       <p:ext uri="{BB962C8B-B14F-4D97-AF65-F5344CB8AC3E}">
-        <p14:creationId xmlns:p14="http://schemas.microsoft.com/office/powerpoint/2010/main" val="1605530625"/>
+        <p14:creationId xmlns:p14="http://schemas.microsoft.com/office/powerpoint/2010/main" val="1331247727"/>
       </p:ext>
     </p:extLst>
   </p:cSld>
   <p:clrMapOvr>
     <a:masterClrMapping/>
   </p:clrMapOvr>
-  <mc:AlternateContent xmlns:mc="http://schemas.openxmlformats.org/markup-compatibility/2006">
-    <mc:Choice xmlns:p14="http://schemas.microsoft.com/office/powerpoint/2010/main" Requires="p14">
+  <mc:AlternateContent xmlns:mc="http://schemas.openxmlformats.org/markup-compatibility/2006" xmlns:p14="http://schemas.microsoft.com/office/powerpoint/2010/main">
+    <mc:Choice Requires="p14">
       <p:transition spd="med" p14:dur="700">
         <p:fade/>
       </p:transition>
     </mc:Choice>
-    <mc:Fallback>
+    <mc:Fallback xmlns="">
       <p:transition spd="med">
         <p:fade/>
       </p:transition>
@@ -5578,7 +5449,7 @@
 </file>
 
 <file path=ppt/slides/slide11.xml><?xml version="1.0" encoding="utf-8"?>
-<p:sld xmlns:a="http://schemas.openxmlformats.org/drawingml/2006/main" xmlns:r="http://schemas.openxmlformats.org/officeDocument/2006/relationships" xmlns:p="http://schemas.openxmlformats.org/presentationml/2006/main" show="0">
+<p:sld xmlns:a="http://schemas.openxmlformats.org/drawingml/2006/main" xmlns:r="http://schemas.openxmlformats.org/officeDocument/2006/relationships" xmlns:p="http://schemas.openxmlformats.org/presentationml/2006/main">
   <p:cSld>
     <p:spTree>
       <p:nvGrpSpPr>
@@ -5599,7 +5470,7 @@
           <p:cNvPr id="2" name="Title 1">
             <a:extLst>
               <a:ext uri="{FF2B5EF4-FFF2-40B4-BE49-F238E27FC236}">
-                <a16:creationId xmlns:a16="http://schemas.microsoft.com/office/drawing/2014/main" id="{635071B1-C64B-570C-0B0F-BA0157680F01}"/>
+                <a16:creationId xmlns:a16="http://schemas.microsoft.com/office/drawing/2014/main" id="{53E70B2C-BDC9-E7B7-B244-605E3E253898}"/>
               </a:ext>
             </a:extLst>
           </p:cNvPr>
@@ -5617,13 +5488,8 @@
           <a:p>
             <a:r>
               <a:rPr lang="en-US" dirty="0"/>
-              <a:t>FLOW – Get applicable </a:t>
-            </a:r>
-            <a:r>
-              <a:rPr lang="en-US" dirty="0" err="1"/>
-              <a:t>workitems</a:t>
-            </a:r>
-            <a:endParaRPr lang="en-US" dirty="0"/>
+              <a:t>SCP / User Agent Proxy – MPPS Initialization with UPS-RS</a:t>
+            </a:r>
           </a:p>
         </p:txBody>
       </p:sp>
@@ -5632,7 +5498,7 @@
           <p:cNvPr id="4" name="Date Placeholder 3">
             <a:extLst>
               <a:ext uri="{FF2B5EF4-FFF2-40B4-BE49-F238E27FC236}">
-                <a16:creationId xmlns:a16="http://schemas.microsoft.com/office/drawing/2014/main" id="{3B6A7C8F-140A-C6A4-DE43-4422E010CFAF}"/>
+                <a16:creationId xmlns:a16="http://schemas.microsoft.com/office/drawing/2014/main" id="{C0657F4D-2983-F09C-5EF1-DE63034DA2DA}"/>
               </a:ext>
             </a:extLst>
           </p:cNvPr>
@@ -5661,7 +5527,7 @@
           <p:cNvPr id="5" name="Footer Placeholder 4">
             <a:extLst>
               <a:ext uri="{FF2B5EF4-FFF2-40B4-BE49-F238E27FC236}">
-                <a16:creationId xmlns:a16="http://schemas.microsoft.com/office/drawing/2014/main" id="{7FC8E15C-AB02-BE75-50F7-77BF614BC8C3}"/>
+                <a16:creationId xmlns:a16="http://schemas.microsoft.com/office/drawing/2014/main" id="{9B6A005D-7500-DD53-15A1-5D233CC7CF3E}"/>
               </a:ext>
             </a:extLst>
           </p:cNvPr>
@@ -5693,7 +5559,7 @@
           <p:cNvPr id="6" name="Slide Number Placeholder 5">
             <a:extLst>
               <a:ext uri="{FF2B5EF4-FFF2-40B4-BE49-F238E27FC236}">
-                <a16:creationId xmlns:a16="http://schemas.microsoft.com/office/drawing/2014/main" id="{A130CDB2-8325-3607-B6E3-91DE3BAF8CCB}"/>
+                <a16:creationId xmlns:a16="http://schemas.microsoft.com/office/drawing/2014/main" id="{E2795E09-371A-19FB-4700-9A13B69DE090}"/>
               </a:ext>
             </a:extLst>
           </p:cNvPr>
@@ -5718,23 +5584,132 @@
           </a:p>
         </p:txBody>
       </p:sp>
+      <p:grpSp>
+        <p:nvGrpSpPr>
+          <p:cNvPr id="10" name="Group 9">
+            <a:extLst>
+              <a:ext uri="{FF2B5EF4-FFF2-40B4-BE49-F238E27FC236}">
+                <a16:creationId xmlns:a16="http://schemas.microsoft.com/office/drawing/2014/main" id="{09878902-532B-431B-E3A2-AB5B0FCD7544}"/>
+              </a:ext>
+            </a:extLst>
+          </p:cNvPr>
+          <p:cNvGrpSpPr/>
+          <p:nvPr/>
+        </p:nvGrpSpPr>
+        <p:grpSpPr>
+          <a:xfrm>
+            <a:off x="3200401" y="1809345"/>
+            <a:ext cx="5791199" cy="5048655"/>
+            <a:chOff x="3057525" y="1809345"/>
+            <a:chExt cx="5791199" cy="5048655"/>
+          </a:xfrm>
+        </p:grpSpPr>
+        <p:pic>
+          <p:nvPicPr>
+            <p:cNvPr id="7" name="Picture 6">
+              <a:extLst>
+                <a:ext uri="{FF2B5EF4-FFF2-40B4-BE49-F238E27FC236}">
+                  <a16:creationId xmlns:a16="http://schemas.microsoft.com/office/drawing/2014/main" id="{C2B3A56F-5F34-808E-983E-F4A27D070207}"/>
+                </a:ext>
+              </a:extLst>
+            </p:cNvPr>
+            <p:cNvPicPr>
+              <a:picLocks noChangeAspect="1"/>
+            </p:cNvPicPr>
+            <p:nvPr/>
+          </p:nvPicPr>
+          <p:blipFill rotWithShape="1">
+            <a:blip r:embed="rId2"/>
+            <a:srcRect t="30973" b="37778"/>
+            <a:stretch/>
+          </p:blipFill>
+          <p:spPr>
+            <a:xfrm>
+              <a:off x="3057525" y="2247494"/>
+              <a:ext cx="5791199" cy="4610506"/>
+            </a:xfrm>
+            <a:prstGeom prst="rect">
+              <a:avLst/>
+            </a:prstGeom>
+          </p:spPr>
+        </p:pic>
+        <p:pic>
+          <p:nvPicPr>
+            <p:cNvPr id="3" name="Picture 2">
+              <a:extLst>
+                <a:ext uri="{FF2B5EF4-FFF2-40B4-BE49-F238E27FC236}">
+                  <a16:creationId xmlns:a16="http://schemas.microsoft.com/office/drawing/2014/main" id="{9330E091-FCB9-ADE4-964F-642F6FE8850A}"/>
+                </a:ext>
+              </a:extLst>
+            </p:cNvPr>
+            <p:cNvPicPr>
+              <a:picLocks noChangeAspect="1"/>
+            </p:cNvPicPr>
+            <p:nvPr/>
+          </p:nvPicPr>
+          <p:blipFill rotWithShape="1">
+            <a:blip r:embed="rId2"/>
+            <a:srcRect t="-13" b="97043"/>
+            <a:stretch/>
+          </p:blipFill>
+          <p:spPr>
+            <a:xfrm>
+              <a:off x="3057525" y="1809345"/>
+              <a:ext cx="5791199" cy="438149"/>
+            </a:xfrm>
+            <a:prstGeom prst="rect">
+              <a:avLst/>
+            </a:prstGeom>
+          </p:spPr>
+        </p:pic>
+      </p:grpSp>
+      <p:pic>
+        <p:nvPicPr>
+          <p:cNvPr id="13" name="Picture 12">
+            <a:extLst>
+              <a:ext uri="{FF2B5EF4-FFF2-40B4-BE49-F238E27FC236}">
+                <a16:creationId xmlns:a16="http://schemas.microsoft.com/office/drawing/2014/main" id="{50B013FD-C55C-DBFC-C011-2F430B6085DF}"/>
+              </a:ext>
+            </a:extLst>
+          </p:cNvPr>
+          <p:cNvPicPr>
+            <a:picLocks noChangeAspect="1"/>
+          </p:cNvPicPr>
+          <p:nvPr/>
+        </p:nvPicPr>
+        <p:blipFill>
+          <a:blip r:embed="rId3"/>
+          <a:stretch>
+            <a:fillRect/>
+          </a:stretch>
+        </p:blipFill>
+        <p:spPr>
+          <a:xfrm>
+            <a:off x="5505395" y="5748335"/>
+            <a:ext cx="265461" cy="111942"/>
+          </a:xfrm>
+          <a:prstGeom prst="rect">
+            <a:avLst/>
+          </a:prstGeom>
+        </p:spPr>
+      </p:pic>
     </p:spTree>
     <p:extLst>
       <p:ext uri="{BB962C8B-B14F-4D97-AF65-F5344CB8AC3E}">
-        <p14:creationId xmlns:p14="http://schemas.microsoft.com/office/powerpoint/2010/main" val="208577286"/>
+        <p14:creationId xmlns:p14="http://schemas.microsoft.com/office/powerpoint/2010/main" val="366761762"/>
       </p:ext>
     </p:extLst>
   </p:cSld>
   <p:clrMapOvr>
     <a:masterClrMapping/>
   </p:clrMapOvr>
-  <mc:AlternateContent xmlns:mc="http://schemas.openxmlformats.org/markup-compatibility/2006">
-    <mc:Choice xmlns:p14="http://schemas.microsoft.com/office/powerpoint/2010/main" Requires="p14">
+  <mc:AlternateContent xmlns:mc="http://schemas.openxmlformats.org/markup-compatibility/2006" xmlns:p14="http://schemas.microsoft.com/office/powerpoint/2010/main">
+    <mc:Choice Requires="p14">
       <p:transition spd="med" p14:dur="700">
         <p:fade/>
       </p:transition>
     </mc:Choice>
-    <mc:Fallback>
+    <mc:Fallback xmlns="">
       <p:transition spd="med">
         <p:fade/>
       </p:transition>
@@ -5744,7 +5719,7 @@
 </file>
 
 <file path=ppt/slides/slide12.xml><?xml version="1.0" encoding="utf-8"?>
-<p:sld xmlns:a="http://schemas.openxmlformats.org/drawingml/2006/main" xmlns:r="http://schemas.openxmlformats.org/officeDocument/2006/relationships" xmlns:p="http://schemas.openxmlformats.org/presentationml/2006/main" show="0">
+<p:sld xmlns:a="http://schemas.openxmlformats.org/drawingml/2006/main" xmlns:r="http://schemas.openxmlformats.org/officeDocument/2006/relationships" xmlns:p="http://schemas.openxmlformats.org/presentationml/2006/main">
   <p:cSld>
     <p:spTree>
       <p:nvGrpSpPr>
@@ -5765,7 +5740,7 @@
           <p:cNvPr id="2" name="Title 1">
             <a:extLst>
               <a:ext uri="{FF2B5EF4-FFF2-40B4-BE49-F238E27FC236}">
-                <a16:creationId xmlns:a16="http://schemas.microsoft.com/office/drawing/2014/main" id="{ABE69902-7596-B16C-A709-227EF0F39FF2}"/>
+                <a16:creationId xmlns:a16="http://schemas.microsoft.com/office/drawing/2014/main" id="{EEAC6639-67C7-99F6-91F7-70BEA352371A}"/>
               </a:ext>
             </a:extLst>
           </p:cNvPr>
@@ -5783,13 +5758,324 @@
           <a:p>
             <a:r>
               <a:rPr lang="en-US" dirty="0"/>
-              <a:t>Flow – claim a </a:t>
+              <a:t>Relating </a:t>
             </a:r>
             <a:r>
               <a:rPr lang="en-US" dirty="0" err="1"/>
-              <a:t>workitem</a:t>
-            </a:r>
-            <a:endParaRPr lang="en-US" dirty="0"/>
+              <a:t>Workitems</a:t>
+            </a:r>
+            <a:r>
+              <a:rPr lang="en-US" dirty="0"/>
+              <a:t> in MWL and MPPS</a:t>
+            </a:r>
+          </a:p>
+        </p:txBody>
+      </p:sp>
+      <p:sp>
+        <p:nvSpPr>
+          <p:cNvPr id="3" name="Content Placeholder 2">
+            <a:extLst>
+              <a:ext uri="{FF2B5EF4-FFF2-40B4-BE49-F238E27FC236}">
+                <a16:creationId xmlns:a16="http://schemas.microsoft.com/office/drawing/2014/main" id="{38293DC9-F3C6-0B57-6F0F-B05B39D949E6}"/>
+              </a:ext>
+            </a:extLst>
+          </p:cNvPr>
+          <p:cNvSpPr>
+            <a:spLocks noGrp="1"/>
+          </p:cNvSpPr>
+          <p:nvPr>
+            <p:ph idx="1"/>
+          </p:nvPr>
+        </p:nvSpPr>
+        <p:spPr>
+          <a:xfrm>
+            <a:off x="581192" y="2180495"/>
+            <a:ext cx="11029615" cy="4237142"/>
+          </a:xfrm>
+        </p:spPr>
+        <p:txBody>
+          <a:bodyPr>
+            <a:normAutofit fontScale="70000" lnSpcReduction="20000"/>
+          </a:bodyPr>
+          <a:lstStyle/>
+          <a:p>
+            <a:r>
+              <a:rPr lang="en-US" dirty="0"/>
+              <a:t>Note in PS3.4, F.7.2.1: “The modality should inform the Information System as soon as possible that the performance of the Procedure Step has been started by sending the N-CREATE Service Request. This allows an SCP of the Modality Worklist SOP Class (if supported) to update the Modality Worklist. Some of the Attribute Values are already known at the beginning of the Procedure Step, they are required to be sent in the N-CREATE command. Other mandatory Attributes are known only at the end of the Performed Procedure Step, they are assigned a value in the N-SET command.”</a:t>
+            </a:r>
+            <a:br>
+              <a:rPr lang="en-US" dirty="0"/>
+            </a:br>
+            <a:r>
+              <a:rPr lang="en-US" dirty="0"/>
+              <a:t>Questions: 1. Clarify what is meant by ‘(if supported)’. 2. What attributes are already known at the beginning (and thus must be provided)? If these are not in DICOMweb </a:t>
+            </a:r>
+            <a:r>
+              <a:rPr lang="en-US" dirty="0" err="1"/>
+              <a:t>workitems</a:t>
+            </a:r>
+            <a:r>
+              <a:rPr lang="en-US" dirty="0"/>
+              <a:t>, these should be added at ‘claim time’. 3. Given the language, this note should not be a note.</a:t>
+            </a:r>
+          </a:p>
+          <a:p>
+            <a:pPr>
+              <a:spcAft>
+                <a:spcPts val="0"/>
+              </a:spcAft>
+            </a:pPr>
+            <a:r>
+              <a:rPr lang="en-US" dirty="0"/>
+              <a:t>PS3.17, J.2.1 Modality Conforms to Modality Worklist and MPPS SOP Classes (informative):</a:t>
+            </a:r>
+            <a:br>
+              <a:rPr lang="en-US" dirty="0"/>
+            </a:br>
+            <a:r>
+              <a:rPr lang="en-US" dirty="0"/>
+              <a:t>“The modality may:</a:t>
+            </a:r>
+          </a:p>
+          <a:p>
+            <a:pPr lvl="1">
+              <a:spcAft>
+                <a:spcPts val="0"/>
+              </a:spcAft>
+            </a:pPr>
+            <a:r>
+              <a:rPr lang="en-US" dirty="0"/>
+              <a:t>N-CREATE a MPPS SOP Instance </a:t>
+            </a:r>
+            <a:r>
+              <a:rPr lang="en-US" dirty="0">
+                <a:solidFill>
+                  <a:schemeClr val="bg1">
+                    <a:lumMod val="65000"/>
+                  </a:schemeClr>
+                </a:solidFill>
+              </a:rPr>
+              <a:t>and include its SOP Instance UID in the Image SOP Instances within the Referenced Performed Procedure Step Sequence Attribute.</a:t>
+            </a:r>
+          </a:p>
+          <a:p>
+            <a:pPr lvl="1">
+              <a:spcAft>
+                <a:spcPts val="0"/>
+              </a:spcAft>
+            </a:pPr>
+            <a:r>
+              <a:rPr lang="en-US" dirty="0"/>
+              <a:t>Copy the following Attribute values from the Modality Worklist information </a:t>
+            </a:r>
+            <a:r>
+              <a:rPr lang="en-US" dirty="0">
+                <a:solidFill>
+                  <a:schemeClr val="bg1">
+                    <a:lumMod val="65000"/>
+                  </a:schemeClr>
+                </a:solidFill>
+              </a:rPr>
+              <a:t>into the Image SOP Instances and </a:t>
+            </a:r>
+            <a:r>
+              <a:rPr lang="en-US" dirty="0"/>
+              <a:t>into the related MPPS SOP Instance:</a:t>
+            </a:r>
+          </a:p>
+          <a:p>
+            <a:pPr lvl="2">
+              <a:spcAft>
+                <a:spcPts val="0"/>
+              </a:spcAft>
+            </a:pPr>
+            <a:r>
+              <a:rPr lang="en-US" dirty="0"/>
+              <a:t>Study Instance UID</a:t>
+            </a:r>
+          </a:p>
+          <a:p>
+            <a:pPr lvl="2">
+              <a:spcAft>
+                <a:spcPts val="0"/>
+              </a:spcAft>
+            </a:pPr>
+            <a:r>
+              <a:rPr lang="en-US" dirty="0"/>
+              <a:t>Referenced Study Sequence</a:t>
+            </a:r>
+          </a:p>
+          <a:p>
+            <a:pPr lvl="2">
+              <a:spcAft>
+                <a:spcPts val="0"/>
+              </a:spcAft>
+            </a:pPr>
+            <a:r>
+              <a:rPr lang="en-US" dirty="0"/>
+              <a:t>Accession Number</a:t>
+            </a:r>
+          </a:p>
+          <a:p>
+            <a:pPr lvl="2">
+              <a:spcAft>
+                <a:spcPts val="0"/>
+              </a:spcAft>
+            </a:pPr>
+            <a:r>
+              <a:rPr lang="en-US" dirty="0"/>
+              <a:t>Requested Procedure ID</a:t>
+            </a:r>
+          </a:p>
+          <a:p>
+            <a:pPr lvl="2">
+              <a:spcAft>
+                <a:spcPts val="0"/>
+              </a:spcAft>
+            </a:pPr>
+            <a:r>
+              <a:rPr lang="en-US" dirty="0"/>
+              <a:t>Scheduled Procedure Step ID</a:t>
+            </a:r>
+          </a:p>
+          <a:p>
+            <a:pPr lvl="2">
+              <a:spcAft>
+                <a:spcPts val="0"/>
+              </a:spcAft>
+            </a:pPr>
+            <a:r>
+              <a:rPr lang="en-US" dirty="0"/>
+              <a:t>Scheduled Procedure Step Description</a:t>
+            </a:r>
+          </a:p>
+          <a:p>
+            <a:pPr lvl="2">
+              <a:spcAft>
+                <a:spcPts val="0"/>
+              </a:spcAft>
+            </a:pPr>
+            <a:r>
+              <a:rPr lang="en-US" dirty="0"/>
+              <a:t>Scheduled Protocol Code Sequence</a:t>
+            </a:r>
+          </a:p>
+          <a:p>
+            <a:pPr lvl="1">
+              <a:spcAft>
+                <a:spcPts val="0"/>
+              </a:spcAft>
+            </a:pPr>
+            <a:r>
+              <a:rPr lang="en-US" dirty="0"/>
+              <a:t>Create the following Attribute value and include it into </a:t>
+            </a:r>
+            <a:r>
+              <a:rPr lang="en-US" dirty="0">
+                <a:solidFill>
+                  <a:schemeClr val="bg1">
+                    <a:lumMod val="65000"/>
+                  </a:schemeClr>
+                </a:solidFill>
+              </a:rPr>
+              <a:t>the Image SOP Instances and </a:t>
+            </a:r>
+            <a:r>
+              <a:rPr lang="en-US" dirty="0"/>
+              <a:t>the related MPPS SOP Instance:</a:t>
+            </a:r>
+          </a:p>
+          <a:p>
+            <a:pPr lvl="2">
+              <a:spcAft>
+                <a:spcPts val="0"/>
+              </a:spcAft>
+            </a:pPr>
+            <a:r>
+              <a:rPr lang="en-US" dirty="0"/>
+              <a:t>Performed Procedure Step ID</a:t>
+            </a:r>
+          </a:p>
+          <a:p>
+            <a:pPr lvl="1">
+              <a:spcAft>
+                <a:spcPts val="0"/>
+              </a:spcAft>
+            </a:pPr>
+            <a:r>
+              <a:rPr lang="en-US" dirty="0"/>
+              <a:t>Include the following Attribute values that may be generated during image acquisition, if supported, into </a:t>
+            </a:r>
+            <a:r>
+              <a:rPr lang="en-US" dirty="0">
+                <a:solidFill>
+                  <a:schemeClr val="bg1">
+                    <a:lumMod val="65000"/>
+                  </a:schemeClr>
+                </a:solidFill>
+              </a:rPr>
+              <a:t>the Image SOP Instances and </a:t>
+            </a:r>
+            <a:r>
+              <a:rPr lang="en-US" dirty="0"/>
+              <a:t>the related MPPS SOP Instance:</a:t>
+            </a:r>
+          </a:p>
+          <a:p>
+            <a:pPr lvl="2">
+              <a:spcAft>
+                <a:spcPts val="0"/>
+              </a:spcAft>
+            </a:pPr>
+            <a:r>
+              <a:rPr lang="en-US" dirty="0"/>
+              <a:t>Performed Procedure Step Start Date</a:t>
+            </a:r>
+          </a:p>
+          <a:p>
+            <a:pPr lvl="2">
+              <a:spcAft>
+                <a:spcPts val="0"/>
+              </a:spcAft>
+            </a:pPr>
+            <a:r>
+              <a:rPr lang="en-US" dirty="0"/>
+              <a:t>Performed Procedure Step Start Time</a:t>
+            </a:r>
+          </a:p>
+          <a:p>
+            <a:pPr lvl="2">
+              <a:spcAft>
+                <a:spcPts val="0"/>
+              </a:spcAft>
+            </a:pPr>
+            <a:r>
+              <a:rPr lang="en-US" dirty="0"/>
+              <a:t>Performed Procedure Step Description</a:t>
+            </a:r>
+          </a:p>
+          <a:p>
+            <a:pPr lvl="2">
+              <a:spcAft>
+                <a:spcPts val="0"/>
+              </a:spcAft>
+            </a:pPr>
+            <a:r>
+              <a:rPr lang="en-US" dirty="0"/>
+              <a:t>Study ID”</a:t>
+            </a:r>
+          </a:p>
+          <a:p>
+            <a:pPr marL="324000" lvl="1" indent="0">
+              <a:spcAft>
+                <a:spcPts val="0"/>
+              </a:spcAft>
+              <a:buNone/>
+            </a:pPr>
+            <a:r>
+              <a:rPr lang="en-US" dirty="0"/>
+              <a:t>Annex A of IHE RAD TF-2x reflects the adoption of the above, and contains clarifications, additions and a summary.</a:t>
+            </a:r>
           </a:p>
         </p:txBody>
       </p:sp>
@@ -5798,7 +6084,7 @@
           <p:cNvPr id="4" name="Date Placeholder 3">
             <a:extLst>
               <a:ext uri="{FF2B5EF4-FFF2-40B4-BE49-F238E27FC236}">
-                <a16:creationId xmlns:a16="http://schemas.microsoft.com/office/drawing/2014/main" id="{9EEC4292-13EC-19B0-6EE5-0D15B1B58BA7}"/>
+                <a16:creationId xmlns:a16="http://schemas.microsoft.com/office/drawing/2014/main" id="{F20C55E6-C765-0B8E-4A3B-6BE737F07FC3}"/>
               </a:ext>
             </a:extLst>
           </p:cNvPr>
@@ -5827,7 +6113,7 @@
           <p:cNvPr id="5" name="Footer Placeholder 4">
             <a:extLst>
               <a:ext uri="{FF2B5EF4-FFF2-40B4-BE49-F238E27FC236}">
-                <a16:creationId xmlns:a16="http://schemas.microsoft.com/office/drawing/2014/main" id="{3FCBC33B-FF48-C130-6881-44DB81880477}"/>
+                <a16:creationId xmlns:a16="http://schemas.microsoft.com/office/drawing/2014/main" id="{A48D073D-B2B9-C2F6-1927-63AF8FCC71E0}"/>
               </a:ext>
             </a:extLst>
           </p:cNvPr>
@@ -5844,7 +6130,7 @@
           <a:lstStyle/>
           <a:p>
             <a:r>
-              <a:rPr lang="en-US">
+              <a:rPr lang="en-US" dirty="0">
                 <a:latin typeface="Arial" panose="020B0604020202020204" pitchFamily="34" charset="0"/>
                 <a:cs typeface="Arial" panose="020B0604020202020204" pitchFamily="34" charset="0"/>
               </a:rPr>
@@ -5859,7 +6145,7 @@
           <p:cNvPr id="6" name="Slide Number Placeholder 5">
             <a:extLst>
               <a:ext uri="{FF2B5EF4-FFF2-40B4-BE49-F238E27FC236}">
-                <a16:creationId xmlns:a16="http://schemas.microsoft.com/office/drawing/2014/main" id="{3511CFBE-DA65-061C-14E9-041C8FD2A800}"/>
+                <a16:creationId xmlns:a16="http://schemas.microsoft.com/office/drawing/2014/main" id="{5D79E7C5-C1D3-318C-332B-4C890B5C4776}"/>
               </a:ext>
             </a:extLst>
           </p:cNvPr>
@@ -5887,20 +6173,20 @@
     </p:spTree>
     <p:extLst>
       <p:ext uri="{BB962C8B-B14F-4D97-AF65-F5344CB8AC3E}">
-        <p14:creationId xmlns:p14="http://schemas.microsoft.com/office/powerpoint/2010/main" val="1917939172"/>
+        <p14:creationId xmlns:p14="http://schemas.microsoft.com/office/powerpoint/2010/main" val="1605530625"/>
       </p:ext>
     </p:extLst>
   </p:cSld>
   <p:clrMapOvr>
     <a:masterClrMapping/>
   </p:clrMapOvr>
-  <mc:AlternateContent xmlns:mc="http://schemas.openxmlformats.org/markup-compatibility/2006">
-    <mc:Choice xmlns:p14="http://schemas.microsoft.com/office/powerpoint/2010/main" Requires="p14">
+  <mc:AlternateContent xmlns:mc="http://schemas.openxmlformats.org/markup-compatibility/2006" xmlns:p14="http://schemas.microsoft.com/office/powerpoint/2010/main">
+    <mc:Choice Requires="p14">
       <p:transition spd="med" p14:dur="700">
         <p:fade/>
       </p:transition>
     </mc:Choice>
-    <mc:Fallback>
+    <mc:Fallback xmlns="">
       <p:transition spd="med">
         <p:fade/>
       </p:transition>
@@ -5910,7 +6196,7 @@
 </file>
 
 <file path=ppt/slides/slide13.xml><?xml version="1.0" encoding="utf-8"?>
-<p:sld xmlns:a="http://schemas.openxmlformats.org/drawingml/2006/main" xmlns:r="http://schemas.openxmlformats.org/officeDocument/2006/relationships" xmlns:p="http://schemas.openxmlformats.org/presentationml/2006/main" show="0">
+<p:sld xmlns:a="http://schemas.openxmlformats.org/drawingml/2006/main" xmlns:r="http://schemas.openxmlformats.org/officeDocument/2006/relationships" xmlns:p="http://schemas.openxmlformats.org/presentationml/2006/main">
   <p:cSld>
     <p:spTree>
       <p:nvGrpSpPr>
@@ -5931,7 +6217,7 @@
           <p:cNvPr id="2" name="Title 1">
             <a:extLst>
               <a:ext uri="{FF2B5EF4-FFF2-40B4-BE49-F238E27FC236}">
-                <a16:creationId xmlns:a16="http://schemas.microsoft.com/office/drawing/2014/main" id="{10652AD4-8188-D7D1-65AE-C4223C72C04A}"/>
+                <a16:creationId xmlns:a16="http://schemas.microsoft.com/office/drawing/2014/main" id="{4761BA61-6672-2152-5093-51B809AD92A9}"/>
               </a:ext>
             </a:extLst>
           </p:cNvPr>
@@ -5949,13 +6235,8 @@
           <a:p>
             <a:r>
               <a:rPr lang="en-US" dirty="0"/>
-              <a:t>Flow – report progress on </a:t>
-            </a:r>
-            <a:r>
-              <a:rPr lang="en-US" dirty="0" err="1"/>
-              <a:t>workitem</a:t>
-            </a:r>
-            <a:endParaRPr lang="en-US" dirty="0"/>
+              <a:t>Next Steps</a:t>
+            </a:r>
           </a:p>
         </p:txBody>
       </p:sp>
@@ -5964,7 +6245,7 @@
           <p:cNvPr id="3" name="Content Placeholder 2">
             <a:extLst>
               <a:ext uri="{FF2B5EF4-FFF2-40B4-BE49-F238E27FC236}">
-                <a16:creationId xmlns:a16="http://schemas.microsoft.com/office/drawing/2014/main" id="{336EB223-B668-1454-D6E5-C657A8BB4B2C}"/>
+                <a16:creationId xmlns:a16="http://schemas.microsoft.com/office/drawing/2014/main" id="{D99241BB-6EE7-44E8-D835-03637102E458}"/>
               </a:ext>
             </a:extLst>
           </p:cNvPr>
@@ -5980,7 +6261,22 @@
           <a:bodyPr/>
           <a:lstStyle/>
           <a:p>
-            <a:endParaRPr lang="en-US"/>
+            <a:r>
+              <a:rPr lang="en-US" dirty="0"/>
+              <a:t>Get a supplement number</a:t>
+            </a:r>
+          </a:p>
+          <a:p>
+            <a:r>
+              <a:rPr lang="en-US" dirty="0"/>
+              <a:t>Continue the elaboration of the two proxies</a:t>
+            </a:r>
+          </a:p>
+          <a:p>
+            <a:r>
+              <a:rPr lang="en-US" dirty="0"/>
+              <a:t>Elaborate the ‘convert’ comments to set clear mappings</a:t>
+            </a:r>
           </a:p>
         </p:txBody>
       </p:sp>
@@ -5989,7 +6285,7 @@
           <p:cNvPr id="4" name="Date Placeholder 3">
             <a:extLst>
               <a:ext uri="{FF2B5EF4-FFF2-40B4-BE49-F238E27FC236}">
-                <a16:creationId xmlns:a16="http://schemas.microsoft.com/office/drawing/2014/main" id="{0211EA99-07D3-381C-7AC1-C5219F2D3818}"/>
+                <a16:creationId xmlns:a16="http://schemas.microsoft.com/office/drawing/2014/main" id="{5254F037-D6C2-9A61-65AD-18B50EFF865E}"/>
               </a:ext>
             </a:extLst>
           </p:cNvPr>
@@ -6018,7 +6314,7 @@
           <p:cNvPr id="5" name="Footer Placeholder 4">
             <a:extLst>
               <a:ext uri="{FF2B5EF4-FFF2-40B4-BE49-F238E27FC236}">
-                <a16:creationId xmlns:a16="http://schemas.microsoft.com/office/drawing/2014/main" id="{0CD6F7CB-E0B0-D166-1C2D-3E9DFADCFA4D}"/>
+                <a16:creationId xmlns:a16="http://schemas.microsoft.com/office/drawing/2014/main" id="{8D0E2E3F-4967-1322-8E56-DAEF2A1F43F4}"/>
               </a:ext>
             </a:extLst>
           </p:cNvPr>
@@ -6050,7 +6346,7 @@
           <p:cNvPr id="6" name="Slide Number Placeholder 5">
             <a:extLst>
               <a:ext uri="{FF2B5EF4-FFF2-40B4-BE49-F238E27FC236}">
-                <a16:creationId xmlns:a16="http://schemas.microsoft.com/office/drawing/2014/main" id="{B6B959A7-0E60-A639-AE61-2B260788BCF7}"/>
+                <a16:creationId xmlns:a16="http://schemas.microsoft.com/office/drawing/2014/main" id="{EA3864F8-69FA-DC6D-E912-807522AD00A9}"/>
               </a:ext>
             </a:extLst>
           </p:cNvPr>
@@ -6078,219 +6374,13 @@
     </p:spTree>
     <p:extLst>
       <p:ext uri="{BB962C8B-B14F-4D97-AF65-F5344CB8AC3E}">
-        <p14:creationId xmlns:p14="http://schemas.microsoft.com/office/powerpoint/2010/main" val="479568592"/>
+        <p14:creationId xmlns:p14="http://schemas.microsoft.com/office/powerpoint/2010/main" val="1961528315"/>
       </p:ext>
     </p:extLst>
   </p:cSld>
   <p:clrMapOvr>
     <a:masterClrMapping/>
   </p:clrMapOvr>
-  <mc:AlternateContent xmlns:mc="http://schemas.openxmlformats.org/markup-compatibility/2006">
-    <mc:Choice xmlns:p14="http://schemas.microsoft.com/office/powerpoint/2010/main" Requires="p14">
-      <p:transition spd="med" p14:dur="700">
-        <p:fade/>
-      </p:transition>
-    </mc:Choice>
-    <mc:Fallback>
-      <p:transition spd="med">
-        <p:fade/>
-      </p:transition>
-    </mc:Fallback>
-  </mc:AlternateContent>
-</p:sld>
-</file>
-
-<file path=ppt/slides/slide14.xml><?xml version="1.0" encoding="utf-8"?>
-<p:sld xmlns:a="http://schemas.openxmlformats.org/drawingml/2006/main" xmlns:r="http://schemas.openxmlformats.org/officeDocument/2006/relationships" xmlns:p="http://schemas.openxmlformats.org/presentationml/2006/main" show="0">
-  <p:cSld>
-    <p:spTree>
-      <p:nvGrpSpPr>
-        <p:cNvPr id="1" name=""/>
-        <p:cNvGrpSpPr/>
-        <p:nvPr/>
-      </p:nvGrpSpPr>
-      <p:grpSpPr>
-        <a:xfrm>
-          <a:off x="0" y="0"/>
-          <a:ext cx="0" cy="0"/>
-          <a:chOff x="0" y="0"/>
-          <a:chExt cx="0" cy="0"/>
-        </a:xfrm>
-      </p:grpSpPr>
-      <p:sp>
-        <p:nvSpPr>
-          <p:cNvPr id="2" name="Title 1">
-            <a:extLst>
-              <a:ext uri="{FF2B5EF4-FFF2-40B4-BE49-F238E27FC236}">
-                <a16:creationId xmlns:a16="http://schemas.microsoft.com/office/drawing/2014/main" id="{0C9ABA95-EDC6-F430-5CC9-3A4809C338B0}"/>
-              </a:ext>
-            </a:extLst>
-          </p:cNvPr>
-          <p:cNvSpPr>
-            <a:spLocks noGrp="1"/>
-          </p:cNvSpPr>
-          <p:nvPr>
-            <p:ph type="title"/>
-          </p:nvPr>
-        </p:nvSpPr>
-        <p:spPr/>
-        <p:txBody>
-          <a:bodyPr/>
-          <a:lstStyle/>
-          <a:p>
-            <a:r>
-              <a:rPr lang="en-US" dirty="0"/>
-              <a:t>Flow – mark </a:t>
-            </a:r>
-            <a:r>
-              <a:rPr lang="en-US" dirty="0" err="1"/>
-              <a:t>workitem</a:t>
-            </a:r>
-            <a:r>
-              <a:rPr lang="en-US" dirty="0"/>
-              <a:t> as done</a:t>
-            </a:r>
-          </a:p>
-        </p:txBody>
-      </p:sp>
-      <p:sp>
-        <p:nvSpPr>
-          <p:cNvPr id="3" name="Content Placeholder 2">
-            <a:extLst>
-              <a:ext uri="{FF2B5EF4-FFF2-40B4-BE49-F238E27FC236}">
-                <a16:creationId xmlns:a16="http://schemas.microsoft.com/office/drawing/2014/main" id="{26D0ECAE-0EDC-AA86-5F56-13BC0C69CFAD}"/>
-              </a:ext>
-            </a:extLst>
-          </p:cNvPr>
-          <p:cNvSpPr>
-            <a:spLocks noGrp="1"/>
-          </p:cNvSpPr>
-          <p:nvPr>
-            <p:ph idx="1"/>
-          </p:nvPr>
-        </p:nvSpPr>
-        <p:spPr/>
-        <p:txBody>
-          <a:bodyPr/>
-          <a:lstStyle/>
-          <a:p>
-            <a:endParaRPr lang="en-US"/>
-          </a:p>
-        </p:txBody>
-      </p:sp>
-      <p:sp>
-        <p:nvSpPr>
-          <p:cNvPr id="4" name="Date Placeholder 3">
-            <a:extLst>
-              <a:ext uri="{FF2B5EF4-FFF2-40B4-BE49-F238E27FC236}">
-                <a16:creationId xmlns:a16="http://schemas.microsoft.com/office/drawing/2014/main" id="{E3B0B5D3-AA90-99C8-1794-8465CFAC0FB1}"/>
-              </a:ext>
-            </a:extLst>
-          </p:cNvPr>
-          <p:cNvSpPr>
-            <a:spLocks noGrp="1"/>
-          </p:cNvSpPr>
-          <p:nvPr>
-            <p:ph type="dt" sz="half" idx="2"/>
-          </p:nvPr>
-        </p:nvSpPr>
-        <p:spPr/>
-        <p:txBody>
-          <a:bodyPr/>
-          <a:lstStyle/>
-          <a:p>
-            <a:r>
-              <a:rPr lang="fr-FR"/>
-              <a:t>May 2024</a:t>
-            </a:r>
-            <a:endParaRPr lang="en-US" dirty="0"/>
-          </a:p>
-        </p:txBody>
-      </p:sp>
-      <p:sp>
-        <p:nvSpPr>
-          <p:cNvPr id="5" name="Footer Placeholder 4">
-            <a:extLst>
-              <a:ext uri="{FF2B5EF4-FFF2-40B4-BE49-F238E27FC236}">
-                <a16:creationId xmlns:a16="http://schemas.microsoft.com/office/drawing/2014/main" id="{1CE9FF45-A7F4-F905-A606-D22A1A1B05D9}"/>
-              </a:ext>
-            </a:extLst>
-          </p:cNvPr>
-          <p:cNvSpPr>
-            <a:spLocks noGrp="1"/>
-          </p:cNvSpPr>
-          <p:nvPr>
-            <p:ph type="ftr" sz="quarter" idx="3"/>
-          </p:nvPr>
-        </p:nvSpPr>
-        <p:spPr/>
-        <p:txBody>
-          <a:bodyPr/>
-          <a:lstStyle/>
-          <a:p>
-            <a:r>
-              <a:rPr lang="en-US">
-                <a:latin typeface="Arial" panose="020B0604020202020204" pitchFamily="34" charset="0"/>
-                <a:cs typeface="Arial" panose="020B0604020202020204" pitchFamily="34" charset="0"/>
-              </a:rPr>
-              <a:t>Copyright DICOM® 2024</a:t>
-            </a:r>
-            <a:endParaRPr lang="en-US" dirty="0"/>
-          </a:p>
-        </p:txBody>
-      </p:sp>
-      <p:sp>
-        <p:nvSpPr>
-          <p:cNvPr id="6" name="Slide Number Placeholder 5">
-            <a:extLst>
-              <a:ext uri="{FF2B5EF4-FFF2-40B4-BE49-F238E27FC236}">
-                <a16:creationId xmlns:a16="http://schemas.microsoft.com/office/drawing/2014/main" id="{23238828-9085-8442-AD11-471A71D6CACC}"/>
-              </a:ext>
-            </a:extLst>
-          </p:cNvPr>
-          <p:cNvSpPr>
-            <a:spLocks noGrp="1"/>
-          </p:cNvSpPr>
-          <p:nvPr>
-            <p:ph type="sldNum" sz="quarter" idx="4"/>
-          </p:nvPr>
-        </p:nvSpPr>
-        <p:spPr/>
-        <p:txBody>
-          <a:bodyPr/>
-          <a:lstStyle/>
-          <a:p>
-            <a:fld id="{D57F1E4F-1CFF-5643-939E-217C01CDF565}" type="slidenum">
-              <a:rPr lang="en-US" smtClean="0"/>
-              <a:pPr/>
-              <a:t>14</a:t>
-            </a:fld>
-            <a:endParaRPr lang="en-US" dirty="0"/>
-          </a:p>
-        </p:txBody>
-      </p:sp>
-    </p:spTree>
-    <p:extLst>
-      <p:ext uri="{BB962C8B-B14F-4D97-AF65-F5344CB8AC3E}">
-        <p14:creationId xmlns:p14="http://schemas.microsoft.com/office/powerpoint/2010/main" val="2379981189"/>
-      </p:ext>
-    </p:extLst>
-  </p:cSld>
-  <p:clrMapOvr>
-    <a:masterClrMapping/>
-  </p:clrMapOvr>
-  <mc:AlternateContent xmlns:mc="http://schemas.openxmlformats.org/markup-compatibility/2006">
-    <mc:Choice xmlns:p14="http://schemas.microsoft.com/office/powerpoint/2010/main" Requires="p14">
-      <p:transition spd="med" p14:dur="700">
-        <p:fade/>
-      </p:transition>
-    </mc:Choice>
-    <mc:Fallback>
-      <p:transition spd="med">
-        <p:fade/>
-      </p:transition>
-    </mc:Fallback>
-  </mc:AlternateContent>
 </p:sld>
 </file>
 
@@ -6665,13 +6755,13 @@
   <p:clrMapOvr>
     <a:masterClrMapping/>
   </p:clrMapOvr>
-  <mc:AlternateContent xmlns:mc="http://schemas.openxmlformats.org/markup-compatibility/2006">
-    <mc:Choice xmlns:p14="http://schemas.microsoft.com/office/powerpoint/2010/main" Requires="p14">
+  <mc:AlternateContent xmlns:mc="http://schemas.openxmlformats.org/markup-compatibility/2006" xmlns:p14="http://schemas.microsoft.com/office/powerpoint/2010/main">
+    <mc:Choice Requires="p14">
       <p:transition spd="med" p14:dur="700">
         <p:fade/>
       </p:transition>
     </mc:Choice>
-    <mc:Fallback>
+    <mc:Fallback xmlns="">
       <p:transition spd="med">
         <p:fade/>
       </p:transition>
@@ -6839,15 +6929,15 @@
         </p:spPr>
         <p:style>
           <a:lnRef idx="2">
-            <a:schemeClr val="accent1">
+            <a:schemeClr val="accent6">
               <a:shade val="15000"/>
             </a:schemeClr>
           </a:lnRef>
           <a:fillRef idx="1">
-            <a:schemeClr val="accent1"/>
+            <a:schemeClr val="accent6"/>
           </a:fillRef>
           <a:effectRef idx="0">
-            <a:schemeClr val="accent1"/>
+            <a:schemeClr val="accent6"/>
           </a:effectRef>
           <a:fontRef idx="minor">
             <a:schemeClr val="lt1"/>
@@ -6860,7 +6950,7 @@
             <a:pPr algn="ctr"/>
             <a:r>
               <a:rPr lang="en-US" dirty="0"/>
-              <a:t>DICOMweb Modality Services</a:t>
+              <a:t>DICOMweb Modality Services (MSs-RS)</a:t>
             </a:r>
           </a:p>
         </p:txBody>
@@ -6908,15 +6998,15 @@
           </p:spPr>
           <p:style>
             <a:lnRef idx="2">
-              <a:schemeClr val="accent1">
+              <a:schemeClr val="accent6">
                 <a:shade val="15000"/>
               </a:schemeClr>
             </a:lnRef>
             <a:fillRef idx="1">
-              <a:schemeClr val="accent1"/>
+              <a:schemeClr val="accent6"/>
             </a:fillRef>
             <a:effectRef idx="0">
-              <a:schemeClr val="accent1"/>
+              <a:schemeClr val="accent6"/>
             </a:effectRef>
             <a:fontRef idx="minor">
               <a:schemeClr val="lt1"/>
@@ -7063,15 +7153,15 @@
           </p:spPr>
           <p:style>
             <a:lnRef idx="2">
-              <a:schemeClr val="accent1">
+              <a:schemeClr val="accent6">
                 <a:shade val="15000"/>
               </a:schemeClr>
             </a:lnRef>
             <a:fillRef idx="1">
-              <a:schemeClr val="accent1"/>
+              <a:schemeClr val="accent6"/>
             </a:fillRef>
             <a:effectRef idx="0">
-              <a:schemeClr val="accent1"/>
+              <a:schemeClr val="accent6"/>
             </a:effectRef>
             <a:fontRef idx="minor">
               <a:schemeClr val="lt1"/>
@@ -7376,15 +7466,15 @@
           </p:spPr>
           <p:style>
             <a:lnRef idx="2">
-              <a:schemeClr val="accent1">
+              <a:schemeClr val="accent6">
                 <a:shade val="15000"/>
               </a:schemeClr>
             </a:lnRef>
             <a:fillRef idx="1">
-              <a:schemeClr val="accent1"/>
+              <a:schemeClr val="accent6"/>
             </a:fillRef>
             <a:effectRef idx="0">
-              <a:schemeClr val="accent1"/>
+              <a:schemeClr val="accent6"/>
             </a:effectRef>
             <a:fontRef idx="minor">
               <a:schemeClr val="lt1"/>
@@ -7397,7 +7487,7 @@
               <a:pPr algn="ctr"/>
               <a:r>
                 <a:rPr lang="en-US" dirty="0"/>
-                <a:t>DICOMweb Worklist Service</a:t>
+                <a:t>DICOMweb Worklist Service (UPS-RS)</a:t>
               </a:r>
             </a:p>
           </p:txBody>
@@ -7746,13 +7836,13 @@
   <p:clrMapOvr>
     <a:masterClrMapping/>
   </p:clrMapOvr>
-  <mc:AlternateContent xmlns:mc="http://schemas.openxmlformats.org/markup-compatibility/2006">
-    <mc:Choice xmlns:p14="http://schemas.microsoft.com/office/powerpoint/2010/main" Requires="p14">
+  <mc:AlternateContent xmlns:mc="http://schemas.openxmlformats.org/markup-compatibility/2006" xmlns:p14="http://schemas.microsoft.com/office/powerpoint/2010/main">
+    <mc:Choice Requires="p14">
       <p:transition spd="med" p14:dur="700">
         <p:fade/>
       </p:transition>
     </mc:Choice>
-    <mc:Fallback>
+    <mc:Fallback xmlns="">
       <p:transition spd="med">
         <p:fade/>
       </p:transition>
@@ -8228,7 +8318,7 @@
         <p:spPr>
           <a:xfrm>
             <a:off x="581192" y="2180496"/>
-            <a:ext cx="11029615" cy="3876867"/>
+            <a:ext cx="11029615" cy="4325812"/>
           </a:xfrm>
         </p:spPr>
         <p:txBody>
@@ -8253,7 +8343,7 @@
                   <a:schemeClr val="tx1"/>
                 </a:solidFill>
               </a:rPr>
-              <a:t> 	Get applicable </a:t>
+              <a:t> 	Get Applicable </a:t>
             </a:r>
             <a:r>
               <a:rPr lang="en-US" dirty="0" err="1">
@@ -8293,7 +8383,7 @@
             </a:pPr>
             <a:r>
               <a:rPr lang="en-US" dirty="0"/>
-              <a:t> 	Claim a </a:t>
+              <a:t> 	Claim and Prepare </a:t>
             </a:r>
             <a:r>
               <a:rPr lang="en-US" dirty="0" err="1"/>
@@ -8310,6 +8400,9 @@
               <a:rPr lang="en-US" sz="1800" dirty="0"/>
               <a:t> </a:t>
             </a:r>
+            <a:br>
+              <a:rPr lang="en-US" sz="1800" dirty="0"/>
+            </a:br>
             <a:endParaRPr lang="en-US" i="1" dirty="0"/>
           </a:p>
           <a:p>
@@ -8333,7 +8426,7 @@
             </a:r>
             <a:r>
               <a:rPr lang="en-US" dirty="0"/>
-              <a:t>Report progress on </a:t>
+              <a:t>Report Progress on </a:t>
             </a:r>
             <a:r>
               <a:rPr lang="en-US" dirty="0" err="1"/>
@@ -8373,7 +8466,7 @@
             </a:r>
             <a:r>
               <a:rPr lang="en-US" dirty="0"/>
-              <a:t>Mark </a:t>
+              <a:t>Change </a:t>
             </a:r>
             <a:r>
               <a:rPr lang="en-US" dirty="0" err="1"/>
@@ -8381,7 +8474,7 @@
             </a:r>
             <a:r>
               <a:rPr lang="en-US" dirty="0"/>
-              <a:t> as done</a:t>
+              <a:t> State</a:t>
             </a:r>
             <a:br>
               <a:rPr lang="en-US" dirty="0">
@@ -8462,8 +8555,180 @@
                   <a:schemeClr val="tx1"/>
                 </a:solidFill>
               </a:rPr>
-              <a:t> 	Get Notified</a:t>
-            </a:r>
+              <a:t> 	Get Notified initialize </a:t>
+            </a:r>
+          </a:p>
+        </p:txBody>
+      </p:sp>
+      <p:grpSp>
+        <p:nvGrpSpPr>
+          <p:cNvPr id="32" name="Group 31">
+            <a:extLst>
+              <a:ext uri="{FF2B5EF4-FFF2-40B4-BE49-F238E27FC236}">
+                <a16:creationId xmlns:a16="http://schemas.microsoft.com/office/drawing/2014/main" id="{089CC006-7B82-0D71-E799-CB8CB0F324F5}"/>
+              </a:ext>
+            </a:extLst>
+          </p:cNvPr>
+          <p:cNvGrpSpPr/>
+          <p:nvPr/>
+        </p:nvGrpSpPr>
+        <p:grpSpPr>
+          <a:xfrm>
+            <a:off x="2613533" y="2950510"/>
+            <a:ext cx="7349617" cy="1821515"/>
+            <a:chOff x="2613533" y="2950510"/>
+            <a:chExt cx="7349617" cy="1821515"/>
+          </a:xfrm>
+        </p:grpSpPr>
+        <p:sp>
+          <p:nvSpPr>
+            <p:cNvPr id="13" name="Rectangle 12">
+              <a:extLst>
+                <a:ext uri="{FF2B5EF4-FFF2-40B4-BE49-F238E27FC236}">
+                  <a16:creationId xmlns:a16="http://schemas.microsoft.com/office/drawing/2014/main" id="{E14B00E1-3A8E-99BF-65ED-489522DB7AE5}"/>
+                </a:ext>
+              </a:extLst>
+            </p:cNvPr>
+            <p:cNvSpPr/>
+            <p:nvPr/>
+          </p:nvSpPr>
+          <p:spPr>
+            <a:xfrm>
+              <a:off x="5729799" y="2950510"/>
+              <a:ext cx="4233351" cy="1821515"/>
+            </a:xfrm>
+            <a:prstGeom prst="rect">
+              <a:avLst/>
+            </a:prstGeom>
+            <a:ln>
+              <a:noFill/>
+            </a:ln>
+          </p:spPr>
+          <p:style>
+            <a:lnRef idx="2">
+              <a:schemeClr val="accent2">
+                <a:shade val="15000"/>
+              </a:schemeClr>
+            </a:lnRef>
+            <a:fillRef idx="1">
+              <a:schemeClr val="accent2"/>
+            </a:fillRef>
+            <a:effectRef idx="0">
+              <a:schemeClr val="accent2"/>
+            </a:effectRef>
+            <a:fontRef idx="minor">
+              <a:schemeClr val="lt1"/>
+            </a:fontRef>
+          </p:style>
+          <p:txBody>
+            <a:bodyPr rtlCol="0" anchor="ctr"/>
+            <a:lstStyle/>
+            <a:p>
+              <a:r>
+                <a:rPr lang="en-US" sz="1400" dirty="0"/>
+                <a:t>“The modality should inform the Information System as soon as possible that the performance of the Procedure Step has been started by sending the N-CREATE Service Request. … Some of the Attribute Values are already known at the beginning of the Procedure Step, they are required to be sent in the N-CREATE command.”</a:t>
+              </a:r>
+            </a:p>
+            <a:p>
+              <a:r>
+                <a:rPr lang="en-US" sz="1400" dirty="0"/>
+                <a:t>Note in PS3.4, F.7.2.1</a:t>
+              </a:r>
+            </a:p>
+          </p:txBody>
+        </p:sp>
+        <p:cxnSp>
+          <p:nvCxnSpPr>
+            <p:cNvPr id="14" name="Connector: Curved 13">
+              <a:extLst>
+                <a:ext uri="{FF2B5EF4-FFF2-40B4-BE49-F238E27FC236}">
+                  <a16:creationId xmlns:a16="http://schemas.microsoft.com/office/drawing/2014/main" id="{D68E66ED-4BBB-6D17-F58A-793A591E8E17}"/>
+                </a:ext>
+              </a:extLst>
+            </p:cNvPr>
+            <p:cNvCxnSpPr>
+              <a:cxnSpLocks/>
+              <a:stCxn id="13" idx="1"/>
+              <a:endCxn id="12" idx="2"/>
+            </p:cNvCxnSpPr>
+            <p:nvPr/>
+          </p:nvCxnSpPr>
+          <p:spPr>
+            <a:xfrm rot="10800000">
+              <a:off x="2613533" y="3224900"/>
+              <a:ext cx="3116266" cy="636369"/>
+            </a:xfrm>
+            <a:prstGeom prst="curvedConnector2">
+              <a:avLst/>
+            </a:prstGeom>
+            <a:ln>
+              <a:solidFill>
+                <a:schemeClr val="accent2"/>
+              </a:solidFill>
+              <a:tailEnd type="triangle"/>
+            </a:ln>
+          </p:spPr>
+          <p:style>
+            <a:lnRef idx="1">
+              <a:schemeClr val="accent1"/>
+            </a:lnRef>
+            <a:fillRef idx="0">
+              <a:schemeClr val="accent1"/>
+            </a:fillRef>
+            <a:effectRef idx="0">
+              <a:schemeClr val="accent1"/>
+            </a:effectRef>
+            <a:fontRef idx="minor">
+              <a:schemeClr val="tx1"/>
+            </a:fontRef>
+          </p:style>
+        </p:cxnSp>
+      </p:grpSp>
+      <p:sp>
+        <p:nvSpPr>
+          <p:cNvPr id="12" name="Rectangle 11">
+            <a:extLst>
+              <a:ext uri="{FF2B5EF4-FFF2-40B4-BE49-F238E27FC236}">
+                <a16:creationId xmlns:a16="http://schemas.microsoft.com/office/drawing/2014/main" id="{82E2E958-8BEC-897E-8D3D-5B45C93F878E}"/>
+              </a:ext>
+            </a:extLst>
+          </p:cNvPr>
+          <p:cNvSpPr/>
+          <p:nvPr/>
+        </p:nvSpPr>
+        <p:spPr>
+          <a:xfrm>
+            <a:off x="2343698" y="2950510"/>
+            <a:ext cx="539670" cy="274389"/>
+          </a:xfrm>
+          <a:prstGeom prst="rect">
+            <a:avLst/>
+          </a:prstGeom>
+          <a:noFill/>
+          <a:ln>
+            <a:noFill/>
+          </a:ln>
+        </p:spPr>
+        <p:style>
+          <a:lnRef idx="2">
+            <a:schemeClr val="dk1"/>
+          </a:lnRef>
+          <a:fillRef idx="1">
+            <a:schemeClr val="lt1"/>
+          </a:fillRef>
+          <a:effectRef idx="0">
+            <a:schemeClr val="dk1"/>
+          </a:effectRef>
+          <a:fontRef idx="minor">
+            <a:schemeClr val="dk1"/>
+          </a:fontRef>
+        </p:style>
+        <p:txBody>
+          <a:bodyPr rtlCol="0" anchor="ctr"/>
+          <a:lstStyle/>
+          <a:p>
+            <a:pPr algn="ctr"/>
+            <a:endParaRPr lang="en-US"/>
           </a:p>
         </p:txBody>
       </p:sp>
@@ -8477,13 +8742,13 @@
   <p:clrMapOvr>
     <a:masterClrMapping/>
   </p:clrMapOvr>
-  <mc:AlternateContent xmlns:mc="http://schemas.openxmlformats.org/markup-compatibility/2006">
-    <mc:Choice xmlns:p14="http://schemas.microsoft.com/office/powerpoint/2010/main" Requires="p14">
+  <mc:AlternateContent xmlns:mc="http://schemas.openxmlformats.org/markup-compatibility/2006" xmlns:p14="http://schemas.microsoft.com/office/powerpoint/2010/main">
+    <mc:Choice Requires="p14">
       <p:transition spd="med" p14:dur="700">
         <p:fade/>
       </p:transition>
     </mc:Choice>
-    <mc:Fallback>
+    <mc:Fallback xmlns="">
       <p:transition spd="med">
         <p:fade/>
       </p:transition>
@@ -8510,235 +8775,37 @@
                             </p:stCondLst>
                             <p:childTnLst>
                               <p:par>
-                                <p:cTn id="5" presetID="19" presetClass="emph" presetSubtype="0" fill="hold" grpId="1" nodeType="clickEffect">
+                                <p:cTn id="5" presetID="10" presetClass="entr" presetSubtype="0" fill="hold" nodeType="clickEffect">
                                   <p:stCondLst>
                                     <p:cond delay="0"/>
                                   </p:stCondLst>
                                   <p:childTnLst>
-                                    <p:animClr clrSpc="rgb" dir="cw">
-                                      <p:cBhvr override="childStyle">
-                                        <p:cTn id="6" dur="500" fill="hold"/>
-                                        <p:tgtEl>
-                                          <p:spTgt spid="8">
-                                            <p:txEl>
-                                              <p:pRg st="4" end="4"/>
-                                            </p:txEl>
-                                          </p:spTgt>
-                                        </p:tgtEl>
-                                        <p:attrNameLst>
-                                          <p:attrName>style.color</p:attrName>
-                                        </p:attrNameLst>
-                                      </p:cBhvr>
-                                      <p:to>
-                                        <a:schemeClr val="folHlink"/>
-                                      </p:to>
-                                    </p:animClr>
-                                    <p:animClr clrSpc="rgb" dir="cw">
-                                      <p:cBhvr>
-                                        <p:cTn id="7" dur="500" fill="hold"/>
-                                        <p:tgtEl>
-                                          <p:spTgt spid="8">
-                                            <p:txEl>
-                                              <p:pRg st="4" end="4"/>
-                                            </p:txEl>
-                                          </p:spTgt>
-                                        </p:tgtEl>
-                                        <p:attrNameLst>
-                                          <p:attrName>fillcolor</p:attrName>
-                                        </p:attrNameLst>
-                                      </p:cBhvr>
-                                      <p:to>
-                                        <a:schemeClr val="folHlink"/>
-                                      </p:to>
-                                    </p:animClr>
                                     <p:set>
                                       <p:cBhvr>
-                                        <p:cTn id="8" dur="500" fill="hold"/>
-                                        <p:tgtEl>
-                                          <p:spTgt spid="8">
-                                            <p:txEl>
-                                              <p:pRg st="4" end="4"/>
-                                            </p:txEl>
-                                          </p:spTgt>
-                                        </p:tgtEl>
-                                        <p:attrNameLst>
-                                          <p:attrName>fill.type</p:attrName>
-                                        </p:attrNameLst>
-                                      </p:cBhvr>
-                                      <p:to>
-                                        <p:strVal val="solid"/>
-                                      </p:to>
-                                    </p:set>
-                                    <p:set>
-                                      <p:cBhvr>
-                                        <p:cTn id="9" dur="500" fill="hold"/>
-                                        <p:tgtEl>
-                                          <p:spTgt spid="8">
-                                            <p:txEl>
-                                              <p:pRg st="4" end="4"/>
-                                            </p:txEl>
-                                          </p:spTgt>
-                                        </p:tgtEl>
-                                        <p:attrNameLst>
-                                          <p:attrName>fill.on</p:attrName>
-                                        </p:attrNameLst>
-                                      </p:cBhvr>
-                                      <p:to>
-                                        <p:strVal val="true"/>
-                                      </p:to>
-                                    </p:set>
-                                  </p:childTnLst>
-                                </p:cTn>
-                              </p:par>
-                              <p:par>
-                                <p:cTn id="10" presetID="19" presetClass="emph" presetSubtype="0" fill="hold" grpId="1" nodeType="withEffect">
-                                  <p:stCondLst>
-                                    <p:cond delay="0"/>
-                                  </p:stCondLst>
-                                  <p:childTnLst>
-                                    <p:animClr clrSpc="rgb" dir="cw">
-                                      <p:cBhvr override="childStyle">
-                                        <p:cTn id="11" dur="500" fill="hold"/>
-                                        <p:tgtEl>
-                                          <p:spTgt spid="8">
-                                            <p:txEl>
-                                              <p:pRg st="5" end="5"/>
-                                            </p:txEl>
-                                          </p:spTgt>
-                                        </p:tgtEl>
-                                        <p:attrNameLst>
-                                          <p:attrName>style.color</p:attrName>
-                                        </p:attrNameLst>
-                                      </p:cBhvr>
-                                      <p:to>
-                                        <a:schemeClr val="folHlink"/>
-                                      </p:to>
-                                    </p:animClr>
-                                    <p:animClr clrSpc="rgb" dir="cw">
-                                      <p:cBhvr>
-                                        <p:cTn id="12" dur="500" fill="hold"/>
-                                        <p:tgtEl>
-                                          <p:spTgt spid="8">
-                                            <p:txEl>
-                                              <p:pRg st="5" end="5"/>
-                                            </p:txEl>
-                                          </p:spTgt>
-                                        </p:tgtEl>
-                                        <p:attrNameLst>
-                                          <p:attrName>fillcolor</p:attrName>
-                                        </p:attrNameLst>
-                                      </p:cBhvr>
-                                      <p:to>
-                                        <a:schemeClr val="folHlink"/>
-                                      </p:to>
-                                    </p:animClr>
-                                    <p:set>
-                                      <p:cBhvr>
-                                        <p:cTn id="13" dur="500" fill="hold"/>
-                                        <p:tgtEl>
-                                          <p:spTgt spid="8">
-                                            <p:txEl>
-                                              <p:pRg st="5" end="5"/>
-                                            </p:txEl>
-                                          </p:spTgt>
-                                        </p:tgtEl>
-                                        <p:attrNameLst>
-                                          <p:attrName>fill.type</p:attrName>
-                                        </p:attrNameLst>
-                                      </p:cBhvr>
-                                      <p:to>
-                                        <p:strVal val="solid"/>
-                                      </p:to>
-                                    </p:set>
-                                    <p:set>
-                                      <p:cBhvr>
-                                        <p:cTn id="14" dur="500" fill="hold"/>
-                                        <p:tgtEl>
-                                          <p:spTgt spid="8">
-                                            <p:txEl>
-                                              <p:pRg st="5" end="5"/>
-                                            </p:txEl>
-                                          </p:spTgt>
-                                        </p:tgtEl>
-                                        <p:attrNameLst>
-                                          <p:attrName>fill.on</p:attrName>
-                                        </p:attrNameLst>
-                                      </p:cBhvr>
-                                      <p:to>
-                                        <p:strVal val="true"/>
-                                      </p:to>
-                                    </p:set>
-                                  </p:childTnLst>
-                                </p:cTn>
-                              </p:par>
-                            </p:childTnLst>
-                          </p:cTn>
-                        </p:par>
-                        <p:par>
-                          <p:cTn id="15" fill="hold">
-                            <p:stCondLst>
-                              <p:cond delay="500"/>
-                            </p:stCondLst>
-                            <p:childTnLst>
-                              <p:par>
-                                <p:cTn id="16" presetID="1" presetClass="exit" presetSubtype="0" fill="hold" grpId="0" nodeType="afterEffect">
-                                  <p:stCondLst>
-                                    <p:cond delay="500"/>
-                                  </p:stCondLst>
-                                  <p:childTnLst>
-                                    <p:set>
-                                      <p:cBhvr>
-                                        <p:cTn id="17" dur="1" fill="hold">
+                                        <p:cTn id="6" dur="1" fill="hold">
                                           <p:stCondLst>
                                             <p:cond delay="0"/>
                                           </p:stCondLst>
                                         </p:cTn>
                                         <p:tgtEl>
-                                          <p:spTgt spid="8">
-                                            <p:txEl>
-                                              <p:pRg st="4" end="4"/>
-                                            </p:txEl>
-                                          </p:spTgt>
+                                          <p:spTgt spid="32"/>
                                         </p:tgtEl>
                                         <p:attrNameLst>
                                           <p:attrName>style.visibility</p:attrName>
                                         </p:attrNameLst>
                                       </p:cBhvr>
                                       <p:to>
-                                        <p:strVal val="hidden"/>
+                                        <p:strVal val="visible"/>
                                       </p:to>
                                     </p:set>
-                                  </p:childTnLst>
-                                </p:cTn>
-                              </p:par>
-                              <p:par>
-                                <p:cTn id="18" presetID="1" presetClass="exit" presetSubtype="0" fill="hold" grpId="0" nodeType="withEffect">
-                                  <p:stCondLst>
-                                    <p:cond delay="500"/>
-                                  </p:stCondLst>
-                                  <p:childTnLst>
-                                    <p:set>
+                                    <p:animEffect transition="in" filter="fade">
                                       <p:cBhvr>
-                                        <p:cTn id="19" dur="1" fill="hold">
-                                          <p:stCondLst>
-                                            <p:cond delay="0"/>
-                                          </p:stCondLst>
-                                        </p:cTn>
+                                        <p:cTn id="7" dur="500"/>
                                         <p:tgtEl>
-                                          <p:spTgt spid="8">
-                                            <p:txEl>
-                                              <p:pRg st="5" end="5"/>
-                                            </p:txEl>
-                                          </p:spTgt>
+                                          <p:spTgt spid="32"/>
                                         </p:tgtEl>
-                                        <p:attrNameLst>
-                                          <p:attrName>style.visibility</p:attrName>
-                                        </p:attrNameLst>
                                       </p:cBhvr>
-                                      <p:to>
-                                        <p:strVal val="hidden"/>
-                                      </p:to>
-                                    </p:set>
+                                    </p:animEffect>
                                   </p:childTnLst>
                                 </p:cTn>
                               </p:par>
@@ -8769,10 +8836,6 @@
         </p:cTn>
       </p:par>
     </p:tnLst>
-    <p:bldLst>
-      <p:bldP spid="8" grpId="0" uiExpand="1" build="p"/>
-      <p:bldP spid="8" grpId="1" uiExpand="1" build="p"/>
-    </p:bldLst>
   </p:timing>
 </p:sld>
 </file>
@@ -8942,9 +9005,16 @@
             <p:ph idx="1"/>
           </p:nvPr>
         </p:nvSpPr>
-        <p:spPr/>
-        <p:txBody>
-          <a:bodyPr/>
+        <p:spPr>
+          <a:xfrm>
+            <a:off x="581192" y="2180496"/>
+            <a:ext cx="11029615" cy="4509553"/>
+          </a:xfrm>
+        </p:spPr>
+        <p:txBody>
+          <a:bodyPr>
+            <a:normAutofit/>
+          </a:bodyPr>
           <a:lstStyle/>
           <a:p>
             <a:pPr marL="342900" indent="-342900">
@@ -8952,9 +9022,9 @@
               <a:buAutoNum type="arabicPeriod"/>
               <a:tabLst>
                 <a:tab pos="627063" algn="l"/>
-                <a:tab pos="3498850" algn="l"/>
-                <a:tab pos="3768725" algn="l"/>
-                <a:tab pos="5468938" algn="l"/>
+                <a:tab pos="4030663" algn="l"/>
+                <a:tab pos="4302125" algn="l"/>
+                <a:tab pos="6638925" algn="l"/>
               </a:tabLst>
             </a:pPr>
             <a:r>
@@ -8963,7 +9033,7 @@
                   <a:schemeClr val="tx1"/>
                 </a:solidFill>
               </a:rPr>
-              <a:t> 	Get applicable </a:t>
+              <a:t> 	Get Applicable </a:t>
             </a:r>
             <a:r>
               <a:rPr lang="en-US" dirty="0" err="1">
@@ -8972,6 +9042,22 @@
                 </a:solidFill>
               </a:rPr>
               <a:t>Workitems</a:t>
+            </a:r>
+            <a:r>
+              <a:rPr lang="en-US" baseline="-25000" dirty="0" err="1">
+                <a:solidFill>
+                  <a:schemeClr val="tx1"/>
+                </a:solidFill>
+              </a:rPr>
+              <a:t>MSs</a:t>
+            </a:r>
+            <a:r>
+              <a:rPr lang="en-US" baseline="-25000" dirty="0">
+                <a:solidFill>
+                  <a:schemeClr val="tx1"/>
+                </a:solidFill>
+              </a:rPr>
+              <a:t>-RS</a:t>
             </a:r>
             <a:r>
               <a:rPr lang="en-US" i="1" dirty="0">
@@ -9018,19 +9104,7 @@
             </a:br>
             <a:r>
               <a:rPr lang="en-US" sz="1800" dirty="0"/>
-              <a:t>⊏	Search	</a:t>
-            </a:r>
-            <a:r>
-              <a:rPr lang="en-US" b="0" dirty="0">
-                <a:solidFill>
-                  <a:schemeClr val="tx1"/>
-                </a:solidFill>
-                <a:effectLst/>
-                <a:highlight>
-                  <a:srgbClr val="FFFFFF"/>
-                </a:highlight>
-              </a:rPr>
-              <a:t>≡	C-FIND</a:t>
+              <a:t> </a:t>
             </a:r>
             <a:endParaRPr lang="en-US" baseline="-25000" dirty="0">
               <a:solidFill>
@@ -9044,18 +9118,34 @@
               <a:buAutoNum type="arabicPeriod"/>
               <a:tabLst>
                 <a:tab pos="627063" algn="l"/>
-                <a:tab pos="3498850" algn="l"/>
-                <a:tab pos="3768725" algn="l"/>
-                <a:tab pos="5468938" algn="l"/>
+                <a:tab pos="4030663" algn="l"/>
+                <a:tab pos="4302125" algn="l"/>
+                <a:tab pos="6638925" algn="l"/>
               </a:tabLst>
             </a:pPr>
             <a:r>
               <a:rPr lang="en-US" dirty="0"/>
-              <a:t> 	Claim a </a:t>
+              <a:t> 	Claim and Prepare </a:t>
             </a:r>
             <a:r>
               <a:rPr lang="en-US" dirty="0" err="1"/>
               <a:t>Workitem</a:t>
+            </a:r>
+            <a:r>
+              <a:rPr lang="en-US" baseline="-25000" dirty="0" err="1">
+                <a:solidFill>
+                  <a:schemeClr val="tx1"/>
+                </a:solidFill>
+              </a:rPr>
+              <a:t>MSs</a:t>
+            </a:r>
+            <a:r>
+              <a:rPr lang="en-US" baseline="-25000" dirty="0">
+                <a:solidFill>
+                  <a:schemeClr val="tx1"/>
+                </a:solidFill>
+              </a:rPr>
+              <a:t>-RS</a:t>
             </a:r>
             <a:r>
               <a:rPr lang="en-US" i="1" dirty="0"/>
@@ -9089,28 +9179,27 @@
               </a:rPr>
             </a:br>
             <a:r>
-              <a:rPr lang="en-US" sz="1800" dirty="0"/>
-              <a:t>⊏	Change </a:t>
-            </a:r>
-            <a:r>
-              <a:rPr lang="en-US" sz="1800" dirty="0" err="1"/>
-              <a:t>Workitem</a:t>
-            </a:r>
-            <a:r>
-              <a:rPr lang="en-US" sz="1800" dirty="0"/>
-              <a:t> State	</a:t>
-            </a:r>
-            <a:r>
-              <a:rPr lang="en-US" b="0" dirty="0">
+              <a:rPr lang="en-US" dirty="0">
                 <a:solidFill>
                   <a:schemeClr val="tx1"/>
                 </a:solidFill>
-                <a:effectLst/>
-                <a:highlight>
-                  <a:srgbClr val="FFFFFF"/>
-                </a:highlight>
-              </a:rPr>
-              <a:t>≡	N-ACTION</a:t>
+              </a:rPr>
+              <a:t> </a:t>
+            </a:r>
+            <a:br>
+              <a:rPr lang="en-US" dirty="0">
+                <a:solidFill>
+                  <a:schemeClr val="tx1"/>
+                </a:solidFill>
+              </a:rPr>
+            </a:br>
+            <a:r>
+              <a:rPr lang="en-US" dirty="0">
+                <a:solidFill>
+                  <a:schemeClr val="tx1"/>
+                </a:solidFill>
+              </a:rPr>
+              <a:t> </a:t>
             </a:r>
             <a:endParaRPr lang="en-US" i="1" dirty="0"/>
           </a:p>
@@ -9120,9 +9209,9 @@
               <a:buAutoNum type="arabicPeriod"/>
               <a:tabLst>
                 <a:tab pos="627063" algn="l"/>
-                <a:tab pos="3498850" algn="l"/>
-                <a:tab pos="3768725" algn="l"/>
-                <a:tab pos="5468938" algn="l"/>
+                <a:tab pos="4030663" algn="l"/>
+                <a:tab pos="4302125" algn="l"/>
+                <a:tab pos="6638925" algn="l"/>
               </a:tabLst>
             </a:pPr>
             <a:r>
@@ -9135,11 +9224,27 @@
             </a:r>
             <a:r>
               <a:rPr lang="en-US" dirty="0"/>
-              <a:t>Report progress on </a:t>
+              <a:t>Report Progress on </a:t>
             </a:r>
             <a:r>
               <a:rPr lang="en-US" dirty="0" err="1"/>
               <a:t>Workitem</a:t>
+            </a:r>
+            <a:r>
+              <a:rPr lang="en-US" baseline="-25000" dirty="0" err="1">
+                <a:solidFill>
+                  <a:schemeClr val="tx1"/>
+                </a:solidFill>
+              </a:rPr>
+              <a:t>MSs</a:t>
+            </a:r>
+            <a:r>
+              <a:rPr lang="en-US" baseline="-25000" dirty="0">
+                <a:solidFill>
+                  <a:schemeClr val="tx1"/>
+                </a:solidFill>
+              </a:rPr>
+              <a:t>-RS</a:t>
             </a:r>
             <a:r>
               <a:rPr lang="en-US" i="1" dirty="0"/>
@@ -9166,7 +9271,7 @@
               <a:t>MPPS</a:t>
             </a:r>
             <a:br>
-              <a:rPr lang="en-US" dirty="0">
+              <a:rPr lang="en-US" sz="1400" dirty="0">
                 <a:solidFill>
                   <a:schemeClr val="tx1"/>
                 </a:solidFill>
@@ -9174,27 +9279,7 @@
             </a:br>
             <a:r>
               <a:rPr lang="en-US" sz="1800" dirty="0"/>
-              <a:t>⊏	Update </a:t>
-            </a:r>
-            <a:r>
-              <a:rPr lang="en-US" sz="1800" dirty="0" err="1"/>
-              <a:t>Workitem</a:t>
-            </a:r>
-            <a:r>
-              <a:rPr lang="en-US" sz="1800" dirty="0"/>
-              <a:t>	</a:t>
-            </a:r>
-            <a:r>
-              <a:rPr lang="en-US" b="0" dirty="0">
-                <a:solidFill>
-                  <a:schemeClr val="tx1"/>
-                </a:solidFill>
-                <a:effectLst/>
-                <a:highlight>
-                  <a:srgbClr val="FFFFFF"/>
-                </a:highlight>
-              </a:rPr>
-              <a:t>≡	N-SET</a:t>
+              <a:t> </a:t>
             </a:r>
             <a:endParaRPr lang="en-US" i="1" dirty="0"/>
           </a:p>
@@ -9204,9 +9289,9 @@
               <a:buAutoNum type="arabicPeriod"/>
               <a:tabLst>
                 <a:tab pos="627063" algn="l"/>
-                <a:tab pos="3498850" algn="l"/>
-                <a:tab pos="3768725" algn="l"/>
-                <a:tab pos="5468938" algn="l"/>
+                <a:tab pos="4030663" algn="l"/>
+                <a:tab pos="4302125" algn="l"/>
+                <a:tab pos="6638925" algn="l"/>
               </a:tabLst>
             </a:pPr>
             <a:r>
@@ -9219,7 +9304,7 @@
             </a:r>
             <a:r>
               <a:rPr lang="en-US" dirty="0"/>
-              <a:t>Mark </a:t>
+              <a:t>Change </a:t>
             </a:r>
             <a:r>
               <a:rPr lang="en-US" dirty="0" err="1"/>
@@ -9227,7 +9312,31 @@
             </a:r>
             <a:r>
               <a:rPr lang="en-US" dirty="0"/>
-              <a:t> as done	</a:t>
+              <a:t> </a:t>
+            </a:r>
+            <a:r>
+              <a:rPr lang="en-US" dirty="0" err="1"/>
+              <a:t>State</a:t>
+            </a:r>
+            <a:r>
+              <a:rPr lang="en-US" baseline="-25000" dirty="0" err="1">
+                <a:solidFill>
+                  <a:schemeClr val="tx1"/>
+                </a:solidFill>
+              </a:rPr>
+              <a:t>MSs</a:t>
+            </a:r>
+            <a:r>
+              <a:rPr lang="en-US" baseline="-25000" dirty="0">
+                <a:solidFill>
+                  <a:schemeClr val="tx1"/>
+                </a:solidFill>
+              </a:rPr>
+              <a:t>-RS</a:t>
+            </a:r>
+            <a:r>
+              <a:rPr lang="en-US" dirty="0"/>
+              <a:t>	</a:t>
             </a:r>
             <a:r>
               <a:rPr lang="en-US" b="0" dirty="0">
@@ -9258,15 +9367,77 @@
             </a:br>
             <a:r>
               <a:rPr lang="en-US" sz="1800" dirty="0"/>
-              <a:t>⊏	Change </a:t>
-            </a:r>
-            <a:r>
-              <a:rPr lang="en-US" sz="1800" dirty="0" err="1"/>
+              <a:t> </a:t>
+            </a:r>
+            <a:endParaRPr lang="en-US" b="0" baseline="-25000" dirty="0">
+              <a:solidFill>
+                <a:schemeClr val="tx1"/>
+              </a:solidFill>
+              <a:effectLst/>
+              <a:highlight>
+                <a:srgbClr val="FFFFFF"/>
+              </a:highlight>
+            </a:endParaRPr>
+          </a:p>
+          <a:p>
+            <a:pPr marL="342900" indent="-342900">
+              <a:buFont typeface="+mj-lt"/>
+              <a:buAutoNum type="arabicPeriod"/>
+              <a:tabLst>
+                <a:tab pos="627063" algn="l"/>
+                <a:tab pos="4030663" algn="l"/>
+                <a:tab pos="4302125" algn="l"/>
+                <a:tab pos="6638925" algn="l"/>
+              </a:tabLst>
+            </a:pPr>
+            <a:r>
+              <a:rPr lang="en-US" dirty="0">
+                <a:solidFill>
+                  <a:schemeClr val="tx1"/>
+                </a:solidFill>
+                <a:highlight>
+                  <a:srgbClr val="FFFFFF"/>
+                </a:highlight>
+              </a:rPr>
+              <a:t> 	Retrieve </a:t>
+            </a:r>
+            <a:r>
+              <a:rPr lang="en-US" dirty="0" err="1">
+                <a:solidFill>
+                  <a:schemeClr val="tx1"/>
+                </a:solidFill>
+                <a:highlight>
+                  <a:srgbClr val="FFFFFF"/>
+                </a:highlight>
+              </a:rPr>
               <a:t>Workitem</a:t>
             </a:r>
             <a:r>
-              <a:rPr lang="en-US" sz="1800" dirty="0"/>
-              <a:t> State	</a:t>
+              <a:rPr lang="en-US" baseline="-25000" dirty="0" err="1">
+                <a:solidFill>
+                  <a:schemeClr val="tx1"/>
+                </a:solidFill>
+              </a:rPr>
+              <a:t>MSs</a:t>
+            </a:r>
+            <a:r>
+              <a:rPr lang="en-US" baseline="-25000" dirty="0">
+                <a:solidFill>
+                  <a:schemeClr val="tx1"/>
+                </a:solidFill>
+              </a:rPr>
+              <a:t>-RS</a:t>
+            </a:r>
+            <a:r>
+              <a:rPr lang="en-US" dirty="0">
+                <a:solidFill>
+                  <a:schemeClr val="tx1"/>
+                </a:solidFill>
+                <a:highlight>
+                  <a:srgbClr val="FFFFFF"/>
+                </a:highlight>
+              </a:rPr>
+              <a:t>	</a:t>
             </a:r>
             <a:r>
               <a:rPr lang="en-US" b="0" dirty="0">
@@ -9278,110 +9449,1436 @@
                   <a:srgbClr val="FFFFFF"/>
                 </a:highlight>
               </a:rPr>
-              <a:t>≡	N-ACTION</a:t>
+              <a:t>≡	N-GET</a:t>
+            </a:r>
+            <a:r>
+              <a:rPr lang="en-US" baseline="-25000" dirty="0"/>
+              <a:t>MPPS</a:t>
+            </a:r>
+            <a:br>
+              <a:rPr lang="en-US" dirty="0">
+                <a:solidFill>
+                  <a:schemeClr val="tx1"/>
+                </a:solidFill>
+                <a:highlight>
+                  <a:srgbClr val="FFFFFF"/>
+                </a:highlight>
+              </a:rPr>
+            </a:br>
+            <a:r>
+              <a:rPr lang="en-US" sz="1800" dirty="0"/>
+              <a:t> </a:t>
+            </a:r>
+            <a:endParaRPr lang="en-US" dirty="0">
+              <a:solidFill>
+                <a:schemeClr val="tx1"/>
+              </a:solidFill>
+              <a:highlight>
+                <a:srgbClr val="FFFFFF"/>
+              </a:highlight>
+            </a:endParaRPr>
+          </a:p>
+          <a:p>
+            <a:pPr marL="342900" indent="-342900">
+              <a:buFont typeface="+mj-lt"/>
+              <a:buAutoNum type="arabicPeriod"/>
+              <a:tabLst>
+                <a:tab pos="627063" algn="l"/>
+                <a:tab pos="4030663" algn="l"/>
+                <a:tab pos="4302125" algn="l"/>
+                <a:tab pos="6638925" algn="l"/>
+              </a:tabLst>
+            </a:pPr>
+            <a:r>
+              <a:rPr lang="en-US" dirty="0">
+                <a:solidFill>
+                  <a:schemeClr val="tx1"/>
+                </a:solidFill>
+                <a:highlight>
+                  <a:srgbClr val="FFFFFF"/>
+                </a:highlight>
+              </a:rPr>
+              <a:t> 	Get </a:t>
+            </a:r>
+            <a:r>
+              <a:rPr lang="en-US" dirty="0" err="1">
+                <a:solidFill>
+                  <a:schemeClr val="tx1"/>
+                </a:solidFill>
+                <a:highlight>
+                  <a:srgbClr val="FFFFFF"/>
+                </a:highlight>
+              </a:rPr>
+              <a:t>Notified</a:t>
+            </a:r>
+            <a:r>
+              <a:rPr lang="en-US" baseline="-25000" dirty="0" err="1">
+                <a:solidFill>
+                  <a:schemeClr val="tx1"/>
+                </a:solidFill>
+              </a:rPr>
+              <a:t>MSs</a:t>
+            </a:r>
+            <a:r>
+              <a:rPr lang="en-US" baseline="-25000" dirty="0">
+                <a:solidFill>
+                  <a:schemeClr val="tx1"/>
+                </a:solidFill>
+              </a:rPr>
+              <a:t>-RS</a:t>
+            </a:r>
+            <a:r>
+              <a:rPr lang="en-US" dirty="0">
+                <a:solidFill>
+                  <a:schemeClr val="tx1"/>
+                </a:solidFill>
+                <a:highlight>
+                  <a:srgbClr val="FFFFFF"/>
+                </a:highlight>
+              </a:rPr>
+              <a:t>	</a:t>
+            </a:r>
+            <a:r>
+              <a:rPr lang="en-US" b="0" dirty="0">
+                <a:solidFill>
+                  <a:schemeClr val="tx1"/>
+                </a:solidFill>
+                <a:effectLst/>
+                <a:highlight>
+                  <a:srgbClr val="FFFFFF"/>
+                </a:highlight>
+              </a:rPr>
+              <a:t>≡	N-EVENT-REPORT</a:t>
+            </a:r>
+            <a:r>
+              <a:rPr lang="en-US" baseline="-25000" dirty="0"/>
+              <a:t>MPPS</a:t>
+            </a:r>
+            <a:br>
+              <a:rPr lang="en-US" dirty="0">
+                <a:solidFill>
+                  <a:schemeClr val="tx1"/>
+                </a:solidFill>
+                <a:highlight>
+                  <a:srgbClr val="FFFFFF"/>
+                </a:highlight>
+              </a:rPr>
+            </a:br>
+            <a:r>
+              <a:rPr lang="en-US" sz="1800" dirty="0"/>
+              <a:t> </a:t>
             </a:r>
             <a:endParaRPr lang="en-US" dirty="0"/>
           </a:p>
         </p:txBody>
       </p:sp>
-      <p:sp>
-        <p:nvSpPr>
-          <p:cNvPr id="11" name="TextBox 10">
+      <p:grpSp>
+        <p:nvGrpSpPr>
+          <p:cNvPr id="12" name="Group 11">
             <a:extLst>
               <a:ext uri="{FF2B5EF4-FFF2-40B4-BE49-F238E27FC236}">
-                <a16:creationId xmlns:a16="http://schemas.microsoft.com/office/drawing/2014/main" id="{6441AB61-5D92-6E25-4F26-1DA40EE2A61A}"/>
+                <a16:creationId xmlns:a16="http://schemas.microsoft.com/office/drawing/2014/main" id="{95EA559B-8E04-53A9-66FB-920358E70B72}"/>
               </a:ext>
             </a:extLst>
           </p:cNvPr>
-          <p:cNvSpPr txBox="1"/>
+          <p:cNvGrpSpPr/>
           <p:nvPr/>
+        </p:nvGrpSpPr>
+        <p:grpSpPr>
+          <a:xfrm>
+            <a:off x="8956081" y="2180496"/>
+            <a:ext cx="2739310" cy="711200"/>
+            <a:chOff x="6289040" y="2274794"/>
+            <a:chExt cx="2739310" cy="711200"/>
+          </a:xfrm>
+        </p:grpSpPr>
+        <p:sp>
+          <p:nvSpPr>
+            <p:cNvPr id="17" name="Rectangle: Rounded Corners 16">
+              <a:extLst>
+                <a:ext uri="{FF2B5EF4-FFF2-40B4-BE49-F238E27FC236}">
+                  <a16:creationId xmlns:a16="http://schemas.microsoft.com/office/drawing/2014/main" id="{D32F1FAA-C729-6C9B-B878-589FE28A631A}"/>
+                </a:ext>
+              </a:extLst>
+            </p:cNvPr>
+            <p:cNvSpPr/>
+            <p:nvPr/>
+          </p:nvSpPr>
+          <p:spPr>
+            <a:xfrm>
+              <a:off x="6289040" y="2274794"/>
+              <a:ext cx="1026482" cy="711200"/>
+            </a:xfrm>
+            <a:prstGeom prst="roundRect">
+              <a:avLst/>
+            </a:prstGeom>
+          </p:spPr>
+          <p:style>
+            <a:lnRef idx="2">
+              <a:schemeClr val="accent6">
+                <a:shade val="15000"/>
+              </a:schemeClr>
+            </a:lnRef>
+            <a:fillRef idx="1">
+              <a:schemeClr val="accent6"/>
+            </a:fillRef>
+            <a:effectRef idx="0">
+              <a:schemeClr val="accent6"/>
+            </a:effectRef>
+            <a:fontRef idx="minor">
+              <a:schemeClr val="lt1"/>
+            </a:fontRef>
+          </p:style>
+          <p:txBody>
+            <a:bodyPr rtlCol="0" anchor="ctr"/>
+            <a:lstStyle/>
+            <a:p>
+              <a:pPr algn="ctr"/>
+              <a:r>
+                <a:rPr lang="en-US" dirty="0"/>
+                <a:t>MSs-RS</a:t>
+              </a:r>
+            </a:p>
+          </p:txBody>
+        </p:sp>
+        <p:sp>
+          <p:nvSpPr>
+            <p:cNvPr id="20" name="Rectangle: Rounded Corners 19">
+              <a:extLst>
+                <a:ext uri="{FF2B5EF4-FFF2-40B4-BE49-F238E27FC236}">
+                  <a16:creationId xmlns:a16="http://schemas.microsoft.com/office/drawing/2014/main" id="{865FF808-EB85-95B4-F2C8-2783066C3282}"/>
+                </a:ext>
+              </a:extLst>
+            </p:cNvPr>
+            <p:cNvSpPr/>
+            <p:nvPr/>
+          </p:nvSpPr>
+          <p:spPr>
+            <a:xfrm>
+              <a:off x="8001868" y="2274794"/>
+              <a:ext cx="1026482" cy="711200"/>
+            </a:xfrm>
+            <a:prstGeom prst="roundRect">
+              <a:avLst/>
+            </a:prstGeom>
+          </p:spPr>
+          <p:style>
+            <a:lnRef idx="2">
+              <a:schemeClr val="accent6">
+                <a:shade val="15000"/>
+              </a:schemeClr>
+            </a:lnRef>
+            <a:fillRef idx="1">
+              <a:schemeClr val="accent6"/>
+            </a:fillRef>
+            <a:effectRef idx="0">
+              <a:schemeClr val="accent6"/>
+            </a:effectRef>
+            <a:fontRef idx="minor">
+              <a:schemeClr val="lt1"/>
+            </a:fontRef>
+          </p:style>
+          <p:txBody>
+            <a:bodyPr rtlCol="0" anchor="ctr"/>
+            <a:lstStyle/>
+            <a:p>
+              <a:pPr algn="ctr"/>
+              <a:r>
+                <a:rPr lang="en-US" dirty="0"/>
+                <a:t>MWL</a:t>
+              </a:r>
+              <a:br>
+                <a:rPr lang="en-US" dirty="0"/>
+              </a:br>
+              <a:r>
+                <a:rPr lang="en-US" dirty="0"/>
+                <a:t>MPPS</a:t>
+              </a:r>
+            </a:p>
+          </p:txBody>
+        </p:sp>
+        <p:cxnSp>
+          <p:nvCxnSpPr>
+            <p:cNvPr id="24" name="Straight Connector 23">
+              <a:extLst>
+                <a:ext uri="{FF2B5EF4-FFF2-40B4-BE49-F238E27FC236}">
+                  <a16:creationId xmlns:a16="http://schemas.microsoft.com/office/drawing/2014/main" id="{5A41BD93-76F8-D4C3-43C1-FFD688FE72DC}"/>
+                </a:ext>
+              </a:extLst>
+            </p:cNvPr>
+            <p:cNvCxnSpPr>
+              <a:stCxn id="17" idx="3"/>
+              <a:endCxn id="20" idx="1"/>
+            </p:cNvCxnSpPr>
+            <p:nvPr/>
+          </p:nvCxnSpPr>
+          <p:spPr>
+            <a:xfrm>
+              <a:off x="7315522" y="2630394"/>
+              <a:ext cx="686346" cy="0"/>
+            </a:xfrm>
+            <a:prstGeom prst="line">
+              <a:avLst/>
+            </a:prstGeom>
+            <a:ln w="28575">
+              <a:solidFill>
+                <a:schemeClr val="accent1"/>
+              </a:solidFill>
+            </a:ln>
+          </p:spPr>
+          <p:style>
+            <a:lnRef idx="1">
+              <a:schemeClr val="accent1"/>
+            </a:lnRef>
+            <a:fillRef idx="0">
+              <a:schemeClr val="accent1"/>
+            </a:fillRef>
+            <a:effectRef idx="0">
+              <a:schemeClr val="accent1"/>
+            </a:effectRef>
+            <a:fontRef idx="minor">
+              <a:schemeClr val="tx1"/>
+            </a:fontRef>
+          </p:style>
+        </p:cxnSp>
+        <p:sp>
+          <p:nvSpPr>
+            <p:cNvPr id="30" name="TextBox 29">
+              <a:extLst>
+                <a:ext uri="{FF2B5EF4-FFF2-40B4-BE49-F238E27FC236}">
+                  <a16:creationId xmlns:a16="http://schemas.microsoft.com/office/drawing/2014/main" id="{AEEE907A-C81A-0A05-28A1-37F812F8184C}"/>
+                </a:ext>
+              </a:extLst>
+            </p:cNvPr>
+            <p:cNvSpPr txBox="1"/>
+            <p:nvPr/>
+          </p:nvSpPr>
+          <p:spPr>
+            <a:xfrm>
+              <a:off x="7315522" y="2274794"/>
+              <a:ext cx="686073" cy="369332"/>
+            </a:xfrm>
+            <a:prstGeom prst="rect">
+              <a:avLst/>
+            </a:prstGeom>
+            <a:noFill/>
+          </p:spPr>
+          <p:txBody>
+            <a:bodyPr wrap="square" rtlCol="0">
+              <a:spAutoFit/>
+            </a:bodyPr>
+            <a:lstStyle/>
+            <a:p>
+              <a:pPr algn="ctr"/>
+              <a:r>
+                <a:rPr lang="en-US" b="0" dirty="0">
+                  <a:solidFill>
+                    <a:schemeClr val="accent1"/>
+                  </a:solidFill>
+                  <a:effectLst/>
+                  <a:highlight>
+                    <a:srgbClr val="FFFFFF"/>
+                  </a:highlight>
+                </a:rPr>
+                <a:t>≡</a:t>
+              </a:r>
+            </a:p>
+          </p:txBody>
+        </p:sp>
+      </p:grpSp>
+    </p:spTree>
+    <p:extLst>
+      <p:ext uri="{BB962C8B-B14F-4D97-AF65-F5344CB8AC3E}">
+        <p14:creationId xmlns:p14="http://schemas.microsoft.com/office/powerpoint/2010/main" val="3696627412"/>
+      </p:ext>
+    </p:extLst>
+  </p:cSld>
+  <p:clrMapOvr>
+    <a:masterClrMapping/>
+  </p:clrMapOvr>
+  <mc:AlternateContent xmlns:mc="http://schemas.openxmlformats.org/markup-compatibility/2006" xmlns:p14="http://schemas.microsoft.com/office/powerpoint/2010/main">
+    <mc:Choice Requires="p14">
+      <p:transition spd="med" p14:dur="700">
+        <p:fade/>
+      </p:transition>
+    </mc:Choice>
+    <mc:Fallback xmlns="">
+      <p:transition spd="med">
+        <p:fade/>
+      </p:transition>
+    </mc:Fallback>
+  </mc:AlternateContent>
+</p:sld>
+</file>
+
+<file path=ppt/slides/slide6.xml><?xml version="1.0" encoding="utf-8"?>
+<p:sld xmlns:a="http://schemas.openxmlformats.org/drawingml/2006/main" xmlns:r="http://schemas.openxmlformats.org/officeDocument/2006/relationships" xmlns:p="http://schemas.openxmlformats.org/presentationml/2006/main">
+  <p:cSld>
+    <p:spTree>
+      <p:nvGrpSpPr>
+        <p:cNvPr id="1" name=""/>
+        <p:cNvGrpSpPr/>
+        <p:nvPr/>
+      </p:nvGrpSpPr>
+      <p:grpSpPr>
+        <a:xfrm>
+          <a:off x="0" y="0"/>
+          <a:ext cx="0" cy="0"/>
+          <a:chOff x="0" y="0"/>
+          <a:chExt cx="0" cy="0"/>
+        </a:xfrm>
+      </p:grpSpPr>
+      <p:sp>
+        <p:nvSpPr>
+          <p:cNvPr id="2" name="Title 1">
+            <a:extLst>
+              <a:ext uri="{FF2B5EF4-FFF2-40B4-BE49-F238E27FC236}">
+                <a16:creationId xmlns:a16="http://schemas.microsoft.com/office/drawing/2014/main" id="{3859F02D-AFDA-E21A-5286-C98380EB4666}"/>
+              </a:ext>
+            </a:extLst>
+          </p:cNvPr>
+          <p:cNvSpPr>
+            <a:spLocks noGrp="1"/>
+          </p:cNvSpPr>
+          <p:nvPr>
+            <p:ph type="title"/>
+          </p:nvPr>
+        </p:nvSpPr>
+        <p:spPr/>
+        <p:txBody>
+          <a:bodyPr/>
+          <a:lstStyle/>
+          <a:p>
+            <a:r>
+              <a:rPr lang="en-US" dirty="0"/>
+              <a:t>Overview – Primitives of DICOMweb Modality Services </a:t>
+            </a:r>
+            <a:r>
+              <a:rPr lang="en-US" sz="1800" dirty="0"/>
+              <a:t>(</a:t>
+            </a:r>
+            <a:r>
+              <a:rPr lang="en-US" sz="1800" dirty="0" err="1"/>
+              <a:t>MappeD</a:t>
+            </a:r>
+            <a:r>
+              <a:rPr lang="en-US" sz="1800" dirty="0"/>
+              <a:t>)</a:t>
+            </a:r>
+            <a:endParaRPr lang="en-US" dirty="0"/>
+          </a:p>
+        </p:txBody>
+      </p:sp>
+      <p:sp>
+        <p:nvSpPr>
+          <p:cNvPr id="4" name="Date Placeholder 3">
+            <a:extLst>
+              <a:ext uri="{FF2B5EF4-FFF2-40B4-BE49-F238E27FC236}">
+                <a16:creationId xmlns:a16="http://schemas.microsoft.com/office/drawing/2014/main" id="{1B300AF7-FF74-BAA5-527B-16B52C6B56AC}"/>
+              </a:ext>
+            </a:extLst>
+          </p:cNvPr>
+          <p:cNvSpPr>
+            <a:spLocks noGrp="1"/>
+          </p:cNvSpPr>
+          <p:nvPr>
+            <p:ph type="dt" sz="half" idx="2"/>
+          </p:nvPr>
+        </p:nvSpPr>
+        <p:spPr/>
+        <p:txBody>
+          <a:bodyPr/>
+          <a:lstStyle/>
+          <a:p>
+            <a:r>
+              <a:rPr lang="fr-FR"/>
+              <a:t>May 2024</a:t>
+            </a:r>
+            <a:endParaRPr lang="en-US" dirty="0"/>
+          </a:p>
+        </p:txBody>
+      </p:sp>
+      <p:sp>
+        <p:nvSpPr>
+          <p:cNvPr id="5" name="Footer Placeholder 4">
+            <a:extLst>
+              <a:ext uri="{FF2B5EF4-FFF2-40B4-BE49-F238E27FC236}">
+                <a16:creationId xmlns:a16="http://schemas.microsoft.com/office/drawing/2014/main" id="{9B638308-B2E6-AB12-61D2-5526762FFFB8}"/>
+              </a:ext>
+            </a:extLst>
+          </p:cNvPr>
+          <p:cNvSpPr>
+            <a:spLocks noGrp="1"/>
+          </p:cNvSpPr>
+          <p:nvPr>
+            <p:ph type="ftr" sz="quarter" idx="3"/>
+          </p:nvPr>
+        </p:nvSpPr>
+        <p:spPr/>
+        <p:txBody>
+          <a:bodyPr/>
+          <a:lstStyle/>
+          <a:p>
+            <a:r>
+              <a:rPr lang="en-US" dirty="0">
+                <a:latin typeface="Arial" panose="020B0604020202020204" pitchFamily="34" charset="0"/>
+                <a:cs typeface="Arial" panose="020B0604020202020204" pitchFamily="34" charset="0"/>
+              </a:rPr>
+              <a:t>Copyright DICOM® 2024</a:t>
+            </a:r>
+            <a:endParaRPr lang="en-US" dirty="0"/>
+          </a:p>
+        </p:txBody>
+      </p:sp>
+      <p:sp>
+        <p:nvSpPr>
+          <p:cNvPr id="6" name="Slide Number Placeholder 5">
+            <a:extLst>
+              <a:ext uri="{FF2B5EF4-FFF2-40B4-BE49-F238E27FC236}">
+                <a16:creationId xmlns:a16="http://schemas.microsoft.com/office/drawing/2014/main" id="{7004EB76-E501-F2C4-5166-8F6879371255}"/>
+              </a:ext>
+            </a:extLst>
+          </p:cNvPr>
+          <p:cNvSpPr>
+            <a:spLocks noGrp="1"/>
+          </p:cNvSpPr>
+          <p:nvPr>
+            <p:ph type="sldNum" sz="quarter" idx="4"/>
+          </p:nvPr>
+        </p:nvSpPr>
+        <p:spPr/>
+        <p:txBody>
+          <a:bodyPr/>
+          <a:lstStyle/>
+          <a:p>
+            <a:fld id="{D57F1E4F-1CFF-5643-939E-217C01CDF565}" type="slidenum">
+              <a:rPr lang="en-US" smtClean="0"/>
+              <a:pPr/>
+              <a:t>6</a:t>
+            </a:fld>
+            <a:endParaRPr lang="en-US" dirty="0"/>
+          </a:p>
+        </p:txBody>
+      </p:sp>
+      <p:sp>
+        <p:nvSpPr>
+          <p:cNvPr id="8" name="Content Placeholder 7">
+            <a:extLst>
+              <a:ext uri="{FF2B5EF4-FFF2-40B4-BE49-F238E27FC236}">
+                <a16:creationId xmlns:a16="http://schemas.microsoft.com/office/drawing/2014/main" id="{A5FA7A59-2CD6-5C7C-1FE8-B0A8CB9165EB}"/>
+              </a:ext>
+            </a:extLst>
+          </p:cNvPr>
+          <p:cNvSpPr>
+            <a:spLocks noGrp="1"/>
+          </p:cNvSpPr>
+          <p:nvPr>
+            <p:ph idx="1"/>
+          </p:nvPr>
         </p:nvSpPr>
         <p:spPr>
           <a:xfrm>
-            <a:off x="581192" y="5240126"/>
-            <a:ext cx="10320454" cy="1200329"/>
+            <a:off x="581192" y="2180496"/>
+            <a:ext cx="11029615" cy="4509553"/>
           </a:xfrm>
-          <a:prstGeom prst="rect">
-            <a:avLst/>
-          </a:prstGeom>
-          <a:noFill/>
         </p:spPr>
         <p:txBody>
-          <a:bodyPr wrap="none" rtlCol="0">
-            <a:spAutoFit/>
+          <a:bodyPr>
+            <a:normAutofit/>
           </a:bodyPr>
           <a:lstStyle/>
           <a:p>
+            <a:pPr marL="342900" indent="-342900">
+              <a:buFont typeface="+mj-lt"/>
+              <a:buAutoNum type="arabicPeriod"/>
+              <a:tabLst>
+                <a:tab pos="627063" algn="l"/>
+                <a:tab pos="4030663" algn="l"/>
+                <a:tab pos="4302125" algn="l"/>
+                <a:tab pos="5381625" algn="l"/>
+                <a:tab pos="5653088" algn="l"/>
+              </a:tabLst>
+            </a:pPr>
             <a:r>
               <a:rPr lang="en-US" dirty="0">
                 <a:solidFill>
-                  <a:schemeClr val="accent6"/>
-                </a:solidFill>
-                <a:latin typeface="Freestyle Script" panose="030804020302050B0404" pitchFamily="66" charset="0"/>
-              </a:rPr>
-              <a:t>There are several differences between Dieter’s and Jeroen’s mapping. Direction of mapping does not matter, esp. when proxies are to be shown.</a:t>
-            </a:r>
+                  <a:schemeClr val="tx1"/>
+                </a:solidFill>
+              </a:rPr>
+              <a:t> 	Get Applicable </a:t>
+            </a:r>
+            <a:r>
+              <a:rPr lang="en-US" dirty="0" err="1">
+                <a:solidFill>
+                  <a:schemeClr val="tx1"/>
+                </a:solidFill>
+              </a:rPr>
+              <a:t>Workitems</a:t>
+            </a:r>
+            <a:r>
+              <a:rPr lang="en-US" baseline="-25000" dirty="0" err="1">
+                <a:solidFill>
+                  <a:schemeClr val="tx1"/>
+                </a:solidFill>
+              </a:rPr>
+              <a:t>MSs</a:t>
+            </a:r>
+            <a:r>
+              <a:rPr lang="en-US" baseline="-25000" dirty="0">
+                <a:solidFill>
+                  <a:schemeClr val="tx1"/>
+                </a:solidFill>
+              </a:rPr>
+              <a:t>-RS</a:t>
+            </a:r>
+            <a:r>
+              <a:rPr lang="en-US" i="1" dirty="0">
+                <a:solidFill>
+                  <a:schemeClr val="tx1"/>
+                </a:solidFill>
+              </a:rPr>
+              <a:t>	</a:t>
+            </a:r>
+            <a:r>
+              <a:rPr lang="en-US" b="0" dirty="0">
+                <a:solidFill>
+                  <a:schemeClr val="tx1"/>
+                </a:solidFill>
+                <a:effectLst/>
+                <a:highlight>
+                  <a:srgbClr val="FFFFFF"/>
+                </a:highlight>
+              </a:rPr>
+              <a:t>≡	</a:t>
+            </a:r>
+            <a:r>
+              <a:rPr lang="en-US" dirty="0">
+                <a:solidFill>
+                  <a:schemeClr val="tx1"/>
+                </a:solidFill>
+              </a:rPr>
+              <a:t>C-FIND</a:t>
+            </a:r>
+            <a:r>
+              <a:rPr lang="en-US" baseline="-25000" dirty="0">
+                <a:solidFill>
+                  <a:schemeClr val="tx1"/>
+                </a:solidFill>
+              </a:rPr>
+              <a:t>MWL</a:t>
+            </a:r>
+            <a:br>
+              <a:rPr lang="en-US" dirty="0">
+                <a:solidFill>
+                  <a:schemeClr val="tx1"/>
+                </a:solidFill>
+              </a:rPr>
+            </a:br>
+            <a:r>
+              <a:rPr lang="en-US" sz="1800" dirty="0"/>
+              <a:t>⊏	</a:t>
+            </a:r>
+            <a:r>
+              <a:rPr lang="en-US" sz="1800" dirty="0" err="1"/>
+              <a:t>Search</a:t>
+            </a:r>
+            <a:r>
+              <a:rPr lang="en-US" sz="1800" baseline="-25000" dirty="0" err="1"/>
+              <a:t>UPS</a:t>
+            </a:r>
+            <a:r>
+              <a:rPr lang="en-US" baseline="-25000" dirty="0"/>
+              <a:t>-</a:t>
+            </a:r>
+            <a:r>
+              <a:rPr lang="en-US" sz="1800" baseline="-25000" dirty="0"/>
+              <a:t>RS</a:t>
+            </a:r>
+            <a:r>
+              <a:rPr lang="en-US" sz="1800" dirty="0"/>
+              <a:t>	</a:t>
+            </a:r>
+            <a:r>
+              <a:rPr lang="en-US" b="0" dirty="0">
+                <a:solidFill>
+                  <a:schemeClr val="tx1"/>
+                </a:solidFill>
+                <a:effectLst/>
+                <a:highlight>
+                  <a:srgbClr val="FFFFFF"/>
+                </a:highlight>
+              </a:rPr>
+              <a:t>≡	C-FIND</a:t>
+            </a:r>
+            <a:r>
+              <a:rPr lang="en-US" b="0" baseline="-25000" dirty="0">
+                <a:solidFill>
+                  <a:schemeClr val="tx1"/>
+                </a:solidFill>
+                <a:effectLst/>
+                <a:highlight>
+                  <a:srgbClr val="FFFFFF"/>
+                </a:highlight>
+              </a:rPr>
+              <a:t>UPS</a:t>
+            </a:r>
+            <a:endParaRPr lang="en-US" baseline="-25000" dirty="0">
+              <a:solidFill>
+                <a:schemeClr val="tx1"/>
+              </a:solidFill>
+            </a:endParaRPr>
           </a:p>
           <a:p>
             <a:pPr marL="342900" indent="-342900">
+              <a:buFont typeface="+mj-lt"/>
               <a:buAutoNum type="arabicPeriod"/>
+              <a:tabLst>
+                <a:tab pos="627063" algn="l"/>
+                <a:tab pos="4030663" algn="l"/>
+                <a:tab pos="4302125" algn="l"/>
+                <a:tab pos="5381625" algn="l"/>
+                <a:tab pos="5653088" algn="l"/>
+              </a:tabLst>
             </a:pPr>
             <a:r>
+              <a:rPr lang="en-US" dirty="0"/>
+              <a:t> 	Claim and Prepare </a:t>
+            </a:r>
+            <a:r>
+              <a:rPr lang="en-US" dirty="0" err="1"/>
+              <a:t>Workitem</a:t>
+            </a:r>
+            <a:r>
+              <a:rPr lang="en-US" baseline="-25000" dirty="0" err="1">
+                <a:solidFill>
+                  <a:schemeClr val="tx1"/>
+                </a:solidFill>
+              </a:rPr>
+              <a:t>MSs</a:t>
+            </a:r>
+            <a:r>
+              <a:rPr lang="en-US" baseline="-25000" dirty="0">
+                <a:solidFill>
+                  <a:schemeClr val="tx1"/>
+                </a:solidFill>
+              </a:rPr>
+              <a:t>-RS</a:t>
+            </a:r>
+            <a:r>
+              <a:rPr lang="en-US" i="1" dirty="0"/>
+              <a:t>	</a:t>
+            </a:r>
+            <a:r>
+              <a:rPr lang="en-US" b="0" dirty="0">
+                <a:solidFill>
+                  <a:schemeClr val="tx1"/>
+                </a:solidFill>
+                <a:effectLst/>
+                <a:highlight>
+                  <a:srgbClr val="FFFFFF"/>
+                </a:highlight>
+              </a:rPr>
+              <a:t>≡	</a:t>
+            </a:r>
+            <a:r>
+              <a:rPr lang="en-US" dirty="0"/>
+              <a:t>N-CREATE</a:t>
+            </a:r>
+            <a:r>
+              <a:rPr lang="en-US" baseline="-25000" dirty="0"/>
+              <a:t>MPPS</a:t>
+            </a:r>
+            <a:br>
               <a:rPr lang="en-US" dirty="0">
                 <a:solidFill>
-                  <a:schemeClr val="accent6"/>
-                </a:solidFill>
-                <a:latin typeface="Freestyle Script" panose="030804020302050B0404" pitchFamily="66" charset="0"/>
-              </a:rPr>
-              <a:t>Why is a Retrieve needed for getting the worklist? The response </a:t>
-            </a:r>
-            <a:r>
-              <a:rPr lang="en-US" b="1" dirty="0">
-                <a:solidFill>
-                  <a:schemeClr val="accent6"/>
-                </a:solidFill>
-                <a:latin typeface="Freestyle Script" panose="030804020302050B0404" pitchFamily="66" charset="0"/>
-              </a:rPr>
-              <a:t>has </a:t>
-            </a:r>
+                  <a:schemeClr val="tx1"/>
+                </a:solidFill>
+              </a:rPr>
+            </a:br>
+            <a:r>
+              <a:rPr lang="en-US" sz="1800" dirty="0"/>
+              <a:t>⊏	Change </a:t>
+            </a:r>
+            <a:r>
+              <a:rPr lang="en-US" sz="1800" dirty="0" err="1"/>
+              <a:t>Workitem</a:t>
+            </a:r>
+            <a:r>
+              <a:rPr lang="en-US" sz="1800" dirty="0"/>
+              <a:t> </a:t>
+            </a:r>
+            <a:r>
+              <a:rPr lang="en-US" sz="1800" dirty="0" err="1"/>
+              <a:t>State</a:t>
+            </a:r>
+            <a:r>
+              <a:rPr lang="en-US" sz="1800" baseline="-25000" dirty="0" err="1"/>
+              <a:t>UPS</a:t>
+            </a:r>
+            <a:r>
+              <a:rPr lang="en-US" baseline="-25000" dirty="0"/>
+              <a:t>-</a:t>
+            </a:r>
+            <a:r>
+              <a:rPr lang="en-US" sz="1800" baseline="-25000" dirty="0"/>
+              <a:t>RS</a:t>
+            </a:r>
+            <a:r>
+              <a:rPr lang="en-US" sz="1800" dirty="0"/>
+              <a:t> 	</a:t>
+            </a:r>
+            <a:r>
+              <a:rPr lang="en-US" b="0" dirty="0">
+                <a:solidFill>
+                  <a:schemeClr val="tx1"/>
+                </a:solidFill>
+                <a:effectLst/>
+                <a:highlight>
+                  <a:srgbClr val="FFFFFF"/>
+                </a:highlight>
+              </a:rPr>
+              <a:t>≡	N-ACTION</a:t>
+            </a:r>
+            <a:r>
+              <a:rPr lang="en-US" b="0" baseline="-25000" dirty="0">
+                <a:solidFill>
+                  <a:schemeClr val="tx1"/>
+                </a:solidFill>
+                <a:effectLst/>
+                <a:highlight>
+                  <a:srgbClr val="FFFFFF"/>
+                </a:highlight>
+              </a:rPr>
+              <a:t>UPS</a:t>
+            </a:r>
+            <a:br>
+              <a:rPr lang="en-US" b="0" dirty="0">
+                <a:solidFill>
+                  <a:schemeClr val="tx1"/>
+                </a:solidFill>
+                <a:effectLst/>
+                <a:highlight>
+                  <a:srgbClr val="FFFFFF"/>
+                </a:highlight>
+              </a:rPr>
+            </a:br>
+            <a:r>
+              <a:rPr lang="en-US" b="0" dirty="0">
+                <a:solidFill>
+                  <a:schemeClr val="tx1"/>
+                </a:solidFill>
+                <a:effectLst/>
+                <a:highlight>
+                  <a:srgbClr val="FFFFFF"/>
+                </a:highlight>
+              </a:rPr>
+              <a:t>	</a:t>
+            </a:r>
+            <a:r>
+              <a:rPr lang="en-US" sz="1800" dirty="0"/>
+              <a:t> [ &amp; </a:t>
+            </a:r>
+            <a:r>
+              <a:rPr lang="en-US" b="0" dirty="0">
+                <a:solidFill>
+                  <a:schemeClr val="tx1"/>
+                </a:solidFill>
+                <a:effectLst/>
+                <a:highlight>
+                  <a:srgbClr val="FFFFFF"/>
+                </a:highlight>
+              </a:rPr>
+              <a:t>Update </a:t>
+            </a:r>
+            <a:r>
+              <a:rPr lang="en-US" b="0" dirty="0" err="1">
+                <a:solidFill>
+                  <a:schemeClr val="tx1"/>
+                </a:solidFill>
+                <a:effectLst/>
+                <a:highlight>
+                  <a:srgbClr val="FFFFFF"/>
+                </a:highlight>
+              </a:rPr>
+              <a:t>Workitem</a:t>
+            </a:r>
+            <a:r>
+              <a:rPr lang="en-US" sz="1800" baseline="-25000" dirty="0" err="1"/>
+              <a:t>UPS</a:t>
+            </a:r>
+            <a:r>
+              <a:rPr lang="en-US" baseline="-25000" dirty="0"/>
+              <a:t>-</a:t>
+            </a:r>
+            <a:r>
+              <a:rPr lang="en-US" sz="1800" baseline="-25000" dirty="0"/>
+              <a:t>RS</a:t>
+            </a:r>
+            <a:r>
+              <a:rPr lang="en-US" b="0" dirty="0">
+                <a:solidFill>
+                  <a:schemeClr val="tx1"/>
+                </a:solidFill>
+                <a:effectLst/>
+                <a:highlight>
+                  <a:srgbClr val="FFFFFF"/>
+                </a:highlight>
+              </a:rPr>
+              <a:t> ]	≡	N-SET</a:t>
+            </a:r>
+            <a:r>
+              <a:rPr lang="en-US" b="0" baseline="-25000" dirty="0">
+                <a:solidFill>
+                  <a:schemeClr val="tx1"/>
+                </a:solidFill>
+                <a:effectLst/>
+                <a:highlight>
+                  <a:srgbClr val="FFFFFF"/>
+                </a:highlight>
+              </a:rPr>
+              <a:t>UPS</a:t>
+            </a:r>
+            <a:endParaRPr lang="en-US" i="1" dirty="0"/>
+          </a:p>
+          <a:p>
+            <a:pPr marL="342900" indent="-342900">
+              <a:buFont typeface="+mj-lt"/>
+              <a:buAutoNum type="arabicPeriod"/>
+              <a:tabLst>
+                <a:tab pos="627063" algn="l"/>
+                <a:tab pos="4030663" algn="l"/>
+                <a:tab pos="4302125" algn="l"/>
+                <a:tab pos="5381625" algn="l"/>
+                <a:tab pos="5653088" algn="l"/>
+              </a:tabLst>
+            </a:pPr>
             <a:r>
               <a:rPr lang="en-US" dirty="0">
                 <a:solidFill>
-                  <a:schemeClr val="accent6"/>
-                </a:solidFill>
-                <a:latin typeface="Freestyle Script" panose="030804020302050B0404" pitchFamily="66" charset="0"/>
-              </a:rPr>
-              <a:t>the worklist/work items. Even stronger, why does Retrieve exist at all?</a:t>
-            </a:r>
+                  <a:schemeClr val="tx1"/>
+                </a:solidFill>
+              </a:rPr>
+              <a:t> 	</a:t>
+            </a:r>
+            <a:r>
+              <a:rPr lang="en-US" dirty="0"/>
+              <a:t>Report Progress on </a:t>
+            </a:r>
+            <a:r>
+              <a:rPr lang="en-US" dirty="0" err="1"/>
+              <a:t>Workitem</a:t>
+            </a:r>
+            <a:r>
+              <a:rPr lang="en-US" baseline="-25000" dirty="0" err="1">
+                <a:solidFill>
+                  <a:schemeClr val="tx1"/>
+                </a:solidFill>
+              </a:rPr>
+              <a:t>MSs</a:t>
+            </a:r>
+            <a:r>
+              <a:rPr lang="en-US" baseline="-25000" dirty="0">
+                <a:solidFill>
+                  <a:schemeClr val="tx1"/>
+                </a:solidFill>
+              </a:rPr>
+              <a:t>-RS</a:t>
+            </a:r>
+            <a:r>
+              <a:rPr lang="en-US" i="1" dirty="0"/>
+              <a:t>	</a:t>
+            </a:r>
+            <a:r>
+              <a:rPr lang="en-US" b="0" dirty="0">
+                <a:solidFill>
+                  <a:schemeClr val="tx1"/>
+                </a:solidFill>
+                <a:effectLst/>
+                <a:highlight>
+                  <a:srgbClr val="FFFFFF"/>
+                </a:highlight>
+              </a:rPr>
+              <a:t>≡	</a:t>
+            </a:r>
+            <a:r>
+              <a:rPr lang="en-US" dirty="0"/>
+              <a:t>N-SET</a:t>
+            </a:r>
+            <a:r>
+              <a:rPr lang="en-US" baseline="-25000" dirty="0"/>
+              <a:t>MPPS</a:t>
+            </a:r>
+            <a:br>
+              <a:rPr lang="en-US" dirty="0">
+                <a:solidFill>
+                  <a:schemeClr val="tx1"/>
+                </a:solidFill>
+              </a:rPr>
+            </a:br>
+            <a:r>
+              <a:rPr lang="en-US" sz="1800" dirty="0"/>
+              <a:t>⊏	Update </a:t>
+            </a:r>
+            <a:r>
+              <a:rPr lang="en-US" sz="1800" dirty="0" err="1"/>
+              <a:t>Workitem</a:t>
+            </a:r>
+            <a:r>
+              <a:rPr lang="en-US" sz="1800" baseline="-25000" dirty="0" err="1"/>
+              <a:t>UPS</a:t>
+            </a:r>
+            <a:r>
+              <a:rPr lang="en-US" baseline="-25000" dirty="0"/>
+              <a:t>-</a:t>
+            </a:r>
+            <a:r>
+              <a:rPr lang="en-US" sz="1800" baseline="-25000" dirty="0"/>
+              <a:t>RS</a:t>
+            </a:r>
+            <a:r>
+              <a:rPr lang="en-US" sz="1800" dirty="0"/>
+              <a:t>	</a:t>
+            </a:r>
+            <a:r>
+              <a:rPr lang="en-US" b="0" dirty="0">
+                <a:solidFill>
+                  <a:schemeClr val="tx1"/>
+                </a:solidFill>
+                <a:effectLst/>
+                <a:highlight>
+                  <a:srgbClr val="FFFFFF"/>
+                </a:highlight>
+              </a:rPr>
+              <a:t>≡	N-SET</a:t>
+            </a:r>
+            <a:r>
+              <a:rPr lang="en-US" b="0" baseline="-25000" dirty="0">
+                <a:solidFill>
+                  <a:schemeClr val="tx1"/>
+                </a:solidFill>
+                <a:effectLst/>
+                <a:highlight>
+                  <a:srgbClr val="FFFFFF"/>
+                </a:highlight>
+              </a:rPr>
+              <a:t>UPS</a:t>
+            </a:r>
+            <a:endParaRPr lang="en-US" i="1" dirty="0"/>
           </a:p>
           <a:p>
             <a:pPr marL="342900" indent="-342900">
+              <a:buFont typeface="+mj-lt"/>
               <a:buAutoNum type="arabicPeriod"/>
+              <a:tabLst>
+                <a:tab pos="627063" algn="l"/>
+                <a:tab pos="4030663" algn="l"/>
+                <a:tab pos="4302125" algn="l"/>
+                <a:tab pos="5381625" algn="l"/>
+                <a:tab pos="5653088" algn="l"/>
+              </a:tabLst>
             </a:pPr>
             <a:r>
               <a:rPr lang="en-US" dirty="0">
                 <a:solidFill>
-                  <a:schemeClr val="accent6"/>
-                </a:solidFill>
-                <a:latin typeface="Freestyle Script" panose="030804020302050B0404" pitchFamily="66" charset="0"/>
-              </a:rPr>
-              <a:t>Why should an N-CREATE map to an Update? What needs to be updated next to the state? All relevant information should already be in the applicable work item.</a:t>
+                  <a:schemeClr val="tx1"/>
+                </a:solidFill>
+              </a:rPr>
+              <a:t> 	</a:t>
+            </a:r>
+            <a:r>
+              <a:rPr lang="en-US" dirty="0"/>
+              <a:t>Change </a:t>
+            </a:r>
+            <a:r>
+              <a:rPr lang="en-US" dirty="0" err="1"/>
+              <a:t>Workitem</a:t>
+            </a:r>
+            <a:r>
+              <a:rPr lang="en-US" dirty="0"/>
+              <a:t> </a:t>
+            </a:r>
+            <a:r>
+              <a:rPr lang="en-US" dirty="0" err="1"/>
+              <a:t>State</a:t>
+            </a:r>
+            <a:r>
+              <a:rPr lang="en-US" baseline="-25000" dirty="0" err="1">
+                <a:solidFill>
+                  <a:schemeClr val="tx1"/>
+                </a:solidFill>
+              </a:rPr>
+              <a:t>MSs</a:t>
+            </a:r>
+            <a:r>
+              <a:rPr lang="en-US" baseline="-25000" dirty="0">
+                <a:solidFill>
+                  <a:schemeClr val="tx1"/>
+                </a:solidFill>
+              </a:rPr>
+              <a:t>-RS</a:t>
+            </a:r>
+            <a:r>
+              <a:rPr lang="en-US" dirty="0"/>
+              <a:t>	</a:t>
+            </a:r>
+            <a:r>
+              <a:rPr lang="en-US" b="0" dirty="0">
+                <a:solidFill>
+                  <a:schemeClr val="tx1"/>
+                </a:solidFill>
+                <a:effectLst/>
+                <a:highlight>
+                  <a:srgbClr val="FFFFFF"/>
+                </a:highlight>
+              </a:rPr>
+              <a:t>≡	</a:t>
+            </a:r>
+            <a:r>
+              <a:rPr lang="en-US" dirty="0"/>
+              <a:t>N-SET</a:t>
+            </a:r>
+            <a:r>
+              <a:rPr lang="en-US" baseline="-25000" dirty="0"/>
+              <a:t>MPPS</a:t>
+            </a:r>
+            <a:br>
+              <a:rPr lang="en-US" dirty="0">
+                <a:solidFill>
+                  <a:schemeClr val="tx1"/>
+                </a:solidFill>
+              </a:rPr>
+            </a:br>
+            <a:r>
+              <a:rPr lang="en-US" sz="1800" dirty="0"/>
+              <a:t>⊏	Change </a:t>
+            </a:r>
+            <a:r>
+              <a:rPr lang="en-US" sz="1800" dirty="0" err="1"/>
+              <a:t>Workitem</a:t>
+            </a:r>
+            <a:r>
+              <a:rPr lang="en-US" sz="1800" dirty="0"/>
+              <a:t> </a:t>
+            </a:r>
+            <a:r>
+              <a:rPr lang="en-US" sz="1800" dirty="0" err="1"/>
+              <a:t>State</a:t>
+            </a:r>
+            <a:r>
+              <a:rPr lang="en-US" sz="1800" baseline="-25000" dirty="0" err="1"/>
+              <a:t>UPS</a:t>
+            </a:r>
+            <a:r>
+              <a:rPr lang="en-US" baseline="-25000" dirty="0"/>
+              <a:t>-</a:t>
+            </a:r>
+            <a:r>
+              <a:rPr lang="en-US" sz="1800" baseline="-25000" dirty="0"/>
+              <a:t>RS</a:t>
+            </a:r>
+            <a:r>
+              <a:rPr lang="en-US" sz="1800" dirty="0"/>
+              <a:t>	</a:t>
+            </a:r>
+            <a:r>
+              <a:rPr lang="en-US" b="0" dirty="0">
+                <a:solidFill>
+                  <a:schemeClr val="tx1"/>
+                </a:solidFill>
+                <a:effectLst/>
+                <a:highlight>
+                  <a:srgbClr val="FFFFFF"/>
+                </a:highlight>
+              </a:rPr>
+              <a:t>≡	N-ACTION</a:t>
+            </a:r>
+            <a:r>
+              <a:rPr lang="en-US" b="0" baseline="-25000" dirty="0">
+                <a:solidFill>
+                  <a:schemeClr val="tx1"/>
+                </a:solidFill>
+                <a:effectLst/>
+                <a:highlight>
+                  <a:srgbClr val="FFFFFF"/>
+                </a:highlight>
+              </a:rPr>
+              <a:t>UPS</a:t>
             </a:r>
           </a:p>
           <a:p>
             <a:pPr marL="342900" indent="-342900">
-              <a:buFontTx/>
+              <a:buFont typeface="+mj-lt"/>
               <a:buAutoNum type="arabicPeriod"/>
+              <a:tabLst>
+                <a:tab pos="627063" algn="l"/>
+                <a:tab pos="4030663" algn="l"/>
+                <a:tab pos="4302125" algn="l"/>
+                <a:tab pos="5381625" algn="l"/>
+                <a:tab pos="5653088" algn="l"/>
+              </a:tabLst>
             </a:pPr>
             <a:r>
               <a:rPr lang="en-US" dirty="0">
                 <a:solidFill>
-                  <a:schemeClr val="accent6"/>
-                </a:solidFill>
-                <a:latin typeface="Freestyle Script" panose="030804020302050B0404" pitchFamily="66" charset="0"/>
-              </a:rPr>
-              <a:t>What mapping is needed for N-GET and N-EVENT-REPORT? Do we need to support the MPPS Retrieve and Notification SOP classes? Seems hardly used.</a:t>
-            </a:r>
+                  <a:schemeClr val="tx1"/>
+                </a:solidFill>
+                <a:highlight>
+                  <a:srgbClr val="FFFFFF"/>
+                </a:highlight>
+              </a:rPr>
+              <a:t> 	Retrieve </a:t>
+            </a:r>
+            <a:r>
+              <a:rPr lang="en-US" dirty="0" err="1">
+                <a:solidFill>
+                  <a:schemeClr val="tx1"/>
+                </a:solidFill>
+                <a:highlight>
+                  <a:srgbClr val="FFFFFF"/>
+                </a:highlight>
+              </a:rPr>
+              <a:t>Workitem</a:t>
+            </a:r>
+            <a:r>
+              <a:rPr lang="en-US" baseline="-25000" dirty="0" err="1">
+                <a:solidFill>
+                  <a:schemeClr val="tx1"/>
+                </a:solidFill>
+              </a:rPr>
+              <a:t>MSs</a:t>
+            </a:r>
+            <a:r>
+              <a:rPr lang="en-US" baseline="-25000" dirty="0">
+                <a:solidFill>
+                  <a:schemeClr val="tx1"/>
+                </a:solidFill>
+              </a:rPr>
+              <a:t>-RS</a:t>
+            </a:r>
+            <a:r>
+              <a:rPr lang="en-US" dirty="0">
+                <a:solidFill>
+                  <a:schemeClr val="tx1"/>
+                </a:solidFill>
+                <a:highlight>
+                  <a:srgbClr val="FFFFFF"/>
+                </a:highlight>
+              </a:rPr>
+              <a:t>	</a:t>
+            </a:r>
+            <a:r>
+              <a:rPr lang="en-US" b="0" dirty="0">
+                <a:solidFill>
+                  <a:schemeClr val="tx1"/>
+                </a:solidFill>
+                <a:effectLst/>
+                <a:highlight>
+                  <a:srgbClr val="FFFFFF"/>
+                </a:highlight>
+              </a:rPr>
+              <a:t>≡	N-GET</a:t>
+            </a:r>
+            <a:r>
+              <a:rPr lang="en-US" baseline="-25000" dirty="0"/>
+              <a:t>MPPS</a:t>
+            </a:r>
+            <a:br>
+              <a:rPr lang="en-US" dirty="0">
+                <a:solidFill>
+                  <a:schemeClr val="tx1"/>
+                </a:solidFill>
+                <a:highlight>
+                  <a:srgbClr val="FFFFFF"/>
+                </a:highlight>
+              </a:rPr>
+            </a:br>
+            <a:r>
+              <a:rPr lang="en-US" sz="1800" dirty="0"/>
+              <a:t>⊏	Retrieve </a:t>
+            </a:r>
+            <a:r>
+              <a:rPr lang="en-US" sz="1800" dirty="0" err="1"/>
+              <a:t>Workitem</a:t>
+            </a:r>
+            <a:r>
+              <a:rPr lang="en-US" baseline="-25000" dirty="0" err="1"/>
+              <a:t>UPS</a:t>
+            </a:r>
+            <a:r>
+              <a:rPr lang="en-US" baseline="-25000" dirty="0"/>
+              <a:t>-RS</a:t>
+            </a:r>
+            <a:r>
+              <a:rPr lang="en-US" sz="1800" dirty="0"/>
+              <a:t>	</a:t>
+            </a:r>
+            <a:r>
+              <a:rPr lang="en-US" b="0" dirty="0">
+                <a:solidFill>
+                  <a:schemeClr val="tx1"/>
+                </a:solidFill>
+                <a:effectLst/>
+                <a:highlight>
+                  <a:srgbClr val="FFFFFF"/>
+                </a:highlight>
+              </a:rPr>
+              <a:t>≡	N-GET</a:t>
+            </a:r>
+            <a:r>
+              <a:rPr lang="en-US" b="0" baseline="-25000" dirty="0">
+                <a:solidFill>
+                  <a:schemeClr val="tx1"/>
+                </a:solidFill>
+                <a:effectLst/>
+                <a:highlight>
+                  <a:srgbClr val="FFFFFF"/>
+                </a:highlight>
+              </a:rPr>
+              <a:t>UPS</a:t>
+            </a:r>
+            <a:endParaRPr lang="en-US" dirty="0">
+              <a:solidFill>
+                <a:schemeClr val="tx1"/>
+              </a:solidFill>
+              <a:highlight>
+                <a:srgbClr val="FFFFFF"/>
+              </a:highlight>
+            </a:endParaRPr>
+          </a:p>
+          <a:p>
+            <a:pPr marL="342900" indent="-342900">
+              <a:buFont typeface="+mj-lt"/>
+              <a:buAutoNum type="arabicPeriod"/>
+              <a:tabLst>
+                <a:tab pos="627063" algn="l"/>
+                <a:tab pos="4030663" algn="l"/>
+                <a:tab pos="4302125" algn="l"/>
+                <a:tab pos="5381625" algn="l"/>
+                <a:tab pos="5653088" algn="l"/>
+              </a:tabLst>
+            </a:pPr>
+            <a:r>
+              <a:rPr lang="en-US" dirty="0">
+                <a:solidFill>
+                  <a:schemeClr val="tx1"/>
+                </a:solidFill>
+                <a:highlight>
+                  <a:srgbClr val="FFFFFF"/>
+                </a:highlight>
+              </a:rPr>
+              <a:t> 	Get </a:t>
+            </a:r>
+            <a:r>
+              <a:rPr lang="en-US" dirty="0" err="1">
+                <a:solidFill>
+                  <a:schemeClr val="tx1"/>
+                </a:solidFill>
+                <a:highlight>
+                  <a:srgbClr val="FFFFFF"/>
+                </a:highlight>
+              </a:rPr>
+              <a:t>Notified</a:t>
+            </a:r>
+            <a:r>
+              <a:rPr lang="en-US" baseline="-25000" dirty="0" err="1">
+                <a:solidFill>
+                  <a:schemeClr val="tx1"/>
+                </a:solidFill>
+              </a:rPr>
+              <a:t>MSs</a:t>
+            </a:r>
+            <a:r>
+              <a:rPr lang="en-US" baseline="-25000" dirty="0">
+                <a:solidFill>
+                  <a:schemeClr val="tx1"/>
+                </a:solidFill>
+              </a:rPr>
+              <a:t>-RS</a:t>
+            </a:r>
+            <a:r>
+              <a:rPr lang="en-US" dirty="0">
+                <a:solidFill>
+                  <a:schemeClr val="tx1"/>
+                </a:solidFill>
+                <a:highlight>
+                  <a:srgbClr val="FFFFFF"/>
+                </a:highlight>
+              </a:rPr>
+              <a:t>	</a:t>
+            </a:r>
+            <a:r>
+              <a:rPr lang="en-US" b="0" dirty="0">
+                <a:solidFill>
+                  <a:schemeClr val="tx1"/>
+                </a:solidFill>
+                <a:effectLst/>
+                <a:highlight>
+                  <a:srgbClr val="FFFFFF"/>
+                </a:highlight>
+              </a:rPr>
+              <a:t>≡	N-EVENT-REPORT</a:t>
+            </a:r>
+            <a:r>
+              <a:rPr lang="en-US" baseline="-25000" dirty="0"/>
+              <a:t>MPPS</a:t>
+            </a:r>
+            <a:br>
+              <a:rPr lang="en-US" dirty="0">
+                <a:solidFill>
+                  <a:schemeClr val="tx1"/>
+                </a:solidFill>
+                <a:highlight>
+                  <a:srgbClr val="FFFFFF"/>
+                </a:highlight>
+              </a:rPr>
+            </a:br>
+            <a:r>
+              <a:rPr lang="en-US" sz="1800" dirty="0"/>
+              <a:t>⊏	</a:t>
+            </a:r>
+            <a:r>
+              <a:rPr lang="en-US" i="1" dirty="0"/>
+              <a:t>&lt;</a:t>
+            </a:r>
+            <a:r>
+              <a:rPr lang="en-US" sz="1800" i="1" dirty="0" err="1"/>
+              <a:t>websocket</a:t>
+            </a:r>
+            <a:r>
+              <a:rPr lang="en-US" sz="1800" i="1" dirty="0"/>
+              <a:t> call&gt;</a:t>
+            </a:r>
+            <a:r>
+              <a:rPr lang="en-US" baseline="-25000" dirty="0"/>
+              <a:t>UPS-RS</a:t>
+            </a:r>
+            <a:r>
+              <a:rPr lang="en-US" dirty="0"/>
+              <a:t>	</a:t>
+            </a:r>
+            <a:r>
+              <a:rPr lang="en-US" dirty="0">
+                <a:solidFill>
+                  <a:schemeClr val="tx1"/>
+                </a:solidFill>
+                <a:highlight>
+                  <a:srgbClr val="FFFFFF"/>
+                </a:highlight>
+              </a:rPr>
+              <a:t>≡	N-EVENT-REPORT</a:t>
+            </a:r>
+            <a:r>
+              <a:rPr lang="en-US" baseline="-25000" dirty="0">
+                <a:solidFill>
+                  <a:schemeClr val="tx1"/>
+                </a:solidFill>
+                <a:highlight>
+                  <a:srgbClr val="FFFFFF"/>
+                </a:highlight>
+              </a:rPr>
+              <a:t>UPS</a:t>
+            </a:r>
+            <a:endParaRPr lang="en-US" baseline="-25000" dirty="0"/>
           </a:p>
         </p:txBody>
       </p:sp>
@@ -9399,7 +10896,7 @@
         </p:nvGrpSpPr>
         <p:grpSpPr>
           <a:xfrm>
-            <a:off x="7751534" y="2279120"/>
+            <a:off x="8956081" y="2180496"/>
             <a:ext cx="2739310" cy="1952813"/>
             <a:chOff x="6289040" y="2274794"/>
             <a:chExt cx="2739310" cy="1952813"/>
@@ -9428,15 +10925,15 @@
           </p:spPr>
           <p:style>
             <a:lnRef idx="2">
-              <a:schemeClr val="accent1">
+              <a:schemeClr val="accent6">
                 <a:shade val="15000"/>
               </a:schemeClr>
             </a:lnRef>
             <a:fillRef idx="1">
-              <a:schemeClr val="accent1"/>
+              <a:schemeClr val="accent6"/>
             </a:fillRef>
             <a:effectRef idx="0">
-              <a:schemeClr val="accent1"/>
+              <a:schemeClr val="accent6"/>
             </a:effectRef>
             <a:fontRef idx="minor">
               <a:schemeClr val="lt1"/>
@@ -9448,10 +10945,9 @@
             <a:p>
               <a:pPr algn="ctr"/>
               <a:r>
-                <a:rPr lang="en-US" dirty="0" err="1"/>
-                <a:t>DwMSs</a:t>
+                <a:rPr lang="en-US" dirty="0"/>
+                <a:t>MSs-RS</a:t>
               </a:r>
-              <a:endParaRPr lang="en-US" dirty="0"/>
             </a:p>
           </p:txBody>
         </p:sp>
@@ -9478,15 +10974,15 @@
           </p:spPr>
           <p:style>
             <a:lnRef idx="2">
-              <a:schemeClr val="accent1">
+              <a:schemeClr val="accent6">
                 <a:shade val="15000"/>
               </a:schemeClr>
             </a:lnRef>
             <a:fillRef idx="1">
-              <a:schemeClr val="accent1"/>
+              <a:schemeClr val="accent6"/>
             </a:fillRef>
             <a:effectRef idx="0">
-              <a:schemeClr val="accent1"/>
+              <a:schemeClr val="accent6"/>
             </a:effectRef>
             <a:fontRef idx="minor">
               <a:schemeClr val="lt1"/>
@@ -9498,17 +10994,16 @@
             <a:p>
               <a:pPr algn="ctr"/>
               <a:r>
-                <a:rPr lang="en-US" dirty="0" err="1"/>
-                <a:t>DiMWL</a:t>
+                <a:rPr lang="en-US" dirty="0"/>
+                <a:t>MWL</a:t>
               </a:r>
               <a:br>
                 <a:rPr lang="en-US" dirty="0"/>
               </a:br>
               <a:r>
-                <a:rPr lang="en-US" dirty="0" err="1"/>
-                <a:t>DiMPPS</a:t>
+                <a:rPr lang="en-US" dirty="0"/>
+                <a:t>MPPS</a:t>
               </a:r>
-              <a:endParaRPr lang="en-US" dirty="0"/>
             </a:p>
           </p:txBody>
         </p:sp>
@@ -9535,15 +11030,15 @@
           </p:spPr>
           <p:style>
             <a:lnRef idx="2">
-              <a:schemeClr val="accent1">
+              <a:schemeClr val="accent6">
                 <a:shade val="15000"/>
               </a:schemeClr>
             </a:lnRef>
             <a:fillRef idx="1">
-              <a:schemeClr val="accent1"/>
+              <a:schemeClr val="accent6"/>
             </a:fillRef>
             <a:effectRef idx="0">
-              <a:schemeClr val="accent1"/>
+              <a:schemeClr val="accent6"/>
             </a:effectRef>
             <a:fontRef idx="minor">
               <a:schemeClr val="lt1"/>
@@ -9555,10 +11050,9 @@
             <a:p>
               <a:pPr algn="ctr"/>
               <a:r>
-                <a:rPr lang="en-US" dirty="0" err="1"/>
-                <a:t>DwWS</a:t>
+                <a:rPr lang="en-US" dirty="0"/>
+                <a:t>UPS-RS</a:t>
               </a:r>
-              <a:endParaRPr lang="en-US" dirty="0"/>
             </a:p>
           </p:txBody>
         </p:sp>
@@ -9585,15 +11079,15 @@
           </p:spPr>
           <p:style>
             <a:lnRef idx="2">
-              <a:schemeClr val="accent1">
+              <a:schemeClr val="accent6">
                 <a:shade val="15000"/>
               </a:schemeClr>
             </a:lnRef>
             <a:fillRef idx="1">
-              <a:schemeClr val="accent1"/>
+              <a:schemeClr val="accent6"/>
             </a:fillRef>
             <a:effectRef idx="0">
-              <a:schemeClr val="accent1"/>
+              <a:schemeClr val="accent6"/>
             </a:effectRef>
             <a:fontRef idx="minor">
               <a:schemeClr val="lt1"/>
@@ -9605,10 +11099,9 @@
             <a:p>
               <a:pPr algn="ctr"/>
               <a:r>
-                <a:rPr lang="en-US" dirty="0" err="1"/>
-                <a:t>DiUPS</a:t>
+                <a:rPr lang="en-US" dirty="0"/>
+                <a:t>UPS</a:t>
               </a:r>
-              <a:endParaRPr lang="en-US" dirty="0"/>
             </a:p>
           </p:txBody>
         </p:sp>
@@ -9953,52 +11446,10 @@
           </p:txBody>
         </p:sp>
       </p:grpSp>
-      <p:pic>
-        <p:nvPicPr>
-          <p:cNvPr id="10" name="Picture 9">
-            <a:extLst>
-              <a:ext uri="{FF2B5EF4-FFF2-40B4-BE49-F238E27FC236}">
-                <a16:creationId xmlns:a16="http://schemas.microsoft.com/office/drawing/2014/main" id="{D85EFE13-F63D-4ADD-17BC-08A40825D149}"/>
-              </a:ext>
-            </a:extLst>
-          </p:cNvPr>
-          <p:cNvPicPr>
-            <a:picLocks noChangeAspect="1"/>
-          </p:cNvPicPr>
-          <p:nvPr/>
-        </p:nvPicPr>
-        <p:blipFill>
-          <a:blip r:embed="rId3"/>
-          <a:stretch>
-            <a:fillRect/>
-          </a:stretch>
-        </p:blipFill>
-        <p:spPr>
-          <a:xfrm>
-            <a:off x="7751534" y="2279120"/>
-            <a:ext cx="3970890" cy="2702500"/>
-          </a:xfrm>
-          <a:prstGeom prst="rect">
-            <a:avLst/>
-          </a:prstGeom>
-          <a:ln>
-            <a:solidFill>
-              <a:schemeClr val="tx1"/>
-            </a:solidFill>
-          </a:ln>
-          <a:effectLst>
-            <a:outerShdw blurRad="50800" dist="38100" dir="2700000" algn="tl" rotWithShape="0">
-              <a:prstClr val="black">
-                <a:alpha val="40000"/>
-              </a:prstClr>
-            </a:outerShdw>
-          </a:effectLst>
-        </p:spPr>
-      </p:pic>
     </p:spTree>
     <p:extLst>
       <p:ext uri="{BB962C8B-B14F-4D97-AF65-F5344CB8AC3E}">
-        <p14:creationId xmlns:p14="http://schemas.microsoft.com/office/powerpoint/2010/main" val="3696627412"/>
+        <p14:creationId xmlns:p14="http://schemas.microsoft.com/office/powerpoint/2010/main" val="3726596250"/>
       </p:ext>
     </p:extLst>
   </p:cSld>
@@ -10017,187 +11468,10 @@
       </p:transition>
     </mc:Fallback>
   </mc:AlternateContent>
-  <p:timing>
-    <p:tnLst>
-      <p:par>
-        <p:cTn id="1" dur="indefinite" restart="never" nodeType="tmRoot">
-          <p:childTnLst>
-            <p:seq concurrent="1" nextAc="seek">
-              <p:cTn id="2" dur="indefinite" nodeType="mainSeq">
-                <p:childTnLst>
-                  <p:par>
-                    <p:cTn id="3" fill="hold">
-                      <p:stCondLst>
-                        <p:cond delay="indefinite"/>
-                        <p:cond evt="onBegin" delay="0">
-                          <p:tn val="2"/>
-                        </p:cond>
-                      </p:stCondLst>
-                      <p:childTnLst>
-                        <p:par>
-                          <p:cTn id="4" fill="hold">
-                            <p:stCondLst>
-                              <p:cond delay="0"/>
-                            </p:stCondLst>
-                            <p:childTnLst>
-                              <p:par>
-                                <p:cTn id="5" presetID="10" presetClass="entr" presetSubtype="0" fill="hold" nodeType="withEffect">
-                                  <p:stCondLst>
-                                    <p:cond delay="0"/>
-                                  </p:stCondLst>
-                                  <p:childTnLst>
-                                    <p:set>
-                                      <p:cBhvr>
-                                        <p:cTn id="6" dur="1" fill="hold">
-                                          <p:stCondLst>
-                                            <p:cond delay="0"/>
-                                          </p:stCondLst>
-                                        </p:cTn>
-                                        <p:tgtEl>
-                                          <p:spTgt spid="35"/>
-                                        </p:tgtEl>
-                                        <p:attrNameLst>
-                                          <p:attrName>style.visibility</p:attrName>
-                                        </p:attrNameLst>
-                                      </p:cBhvr>
-                                      <p:to>
-                                        <p:strVal val="visible"/>
-                                      </p:to>
-                                    </p:set>
-                                    <p:animEffect transition="in" filter="fade">
-                                      <p:cBhvr>
-                                        <p:cTn id="7" dur="500"/>
-                                        <p:tgtEl>
-                                          <p:spTgt spid="35"/>
-                                        </p:tgtEl>
-                                      </p:cBhvr>
-                                    </p:animEffect>
-                                  </p:childTnLst>
-                                </p:cTn>
-                              </p:par>
-                            </p:childTnLst>
-                          </p:cTn>
-                        </p:par>
-                      </p:childTnLst>
-                    </p:cTn>
-                  </p:par>
-                  <p:par>
-                    <p:cTn id="8" fill="hold">
-                      <p:stCondLst>
-                        <p:cond delay="indefinite"/>
-                      </p:stCondLst>
-                      <p:childTnLst>
-                        <p:par>
-                          <p:cTn id="9" fill="hold">
-                            <p:stCondLst>
-                              <p:cond delay="0"/>
-                            </p:stCondLst>
-                            <p:childTnLst>
-                              <p:par>
-                                <p:cTn id="10" presetID="10" presetClass="entr" presetSubtype="0" fill="hold" nodeType="clickEffect">
-                                  <p:stCondLst>
-                                    <p:cond delay="0"/>
-                                  </p:stCondLst>
-                                  <p:childTnLst>
-                                    <p:set>
-                                      <p:cBhvr>
-                                        <p:cTn id="11" dur="1" fill="hold">
-                                          <p:stCondLst>
-                                            <p:cond delay="0"/>
-                                          </p:stCondLst>
-                                        </p:cTn>
-                                        <p:tgtEl>
-                                          <p:spTgt spid="10"/>
-                                        </p:tgtEl>
-                                        <p:attrNameLst>
-                                          <p:attrName>style.visibility</p:attrName>
-                                        </p:attrNameLst>
-                                      </p:cBhvr>
-                                      <p:to>
-                                        <p:strVal val="visible"/>
-                                      </p:to>
-                                    </p:set>
-                                    <p:animEffect transition="in" filter="fade">
-                                      <p:cBhvr>
-                                        <p:cTn id="12" dur="500"/>
-                                        <p:tgtEl>
-                                          <p:spTgt spid="10"/>
-                                        </p:tgtEl>
-                                      </p:cBhvr>
-                                    </p:animEffect>
-                                  </p:childTnLst>
-                                </p:cTn>
-                              </p:par>
-                              <p:par>
-                                <p:cTn id="13" presetID="10" presetClass="entr" presetSubtype="0" fill="hold" grpId="0" nodeType="withEffect">
-                                  <p:stCondLst>
-                                    <p:cond delay="0"/>
-                                  </p:stCondLst>
-                                  <p:childTnLst>
-                                    <p:set>
-                                      <p:cBhvr>
-                                        <p:cTn id="14" dur="1" fill="hold">
-                                          <p:stCondLst>
-                                            <p:cond delay="0"/>
-                                          </p:stCondLst>
-                                        </p:cTn>
-                                        <p:tgtEl>
-                                          <p:spTgt spid="11"/>
-                                        </p:tgtEl>
-                                        <p:attrNameLst>
-                                          <p:attrName>style.visibility</p:attrName>
-                                        </p:attrNameLst>
-                                      </p:cBhvr>
-                                      <p:to>
-                                        <p:strVal val="visible"/>
-                                      </p:to>
-                                    </p:set>
-                                    <p:animEffect transition="in" filter="fade">
-                                      <p:cBhvr>
-                                        <p:cTn id="15" dur="500"/>
-                                        <p:tgtEl>
-                                          <p:spTgt spid="11"/>
-                                        </p:tgtEl>
-                                      </p:cBhvr>
-                                    </p:animEffect>
-                                  </p:childTnLst>
-                                </p:cTn>
-                              </p:par>
-                            </p:childTnLst>
-                          </p:cTn>
-                        </p:par>
-                      </p:childTnLst>
-                    </p:cTn>
-                  </p:par>
-                </p:childTnLst>
-              </p:cTn>
-              <p:prevCondLst>
-                <p:cond evt="onPrev" delay="0">
-                  <p:tgtEl>
-                    <p:sldTgt/>
-                  </p:tgtEl>
-                </p:cond>
-              </p:prevCondLst>
-              <p:nextCondLst>
-                <p:cond evt="onNext" delay="0">
-                  <p:tgtEl>
-                    <p:sldTgt/>
-                  </p:tgtEl>
-                </p:cond>
-              </p:nextCondLst>
-            </p:seq>
-          </p:childTnLst>
-        </p:cTn>
-      </p:par>
-    </p:tnLst>
-    <p:bldLst>
-      <p:bldP spid="11" grpId="0"/>
-    </p:bldLst>
-  </p:timing>
 </p:sld>
 </file>
 
-<file path=ppt/slides/slide6.xml><?xml version="1.0" encoding="utf-8"?>
+<file path=ppt/slides/slide7.xml><?xml version="1.0" encoding="utf-8"?>
 <p:sld xmlns:a="http://schemas.openxmlformats.org/drawingml/2006/main" xmlns:r="http://schemas.openxmlformats.org/officeDocument/2006/relationships" xmlns:p="http://schemas.openxmlformats.org/presentationml/2006/main">
   <p:cSld>
     <p:spTree>
@@ -10219,6 +11493,409 @@
           <p:cNvPr id="2" name="Title 1">
             <a:extLst>
               <a:ext uri="{FF2B5EF4-FFF2-40B4-BE49-F238E27FC236}">
+                <a16:creationId xmlns:a16="http://schemas.microsoft.com/office/drawing/2014/main" id="{2FB3CB2F-9156-8145-AFA6-B1FC0087A92A}"/>
+              </a:ext>
+            </a:extLst>
+          </p:cNvPr>
+          <p:cNvSpPr>
+            <a:spLocks noGrp="1"/>
+          </p:cNvSpPr>
+          <p:nvPr>
+            <p:ph type="title"/>
+          </p:nvPr>
+        </p:nvSpPr>
+        <p:spPr/>
+        <p:txBody>
+          <a:bodyPr/>
+          <a:lstStyle/>
+          <a:p>
+            <a:r>
+              <a:rPr lang="en-US" dirty="0"/>
+              <a:t>DIMSE Notifications vs DICOMweb notifications</a:t>
+            </a:r>
+          </a:p>
+        </p:txBody>
+      </p:sp>
+      <p:sp>
+        <p:nvSpPr>
+          <p:cNvPr id="3" name="Content Placeholder 2">
+            <a:extLst>
+              <a:ext uri="{FF2B5EF4-FFF2-40B4-BE49-F238E27FC236}">
+                <a16:creationId xmlns:a16="http://schemas.microsoft.com/office/drawing/2014/main" id="{067BA738-9BC2-395F-BE69-BEFFB1A3C3F1}"/>
+              </a:ext>
+            </a:extLst>
+          </p:cNvPr>
+          <p:cNvSpPr>
+            <a:spLocks noGrp="1"/>
+          </p:cNvSpPr>
+          <p:nvPr>
+            <p:ph idx="1"/>
+          </p:nvPr>
+        </p:nvSpPr>
+        <p:spPr>
+          <a:xfrm>
+            <a:off x="581192" y="2180496"/>
+            <a:ext cx="11029615" cy="4677504"/>
+          </a:xfrm>
+        </p:spPr>
+        <p:txBody>
+          <a:bodyPr>
+            <a:normAutofit/>
+          </a:bodyPr>
+          <a:lstStyle/>
+          <a:p>
+            <a:pPr marL="0" indent="0">
+              <a:buNone/>
+            </a:pPr>
+            <a:r>
+              <a:rPr lang="en-US" dirty="0"/>
+              <a:t>For modality services, SCPs can send update messages</a:t>
+            </a:r>
+          </a:p>
+          <a:p>
+            <a:r>
+              <a:rPr lang="en-US" dirty="0"/>
+              <a:t>PS3.4, F.9.2 Notifications [of MPPS]</a:t>
+            </a:r>
+            <a:br>
+              <a:rPr lang="en-US" dirty="0"/>
+            </a:br>
+            <a:r>
+              <a:rPr lang="en-US" dirty="0"/>
+              <a:t>“The Application Entity that claims conformance as an SCU to this SOP Class shall be permitted to receive the </a:t>
+            </a:r>
+            <a:r>
+              <a:rPr lang="en-US" dirty="0">
+                <a:effectLst>
+                  <a:outerShdw blurRad="38100" dist="38100" dir="2700000" algn="tl">
+                    <a:srgbClr val="000000">
+                      <a:alpha val="43137"/>
+                    </a:srgbClr>
+                  </a:outerShdw>
+                </a:effectLst>
+              </a:rPr>
+              <a:t>following notification</a:t>
+            </a:r>
+            <a:r>
+              <a:rPr lang="en-US" dirty="0"/>
+              <a:t>. The Application Entity that claims conformance as an SCP to this SOP Class shall be capable of providing the notifications defined in Table F.9.2-1.” Q: Can notification indeed be unsolicited/unsubscribed?</a:t>
+            </a:r>
+          </a:p>
+          <a:p>
+            <a:r>
+              <a:rPr lang="en-US" dirty="0"/>
+              <a:t>PS3.4, CC.2.4 Report a Change in UPS Status (N-EVENT-REPORT)</a:t>
+            </a:r>
+            <a:br>
+              <a:rPr lang="en-US" dirty="0"/>
+            </a:br>
+            <a:r>
+              <a:rPr lang="en-US" dirty="0"/>
+              <a:t>“This operation allows an SCP to notify an SCU of a change in state of a UPS instance or a change in state of the SCP itself. This operation shall be invoked by the SCP through the DIMSE N-EVENT-REPORT Service.”</a:t>
+            </a:r>
+          </a:p>
+          <a:p>
+            <a:pPr marL="0" indent="0">
+              <a:buNone/>
+            </a:pPr>
+            <a:r>
+              <a:rPr lang="en-US" dirty="0"/>
+              <a:t>PS3.18, 8.10: “Some RESTful services support Notifications.” Applicable transactions for MSs-RS:</a:t>
+            </a:r>
+          </a:p>
+          <a:p>
+            <a:pPr>
+              <a:tabLst>
+                <a:tab pos="2057400" algn="l"/>
+              </a:tabLst>
+            </a:pPr>
+            <a:r>
+              <a:rPr lang="en-US" dirty="0" err="1"/>
+              <a:t>Subscribe</a:t>
+            </a:r>
+            <a:r>
+              <a:rPr lang="en-US" baseline="-25000" dirty="0" err="1"/>
+              <a:t>UPS</a:t>
+            </a:r>
+            <a:r>
+              <a:rPr lang="en-US" baseline="-25000" dirty="0"/>
+              <a:t>-RS</a:t>
+            </a:r>
+            <a:r>
+              <a:rPr lang="en-US" dirty="0"/>
+              <a:t>	</a:t>
+            </a:r>
+            <a:r>
+              <a:rPr lang="en-US" b="0" dirty="0">
+                <a:solidFill>
+                  <a:schemeClr val="tx1"/>
+                </a:solidFill>
+                <a:effectLst/>
+                <a:highlight>
+                  <a:srgbClr val="FFFFFF"/>
+                </a:highlight>
+              </a:rPr>
+              <a:t>≡	</a:t>
+            </a:r>
+            <a:r>
+              <a:rPr lang="en-US" dirty="0"/>
+              <a:t>N-ACTION</a:t>
+            </a:r>
+            <a:r>
+              <a:rPr lang="en-US" baseline="-25000" dirty="0"/>
+              <a:t>MPPS</a:t>
+            </a:r>
+            <a:r>
+              <a:rPr lang="en-US" dirty="0"/>
+              <a:t>( </a:t>
+            </a:r>
+            <a:r>
+              <a:rPr lang="en-US" sz="1800" b="0" i="0" u="none" strike="noStrike" baseline="0" dirty="0">
+                <a:solidFill>
+                  <a:srgbClr val="000000"/>
+                </a:solidFill>
+              </a:rPr>
+              <a:t>Subscribe to Receive UPS Event Reports </a:t>
+            </a:r>
+            <a:r>
+              <a:rPr lang="en-US" dirty="0"/>
+              <a:t>)</a:t>
+            </a:r>
+          </a:p>
+          <a:p>
+            <a:pPr>
+              <a:tabLst>
+                <a:tab pos="2057400" algn="l"/>
+              </a:tabLst>
+            </a:pPr>
+            <a:r>
+              <a:rPr lang="en-US" dirty="0" err="1"/>
+              <a:t>Unsubscribe</a:t>
+            </a:r>
+            <a:r>
+              <a:rPr lang="en-US" baseline="-25000" dirty="0" err="1"/>
+              <a:t>UPS</a:t>
+            </a:r>
+            <a:r>
+              <a:rPr lang="en-US" baseline="-25000" dirty="0"/>
+              <a:t>-RS</a:t>
+            </a:r>
+            <a:r>
+              <a:rPr lang="en-US" dirty="0"/>
+              <a:t>	</a:t>
+            </a:r>
+            <a:r>
+              <a:rPr lang="en-US" b="0" dirty="0">
+                <a:solidFill>
+                  <a:schemeClr val="tx1"/>
+                </a:solidFill>
+                <a:effectLst/>
+                <a:highlight>
+                  <a:srgbClr val="FFFFFF"/>
+                </a:highlight>
+              </a:rPr>
+              <a:t>≡</a:t>
+            </a:r>
+            <a:r>
+              <a:rPr lang="en-US" dirty="0"/>
+              <a:t>	N-ACTION</a:t>
+            </a:r>
+            <a:r>
+              <a:rPr lang="en-US" baseline="-25000" dirty="0"/>
+              <a:t>MPPS</a:t>
+            </a:r>
+            <a:r>
+              <a:rPr lang="en-US" dirty="0"/>
+              <a:t>( Uns</a:t>
+            </a:r>
+            <a:r>
+              <a:rPr lang="en-US" sz="1800" b="0" i="0" u="none" strike="noStrike" baseline="0" dirty="0">
+                <a:solidFill>
+                  <a:srgbClr val="000000"/>
+                </a:solidFill>
+              </a:rPr>
+              <a:t>ubscribe from Receiving UPS Event Reports </a:t>
+            </a:r>
+            <a:r>
+              <a:rPr lang="en-US" dirty="0"/>
+              <a:t>)</a:t>
+            </a:r>
+          </a:p>
+          <a:p>
+            <a:pPr>
+              <a:tabLst>
+                <a:tab pos="2057400" algn="l"/>
+              </a:tabLst>
+            </a:pPr>
+            <a:r>
+              <a:rPr lang="en-US" dirty="0" err="1"/>
+              <a:t>Suspend</a:t>
+            </a:r>
+            <a:r>
+              <a:rPr lang="en-US" baseline="-25000" dirty="0" err="1"/>
+              <a:t>UPS</a:t>
+            </a:r>
+            <a:r>
+              <a:rPr lang="en-US" baseline="-25000" dirty="0"/>
+              <a:t>-RS</a:t>
+            </a:r>
+            <a:r>
+              <a:rPr lang="en-US" dirty="0"/>
+              <a:t>	</a:t>
+            </a:r>
+            <a:r>
+              <a:rPr lang="en-US" b="0" dirty="0">
+                <a:solidFill>
+                  <a:schemeClr val="tx1"/>
+                </a:solidFill>
+                <a:effectLst/>
+                <a:highlight>
+                  <a:srgbClr val="FFFFFF"/>
+                </a:highlight>
+              </a:rPr>
+              <a:t>≡</a:t>
+            </a:r>
+            <a:r>
+              <a:rPr lang="en-US" dirty="0"/>
+              <a:t>	N-ACTION</a:t>
+            </a:r>
+            <a:r>
+              <a:rPr lang="en-US" baseline="-25000" dirty="0"/>
+              <a:t>MPPS</a:t>
+            </a:r>
+            <a:r>
+              <a:rPr lang="en-US" dirty="0"/>
+              <a:t>( Suspend Global Subscription )	Q: Resuming indeed not possible?</a:t>
+            </a:r>
+          </a:p>
+        </p:txBody>
+      </p:sp>
+      <p:sp>
+        <p:nvSpPr>
+          <p:cNvPr id="4" name="Date Placeholder 3">
+            <a:extLst>
+              <a:ext uri="{FF2B5EF4-FFF2-40B4-BE49-F238E27FC236}">
+                <a16:creationId xmlns:a16="http://schemas.microsoft.com/office/drawing/2014/main" id="{08F35C4C-1626-5A47-5522-390822C3D3D5}"/>
+              </a:ext>
+            </a:extLst>
+          </p:cNvPr>
+          <p:cNvSpPr>
+            <a:spLocks noGrp="1"/>
+          </p:cNvSpPr>
+          <p:nvPr>
+            <p:ph type="dt" sz="half" idx="2"/>
+          </p:nvPr>
+        </p:nvSpPr>
+        <p:spPr/>
+        <p:txBody>
+          <a:bodyPr/>
+          <a:lstStyle/>
+          <a:p>
+            <a:r>
+              <a:rPr lang="fr-FR"/>
+              <a:t>May 2024</a:t>
+            </a:r>
+            <a:endParaRPr lang="en-US" dirty="0"/>
+          </a:p>
+        </p:txBody>
+      </p:sp>
+      <p:sp>
+        <p:nvSpPr>
+          <p:cNvPr id="5" name="Footer Placeholder 4">
+            <a:extLst>
+              <a:ext uri="{FF2B5EF4-FFF2-40B4-BE49-F238E27FC236}">
+                <a16:creationId xmlns:a16="http://schemas.microsoft.com/office/drawing/2014/main" id="{ED81BC20-E926-8D43-AE14-FC401D597F6B}"/>
+              </a:ext>
+            </a:extLst>
+          </p:cNvPr>
+          <p:cNvSpPr>
+            <a:spLocks noGrp="1"/>
+          </p:cNvSpPr>
+          <p:nvPr>
+            <p:ph type="ftr" sz="quarter" idx="3"/>
+          </p:nvPr>
+        </p:nvSpPr>
+        <p:spPr/>
+        <p:txBody>
+          <a:bodyPr/>
+          <a:lstStyle/>
+          <a:p>
+            <a:r>
+              <a:rPr lang="en-US">
+                <a:latin typeface="Arial" panose="020B0604020202020204" pitchFamily="34" charset="0"/>
+                <a:cs typeface="Arial" panose="020B0604020202020204" pitchFamily="34" charset="0"/>
+              </a:rPr>
+              <a:t>Copyright DICOM® 2024</a:t>
+            </a:r>
+            <a:endParaRPr lang="en-US" dirty="0"/>
+          </a:p>
+        </p:txBody>
+      </p:sp>
+      <p:sp>
+        <p:nvSpPr>
+          <p:cNvPr id="6" name="Slide Number Placeholder 5">
+            <a:extLst>
+              <a:ext uri="{FF2B5EF4-FFF2-40B4-BE49-F238E27FC236}">
+                <a16:creationId xmlns:a16="http://schemas.microsoft.com/office/drawing/2014/main" id="{F8E36DEA-E2DD-D28E-F65F-80B5A35B1ABD}"/>
+              </a:ext>
+            </a:extLst>
+          </p:cNvPr>
+          <p:cNvSpPr>
+            <a:spLocks noGrp="1"/>
+          </p:cNvSpPr>
+          <p:nvPr>
+            <p:ph type="sldNum" sz="quarter" idx="4"/>
+          </p:nvPr>
+        </p:nvSpPr>
+        <p:spPr/>
+        <p:txBody>
+          <a:bodyPr/>
+          <a:lstStyle/>
+          <a:p>
+            <a:fld id="{D57F1E4F-1CFF-5643-939E-217C01CDF565}" type="slidenum">
+              <a:rPr lang="en-US" smtClean="0"/>
+              <a:pPr/>
+              <a:t>7</a:t>
+            </a:fld>
+            <a:endParaRPr lang="en-US" dirty="0"/>
+          </a:p>
+        </p:txBody>
+      </p:sp>
+    </p:spTree>
+    <p:extLst>
+      <p:ext uri="{BB962C8B-B14F-4D97-AF65-F5344CB8AC3E}">
+        <p14:creationId xmlns:p14="http://schemas.microsoft.com/office/powerpoint/2010/main" val="3086738385"/>
+      </p:ext>
+    </p:extLst>
+  </p:cSld>
+  <p:clrMapOvr>
+    <a:masterClrMapping/>
+  </p:clrMapOvr>
+</p:sld>
+</file>
+
+<file path=ppt/slides/slide8.xml><?xml version="1.0" encoding="utf-8"?>
+<p:sld xmlns:a="http://schemas.openxmlformats.org/drawingml/2006/main" xmlns:r="http://schemas.openxmlformats.org/officeDocument/2006/relationships" xmlns:p="http://schemas.openxmlformats.org/presentationml/2006/main">
+  <p:cSld>
+    <p:spTree>
+      <p:nvGrpSpPr>
+        <p:cNvPr id="1" name=""/>
+        <p:cNvGrpSpPr/>
+        <p:nvPr/>
+      </p:nvGrpSpPr>
+      <p:grpSpPr>
+        <a:xfrm>
+          <a:off x="0" y="0"/>
+          <a:ext cx="0" cy="0"/>
+          <a:chOff x="0" y="0"/>
+          <a:chExt cx="0" cy="0"/>
+        </a:xfrm>
+      </p:grpSpPr>
+      <p:sp>
+        <p:nvSpPr>
+          <p:cNvPr id="2" name="Title 1">
+            <a:extLst>
+              <a:ext uri="{FF2B5EF4-FFF2-40B4-BE49-F238E27FC236}">
                 <a16:creationId xmlns:a16="http://schemas.microsoft.com/office/drawing/2014/main" id="{B533F155-96FB-2AE2-B120-11BF12BBAF6B}"/>
               </a:ext>
             </a:extLst>
@@ -10327,18 +12004,209 @@
             <a:fld id="{D57F1E4F-1CFF-5643-939E-217C01CDF565}" type="slidenum">
               <a:rPr lang="en-US" smtClean="0"/>
               <a:pPr/>
-              <a:t>6</a:t>
+              <a:t>8</a:t>
             </a:fld>
             <a:endParaRPr lang="en-US" dirty="0"/>
           </a:p>
         </p:txBody>
       </p:sp>
+      <p:grpSp>
+        <p:nvGrpSpPr>
+          <p:cNvPr id="16" name="Group 15">
+            <a:extLst>
+              <a:ext uri="{FF2B5EF4-FFF2-40B4-BE49-F238E27FC236}">
+                <a16:creationId xmlns:a16="http://schemas.microsoft.com/office/drawing/2014/main" id="{D02A1551-3F8F-7DED-AFD9-5374F48B0667}"/>
+              </a:ext>
+            </a:extLst>
+          </p:cNvPr>
+          <p:cNvGrpSpPr/>
+          <p:nvPr/>
+        </p:nvGrpSpPr>
+        <p:grpSpPr>
+          <a:xfrm>
+            <a:off x="4391407" y="781700"/>
+            <a:ext cx="7200345" cy="2805002"/>
+            <a:chOff x="4391407" y="781700"/>
+            <a:chExt cx="7200345" cy="2805002"/>
+          </a:xfrm>
+        </p:grpSpPr>
+        <p:grpSp>
+          <p:nvGrpSpPr>
+            <p:cNvPr id="24" name="Group 23">
+              <a:extLst>
+                <a:ext uri="{FF2B5EF4-FFF2-40B4-BE49-F238E27FC236}">
+                  <a16:creationId xmlns:a16="http://schemas.microsoft.com/office/drawing/2014/main" id="{648FFC81-4054-25CE-2870-BB0B26E369B1}"/>
+                </a:ext>
+              </a:extLst>
+            </p:cNvPr>
+            <p:cNvGrpSpPr/>
+            <p:nvPr/>
+          </p:nvGrpSpPr>
+          <p:grpSpPr>
+            <a:xfrm>
+              <a:off x="4661243" y="781700"/>
+              <a:ext cx="6930509" cy="2530612"/>
+              <a:chOff x="4661243" y="781700"/>
+              <a:chExt cx="6930509" cy="2530612"/>
+            </a:xfrm>
+          </p:grpSpPr>
+          <p:sp>
+            <p:nvSpPr>
+              <p:cNvPr id="15" name="Rectangle 14">
+                <a:extLst>
+                  <a:ext uri="{FF2B5EF4-FFF2-40B4-BE49-F238E27FC236}">
+                    <a16:creationId xmlns:a16="http://schemas.microsoft.com/office/drawing/2014/main" id="{34B2418D-C76E-C9FA-BB55-9E1A9B11C9AE}"/>
+                  </a:ext>
+                </a:extLst>
+              </p:cNvPr>
+              <p:cNvSpPr/>
+              <p:nvPr/>
+            </p:nvSpPr>
+            <p:spPr>
+              <a:xfrm>
+                <a:off x="8869680" y="781700"/>
+                <a:ext cx="2722072" cy="848360"/>
+              </a:xfrm>
+              <a:prstGeom prst="rect">
+                <a:avLst/>
+              </a:prstGeom>
+              <a:ln>
+                <a:noFill/>
+              </a:ln>
+            </p:spPr>
+            <p:style>
+              <a:lnRef idx="2">
+                <a:schemeClr val="accent2">
+                  <a:shade val="15000"/>
+                </a:schemeClr>
+              </a:lnRef>
+              <a:fillRef idx="1">
+                <a:schemeClr val="accent2"/>
+              </a:fillRef>
+              <a:effectRef idx="0">
+                <a:schemeClr val="accent2"/>
+              </a:effectRef>
+              <a:fontRef idx="minor">
+                <a:schemeClr val="lt1"/>
+              </a:fontRef>
+            </p:style>
+            <p:txBody>
+              <a:bodyPr rtlCol="0" anchor="ctr"/>
+              <a:lstStyle/>
+              <a:p>
+                <a:r>
+                  <a:rPr lang="en-US" sz="1200" dirty="0"/>
+                  <a:t>Currently, sections 11.7 and 11.8 are not following the PS3.18 conventions, as they do not have ‘Transaction’ in their name. This has been reported to the editor.</a:t>
+                </a:r>
+              </a:p>
+            </p:txBody>
+          </p:sp>
+          <p:cxnSp>
+            <p:nvCxnSpPr>
+              <p:cNvPr id="17" name="Connector: Curved 16">
+                <a:extLst>
+                  <a:ext uri="{FF2B5EF4-FFF2-40B4-BE49-F238E27FC236}">
+                    <a16:creationId xmlns:a16="http://schemas.microsoft.com/office/drawing/2014/main" id="{85B2F526-4F49-70E4-B11B-C018F3D1075F}"/>
+                  </a:ext>
+                </a:extLst>
+              </p:cNvPr>
+              <p:cNvCxnSpPr>
+                <a:cxnSpLocks/>
+                <a:stCxn id="15" idx="2"/>
+                <a:endCxn id="18" idx="0"/>
+              </p:cNvCxnSpPr>
+              <p:nvPr/>
+            </p:nvCxnSpPr>
+            <p:spPr>
+              <a:xfrm rot="5400000">
+                <a:off x="6604853" y="-313551"/>
+                <a:ext cx="1682253" cy="5569474"/>
+              </a:xfrm>
+              <a:prstGeom prst="curvedConnector3">
+                <a:avLst>
+                  <a:gd name="adj1" fmla="val 43205"/>
+                </a:avLst>
+              </a:prstGeom>
+              <a:ln>
+                <a:solidFill>
+                  <a:schemeClr val="accent2"/>
+                </a:solidFill>
+                <a:tailEnd type="triangle"/>
+              </a:ln>
+            </p:spPr>
+            <p:style>
+              <a:lnRef idx="1">
+                <a:schemeClr val="accent1"/>
+              </a:lnRef>
+              <a:fillRef idx="0">
+                <a:schemeClr val="accent1"/>
+              </a:fillRef>
+              <a:effectRef idx="0">
+                <a:schemeClr val="accent1"/>
+              </a:effectRef>
+              <a:fontRef idx="minor">
+                <a:schemeClr val="tx1"/>
+              </a:fontRef>
+            </p:style>
+          </p:cxnSp>
+        </p:grpSp>
+        <p:sp>
+          <p:nvSpPr>
+            <p:cNvPr id="18" name="Rectangle 17">
+              <a:extLst>
+                <a:ext uri="{FF2B5EF4-FFF2-40B4-BE49-F238E27FC236}">
+                  <a16:creationId xmlns:a16="http://schemas.microsoft.com/office/drawing/2014/main" id="{D9C9E234-A3DF-52F8-C5BE-C77D6FE669A7}"/>
+                </a:ext>
+              </a:extLst>
+            </p:cNvPr>
+            <p:cNvSpPr/>
+            <p:nvPr/>
+          </p:nvSpPr>
+          <p:spPr>
+            <a:xfrm>
+              <a:off x="4391407" y="3312313"/>
+              <a:ext cx="539670" cy="274389"/>
+            </a:xfrm>
+            <a:prstGeom prst="rect">
+              <a:avLst/>
+            </a:prstGeom>
+            <a:noFill/>
+            <a:ln>
+              <a:noFill/>
+            </a:ln>
+          </p:spPr>
+          <p:style>
+            <a:lnRef idx="2">
+              <a:schemeClr val="accent1">
+                <a:shade val="15000"/>
+              </a:schemeClr>
+            </a:lnRef>
+            <a:fillRef idx="1">
+              <a:schemeClr val="accent1"/>
+            </a:fillRef>
+            <a:effectRef idx="0">
+              <a:schemeClr val="accent1"/>
+            </a:effectRef>
+            <a:fontRef idx="minor">
+              <a:schemeClr val="lt1"/>
+            </a:fontRef>
+          </p:style>
+          <p:txBody>
+            <a:bodyPr rtlCol="0" anchor="ctr"/>
+            <a:lstStyle/>
+            <a:p>
+              <a:pPr algn="ctr"/>
+              <a:endParaRPr lang="en-US"/>
+            </a:p>
+          </p:txBody>
+        </p:sp>
+      </p:grpSp>
       <p:pic>
         <p:nvPicPr>
-          <p:cNvPr id="14" name="Picture 13">
+          <p:cNvPr id="21" name="Picture 20">
             <a:extLst>
               <a:ext uri="{FF2B5EF4-FFF2-40B4-BE49-F238E27FC236}">
-                <a16:creationId xmlns:a16="http://schemas.microsoft.com/office/drawing/2014/main" id="{97092EE4-B654-BDA6-ADAF-333CF4636F2D}"/>
+                <a16:creationId xmlns:a16="http://schemas.microsoft.com/office/drawing/2014/main" id="{A01F442A-0413-FDD8-D9D9-DB9C728152C3}"/>
               </a:ext>
             </a:extLst>
           </p:cNvPr>
@@ -10366,184 +12234,14 @@
         </p:blipFill>
         <p:spPr>
           <a:xfrm>
-            <a:off x="1863765" y="1803400"/>
-            <a:ext cx="8464470" cy="4983411"/>
+            <a:off x="2423144" y="1795500"/>
+            <a:ext cx="7345713" cy="5062500"/>
           </a:xfrm>
           <a:prstGeom prst="rect">
             <a:avLst/>
           </a:prstGeom>
         </p:spPr>
       </p:pic>
-      <p:grpSp>
-        <p:nvGrpSpPr>
-          <p:cNvPr id="24" name="Group 23">
-            <a:extLst>
-              <a:ext uri="{FF2B5EF4-FFF2-40B4-BE49-F238E27FC236}">
-                <a16:creationId xmlns:a16="http://schemas.microsoft.com/office/drawing/2014/main" id="{648FFC81-4054-25CE-2870-BB0B26E369B1}"/>
-              </a:ext>
-            </a:extLst>
-          </p:cNvPr>
-          <p:cNvGrpSpPr/>
-          <p:nvPr/>
-        </p:nvGrpSpPr>
-        <p:grpSpPr>
-          <a:xfrm>
-            <a:off x="4451277" y="781700"/>
-            <a:ext cx="7140475" cy="2738741"/>
-            <a:chOff x="4451277" y="781700"/>
-            <a:chExt cx="7140475" cy="2738741"/>
-          </a:xfrm>
-        </p:grpSpPr>
-        <p:sp>
-          <p:nvSpPr>
-            <p:cNvPr id="15" name="Rectangle 14">
-              <a:extLst>
-                <a:ext uri="{FF2B5EF4-FFF2-40B4-BE49-F238E27FC236}">
-                  <a16:creationId xmlns:a16="http://schemas.microsoft.com/office/drawing/2014/main" id="{34B2418D-C76E-C9FA-BB55-9E1A9B11C9AE}"/>
-                </a:ext>
-              </a:extLst>
-            </p:cNvPr>
-            <p:cNvSpPr/>
-            <p:nvPr/>
-          </p:nvSpPr>
-          <p:spPr>
-            <a:xfrm>
-              <a:off x="8869680" y="781700"/>
-              <a:ext cx="2722072" cy="848360"/>
-            </a:xfrm>
-            <a:prstGeom prst="rect">
-              <a:avLst/>
-            </a:prstGeom>
-            <a:ln>
-              <a:noFill/>
-            </a:ln>
-          </p:spPr>
-          <p:style>
-            <a:lnRef idx="2">
-              <a:schemeClr val="accent2">
-                <a:shade val="15000"/>
-              </a:schemeClr>
-            </a:lnRef>
-            <a:fillRef idx="1">
-              <a:schemeClr val="accent2"/>
-            </a:fillRef>
-            <a:effectRef idx="0">
-              <a:schemeClr val="accent2"/>
-            </a:effectRef>
-            <a:fontRef idx="minor">
-              <a:schemeClr val="lt1"/>
-            </a:fontRef>
-          </p:style>
-          <p:txBody>
-            <a:bodyPr rtlCol="0" anchor="ctr"/>
-            <a:lstStyle/>
-            <a:p>
-              <a:r>
-                <a:rPr lang="en-US" sz="1200" dirty="0"/>
-                <a:t>Currently, sections 11.7 and 11.8 are not following the PS3.18 conventions, as they do not have ‘Transaction’ in their name. This has been reported to the Editor.</a:t>
-              </a:r>
-            </a:p>
-          </p:txBody>
-        </p:sp>
-        <p:cxnSp>
-          <p:nvCxnSpPr>
-            <p:cNvPr id="17" name="Connector: Curved 16">
-              <a:extLst>
-                <a:ext uri="{FF2B5EF4-FFF2-40B4-BE49-F238E27FC236}">
-                  <a16:creationId xmlns:a16="http://schemas.microsoft.com/office/drawing/2014/main" id="{85B2F526-4F49-70E4-B11B-C018F3D1075F}"/>
-                </a:ext>
-              </a:extLst>
-            </p:cNvPr>
-            <p:cNvCxnSpPr>
-              <a:cxnSpLocks/>
-              <a:stCxn id="15" idx="2"/>
-              <a:endCxn id="18" idx="0"/>
-            </p:cNvCxnSpPr>
-            <p:nvPr/>
-          </p:nvCxnSpPr>
-          <p:spPr>
-            <a:xfrm rot="5400000">
-              <a:off x="6395807" y="-314469"/>
-              <a:ext cx="1890380" cy="5779439"/>
-            </a:xfrm>
-            <a:prstGeom prst="curvedConnector3">
-              <a:avLst>
-                <a:gd name="adj1" fmla="val 50000"/>
-              </a:avLst>
-            </a:prstGeom>
-            <a:ln>
-              <a:solidFill>
-                <a:schemeClr val="accent2"/>
-              </a:solidFill>
-              <a:tailEnd type="triangle"/>
-            </a:ln>
-          </p:spPr>
-          <p:style>
-            <a:lnRef idx="1">
-              <a:schemeClr val="accent1"/>
-            </a:lnRef>
-            <a:fillRef idx="0">
-              <a:schemeClr val="accent1"/>
-            </a:fillRef>
-            <a:effectRef idx="0">
-              <a:schemeClr val="accent1"/>
-            </a:effectRef>
-            <a:fontRef idx="minor">
-              <a:schemeClr val="tx1"/>
-            </a:fontRef>
-          </p:style>
-        </p:cxnSp>
-      </p:grpSp>
-      <p:sp>
-        <p:nvSpPr>
-          <p:cNvPr id="18" name="Rectangle 17">
-            <a:extLst>
-              <a:ext uri="{FF2B5EF4-FFF2-40B4-BE49-F238E27FC236}">
-                <a16:creationId xmlns:a16="http://schemas.microsoft.com/office/drawing/2014/main" id="{D9C9E234-A3DF-52F8-C5BE-C77D6FE669A7}"/>
-              </a:ext>
-            </a:extLst>
-          </p:cNvPr>
-          <p:cNvSpPr/>
-          <p:nvPr/>
-        </p:nvSpPr>
-        <p:spPr>
-          <a:xfrm>
-            <a:off x="4181442" y="3520440"/>
-            <a:ext cx="539670" cy="274389"/>
-          </a:xfrm>
-          <a:prstGeom prst="rect">
-            <a:avLst/>
-          </a:prstGeom>
-          <a:noFill/>
-          <a:ln>
-            <a:noFill/>
-          </a:ln>
-        </p:spPr>
-        <p:style>
-          <a:lnRef idx="2">
-            <a:schemeClr val="accent1">
-              <a:shade val="15000"/>
-            </a:schemeClr>
-          </a:lnRef>
-          <a:fillRef idx="1">
-            <a:schemeClr val="accent1"/>
-          </a:fillRef>
-          <a:effectRef idx="0">
-            <a:schemeClr val="accent1"/>
-          </a:effectRef>
-          <a:fontRef idx="minor">
-            <a:schemeClr val="lt1"/>
-          </a:fontRef>
-        </p:style>
-        <p:txBody>
-          <a:bodyPr rtlCol="0" anchor="ctr"/>
-          <a:lstStyle/>
-          <a:p>
-            <a:pPr algn="ctr"/>
-            <a:endParaRPr lang="en-US"/>
-          </a:p>
-        </p:txBody>
-      </p:sp>
     </p:spTree>
     <p:extLst>
       <p:ext uri="{BB962C8B-B14F-4D97-AF65-F5344CB8AC3E}">
@@ -10554,13 +12252,13 @@
   <p:clrMapOvr>
     <a:masterClrMapping/>
   </p:clrMapOvr>
-  <mc:AlternateContent xmlns:mc="http://schemas.openxmlformats.org/markup-compatibility/2006">
-    <mc:Choice xmlns:p14="http://schemas.microsoft.com/office/powerpoint/2010/main" Requires="p14">
+  <mc:AlternateContent xmlns:mc="http://schemas.openxmlformats.org/markup-compatibility/2006" xmlns:p14="http://schemas.microsoft.com/office/powerpoint/2010/main">
+    <mc:Choice Requires="p14">
       <p:transition spd="med" p14:dur="700">
         <p:fade/>
       </p:transition>
     </mc:Choice>
-    <mc:Fallback>
+    <mc:Fallback xmlns="">
       <p:transition spd="med">
         <p:fade/>
       </p:transition>
@@ -10600,7 +12298,7 @@
                                           </p:stCondLst>
                                         </p:cTn>
                                         <p:tgtEl>
-                                          <p:spTgt spid="24"/>
+                                          <p:spTgt spid="16"/>
                                         </p:tgtEl>
                                         <p:attrNameLst>
                                           <p:attrName>style.visibility</p:attrName>
@@ -10614,7 +12312,7 @@
                                       <p:cBhvr>
                                         <p:cTn id="7" dur="500"/>
                                         <p:tgtEl>
-                                          <p:spTgt spid="24"/>
+                                          <p:spTgt spid="16"/>
                                         </p:tgtEl>
                                       </p:cBhvr>
                                     </p:animEffect>
@@ -10652,433 +12350,6 @@
 </p:sld>
 </file>
 
-<file path=ppt/slides/slide7.xml><?xml version="1.0" encoding="utf-8"?>
-<p:sld xmlns:a="http://schemas.openxmlformats.org/drawingml/2006/main" xmlns:r="http://schemas.openxmlformats.org/officeDocument/2006/relationships" xmlns:p="http://schemas.openxmlformats.org/presentationml/2006/main">
-  <p:cSld>
-    <p:spTree>
-      <p:nvGrpSpPr>
-        <p:cNvPr id="1" name=""/>
-        <p:cNvGrpSpPr/>
-        <p:nvPr/>
-      </p:nvGrpSpPr>
-      <p:grpSpPr>
-        <a:xfrm>
-          <a:off x="0" y="0"/>
-          <a:ext cx="0" cy="0"/>
-          <a:chOff x="0" y="0"/>
-          <a:chExt cx="0" cy="0"/>
-        </a:xfrm>
-      </p:grpSpPr>
-      <p:sp>
-        <p:nvSpPr>
-          <p:cNvPr id="2" name="Title 1">
-            <a:extLst>
-              <a:ext uri="{FF2B5EF4-FFF2-40B4-BE49-F238E27FC236}">
-                <a16:creationId xmlns:a16="http://schemas.microsoft.com/office/drawing/2014/main" id="{638DA7C3-409B-E587-E8C1-71F25E71B3EE}"/>
-              </a:ext>
-            </a:extLst>
-          </p:cNvPr>
-          <p:cNvSpPr>
-            <a:spLocks noGrp="1"/>
-          </p:cNvSpPr>
-          <p:nvPr>
-            <p:ph type="title"/>
-          </p:nvPr>
-        </p:nvSpPr>
-        <p:spPr/>
-        <p:txBody>
-          <a:bodyPr/>
-          <a:lstStyle/>
-          <a:p>
-            <a:r>
-              <a:rPr lang="en-US" dirty="0"/>
-              <a:t>DICOMweb Proxies with DIMSE</a:t>
-            </a:r>
-          </a:p>
-        </p:txBody>
-      </p:sp>
-      <p:sp>
-        <p:nvSpPr>
-          <p:cNvPr id="3" name="Content Placeholder 2">
-            <a:extLst>
-              <a:ext uri="{FF2B5EF4-FFF2-40B4-BE49-F238E27FC236}">
-                <a16:creationId xmlns:a16="http://schemas.microsoft.com/office/drawing/2014/main" id="{451B75A2-878E-CA71-C6ED-432ED6DEF0A6}"/>
-              </a:ext>
-            </a:extLst>
-          </p:cNvPr>
-          <p:cNvSpPr>
-            <a:spLocks noGrp="1"/>
-          </p:cNvSpPr>
-          <p:nvPr>
-            <p:ph idx="1"/>
-          </p:nvPr>
-        </p:nvSpPr>
-        <p:spPr/>
-        <p:txBody>
-          <a:bodyPr>
-            <a:normAutofit/>
-          </a:bodyPr>
-          <a:lstStyle/>
-          <a:p>
-            <a:r>
-              <a:rPr lang="en-US" dirty="0"/>
-              <a:t>In DIMSE, the modality must copy information from the MWL to the MPPS. This is no longer needed when using UPS (the applicable information </a:t>
-            </a:r>
-            <a:r>
-              <a:rPr lang="en-US" i="1" dirty="0"/>
-              <a:t>is </a:t>
-            </a:r>
-            <a:r>
-              <a:rPr lang="en-US" dirty="0"/>
-              <a:t>already in the </a:t>
-            </a:r>
-            <a:r>
-              <a:rPr lang="en-US" dirty="0" err="1"/>
-              <a:t>workitem</a:t>
-            </a:r>
-            <a:r>
-              <a:rPr lang="en-US" dirty="0"/>
-              <a:t>). So, when a DIMSE Modality wants to use an Origin Server for Modality Services, the job of the proxy is relatively easy, namely it can ignore some of the provided data. The other way around, when a DICOMweb Modality wants to connect to an SCP for MWL and/or MPPS, the proxy must provide information, as the Modality will not provide it.</a:t>
-            </a:r>
-          </a:p>
-          <a:p>
-            <a:r>
-              <a:rPr lang="en-US" dirty="0"/>
-              <a:t>Assumption: it is not an issue if hybrid modality workflows are not supported: a modality workflow started in DIMSE must continue and be finished in DIMSE and a modality workflow started in DICOMweb must continue and be finished in DICOMweb. The reason for this assumption that the underlying mechanisms are – chosen to be – different: DIMSE </a:t>
-            </a:r>
-            <a:r>
-              <a:rPr lang="en-US" i="1" dirty="0"/>
-              <a:t>creates </a:t>
-            </a:r>
-            <a:r>
-              <a:rPr lang="en-US" dirty="0"/>
-              <a:t>a </a:t>
-            </a:r>
-            <a:r>
-              <a:rPr lang="en-US" dirty="0" err="1"/>
-              <a:t>workitem</a:t>
-            </a:r>
-            <a:r>
-              <a:rPr lang="en-US" dirty="0"/>
-              <a:t> when performing MPPS, while DICOMweb </a:t>
-            </a:r>
-            <a:r>
-              <a:rPr lang="en-US" i="1" dirty="0"/>
-              <a:t>uses </a:t>
-            </a:r>
-            <a:r>
-              <a:rPr lang="en-US" dirty="0"/>
-              <a:t>an existing one. This may be an issue when hybrid workflows are permitted. (Note that it was a requirement from the DSC that the DICOMweb Modality Services must be built on top of DICOMweb Worklist Service, mapping two different mechanisms.)</a:t>
-            </a:r>
-          </a:p>
-        </p:txBody>
-      </p:sp>
-      <p:sp>
-        <p:nvSpPr>
-          <p:cNvPr id="4" name="Date Placeholder 3">
-            <a:extLst>
-              <a:ext uri="{FF2B5EF4-FFF2-40B4-BE49-F238E27FC236}">
-                <a16:creationId xmlns:a16="http://schemas.microsoft.com/office/drawing/2014/main" id="{65F1CA4D-B6E7-3B73-A684-63DCAFB4D651}"/>
-              </a:ext>
-            </a:extLst>
-          </p:cNvPr>
-          <p:cNvSpPr>
-            <a:spLocks noGrp="1"/>
-          </p:cNvSpPr>
-          <p:nvPr>
-            <p:ph type="dt" sz="half" idx="2"/>
-          </p:nvPr>
-        </p:nvSpPr>
-        <p:spPr/>
-        <p:txBody>
-          <a:bodyPr/>
-          <a:lstStyle/>
-          <a:p>
-            <a:r>
-              <a:rPr lang="fr-FR"/>
-              <a:t>May 2024</a:t>
-            </a:r>
-            <a:endParaRPr lang="en-US" dirty="0"/>
-          </a:p>
-        </p:txBody>
-      </p:sp>
-      <p:sp>
-        <p:nvSpPr>
-          <p:cNvPr id="5" name="Footer Placeholder 4">
-            <a:extLst>
-              <a:ext uri="{FF2B5EF4-FFF2-40B4-BE49-F238E27FC236}">
-                <a16:creationId xmlns:a16="http://schemas.microsoft.com/office/drawing/2014/main" id="{85D7C39D-284F-B01D-AEA3-893766C890BD}"/>
-              </a:ext>
-            </a:extLst>
-          </p:cNvPr>
-          <p:cNvSpPr>
-            <a:spLocks noGrp="1"/>
-          </p:cNvSpPr>
-          <p:nvPr>
-            <p:ph type="ftr" sz="quarter" idx="3"/>
-          </p:nvPr>
-        </p:nvSpPr>
-        <p:spPr/>
-        <p:txBody>
-          <a:bodyPr/>
-          <a:lstStyle/>
-          <a:p>
-            <a:r>
-              <a:rPr lang="en-US">
-                <a:latin typeface="Arial" panose="020B0604020202020204" pitchFamily="34" charset="0"/>
-                <a:cs typeface="Arial" panose="020B0604020202020204" pitchFamily="34" charset="0"/>
-              </a:rPr>
-              <a:t>Copyright DICOM® 2024</a:t>
-            </a:r>
-            <a:endParaRPr lang="en-US" dirty="0"/>
-          </a:p>
-        </p:txBody>
-      </p:sp>
-      <p:sp>
-        <p:nvSpPr>
-          <p:cNvPr id="6" name="Slide Number Placeholder 5">
-            <a:extLst>
-              <a:ext uri="{FF2B5EF4-FFF2-40B4-BE49-F238E27FC236}">
-                <a16:creationId xmlns:a16="http://schemas.microsoft.com/office/drawing/2014/main" id="{39D6FC0A-6DB6-2909-765A-3DEFF772FD50}"/>
-              </a:ext>
-            </a:extLst>
-          </p:cNvPr>
-          <p:cNvSpPr>
-            <a:spLocks noGrp="1"/>
-          </p:cNvSpPr>
-          <p:nvPr>
-            <p:ph type="sldNum" sz="quarter" idx="4"/>
-          </p:nvPr>
-        </p:nvSpPr>
-        <p:spPr/>
-        <p:txBody>
-          <a:bodyPr/>
-          <a:lstStyle/>
-          <a:p>
-            <a:fld id="{D57F1E4F-1CFF-5643-939E-217C01CDF565}" type="slidenum">
-              <a:rPr lang="en-US" smtClean="0"/>
-              <a:pPr/>
-              <a:t>7</a:t>
-            </a:fld>
-            <a:endParaRPr lang="en-US" dirty="0"/>
-          </a:p>
-        </p:txBody>
-      </p:sp>
-    </p:spTree>
-    <p:extLst>
-      <p:ext uri="{BB962C8B-B14F-4D97-AF65-F5344CB8AC3E}">
-        <p14:creationId xmlns:p14="http://schemas.microsoft.com/office/powerpoint/2010/main" val="854982095"/>
-      </p:ext>
-    </p:extLst>
-  </p:cSld>
-  <p:clrMapOvr>
-    <a:masterClrMapping/>
-  </p:clrMapOvr>
-  <mc:AlternateContent xmlns:mc="http://schemas.openxmlformats.org/markup-compatibility/2006">
-    <mc:Choice xmlns:p14="http://schemas.microsoft.com/office/powerpoint/2010/main" Requires="p14">
-      <p:transition spd="med" p14:dur="700">
-        <p:fade/>
-      </p:transition>
-    </mc:Choice>
-    <mc:Fallback>
-      <p:transition spd="med">
-        <p:fade/>
-      </p:transition>
-    </mc:Fallback>
-  </mc:AlternateContent>
-</p:sld>
-</file>
-
-<file path=ppt/slides/slide8.xml><?xml version="1.0" encoding="utf-8"?>
-<p:sld xmlns:a="http://schemas.openxmlformats.org/drawingml/2006/main" xmlns:r="http://schemas.openxmlformats.org/officeDocument/2006/relationships" xmlns:p="http://schemas.openxmlformats.org/presentationml/2006/main">
-  <p:cSld>
-    <p:spTree>
-      <p:nvGrpSpPr>
-        <p:cNvPr id="1" name=""/>
-        <p:cNvGrpSpPr/>
-        <p:nvPr/>
-      </p:nvGrpSpPr>
-      <p:grpSpPr>
-        <a:xfrm>
-          <a:off x="0" y="0"/>
-          <a:ext cx="0" cy="0"/>
-          <a:chOff x="0" y="0"/>
-          <a:chExt cx="0" cy="0"/>
-        </a:xfrm>
-      </p:grpSpPr>
-      <p:sp>
-        <p:nvSpPr>
-          <p:cNvPr id="2" name="Title 1">
-            <a:extLst>
-              <a:ext uri="{FF2B5EF4-FFF2-40B4-BE49-F238E27FC236}">
-                <a16:creationId xmlns:a16="http://schemas.microsoft.com/office/drawing/2014/main" id="{5ABEA049-C0CB-7258-5B2B-EA0719508170}"/>
-              </a:ext>
-            </a:extLst>
-          </p:cNvPr>
-          <p:cNvSpPr>
-            <a:spLocks noGrp="1"/>
-          </p:cNvSpPr>
-          <p:nvPr>
-            <p:ph type="title"/>
-          </p:nvPr>
-        </p:nvSpPr>
-        <p:spPr/>
-        <p:txBody>
-          <a:bodyPr/>
-          <a:lstStyle/>
-          <a:p>
-            <a:r>
-              <a:rPr lang="en-US" dirty="0"/>
-              <a:t>SCP / User Agent Proxy – MWL with UPS-RS</a:t>
-            </a:r>
-          </a:p>
-        </p:txBody>
-      </p:sp>
-      <p:sp>
-        <p:nvSpPr>
-          <p:cNvPr id="4" name="Date Placeholder 3">
-            <a:extLst>
-              <a:ext uri="{FF2B5EF4-FFF2-40B4-BE49-F238E27FC236}">
-                <a16:creationId xmlns:a16="http://schemas.microsoft.com/office/drawing/2014/main" id="{C46053F0-0FFF-EFC3-5639-317C0C010E3A}"/>
-              </a:ext>
-            </a:extLst>
-          </p:cNvPr>
-          <p:cNvSpPr>
-            <a:spLocks noGrp="1"/>
-          </p:cNvSpPr>
-          <p:nvPr>
-            <p:ph type="dt" sz="half" idx="2"/>
-          </p:nvPr>
-        </p:nvSpPr>
-        <p:spPr/>
-        <p:txBody>
-          <a:bodyPr/>
-          <a:lstStyle/>
-          <a:p>
-            <a:r>
-              <a:rPr lang="fr-FR"/>
-              <a:t>May 2024</a:t>
-            </a:r>
-            <a:endParaRPr lang="en-US" dirty="0"/>
-          </a:p>
-        </p:txBody>
-      </p:sp>
-      <p:sp>
-        <p:nvSpPr>
-          <p:cNvPr id="5" name="Footer Placeholder 4">
-            <a:extLst>
-              <a:ext uri="{FF2B5EF4-FFF2-40B4-BE49-F238E27FC236}">
-                <a16:creationId xmlns:a16="http://schemas.microsoft.com/office/drawing/2014/main" id="{8D50405E-BAA6-874C-4469-885944DA54EA}"/>
-              </a:ext>
-            </a:extLst>
-          </p:cNvPr>
-          <p:cNvSpPr>
-            <a:spLocks noGrp="1"/>
-          </p:cNvSpPr>
-          <p:nvPr>
-            <p:ph type="ftr" sz="quarter" idx="3"/>
-          </p:nvPr>
-        </p:nvSpPr>
-        <p:spPr/>
-        <p:txBody>
-          <a:bodyPr/>
-          <a:lstStyle/>
-          <a:p>
-            <a:r>
-              <a:rPr lang="en-US">
-                <a:latin typeface="Arial" panose="020B0604020202020204" pitchFamily="34" charset="0"/>
-                <a:cs typeface="Arial" panose="020B0604020202020204" pitchFamily="34" charset="0"/>
-              </a:rPr>
-              <a:t>Copyright DICOM® 2024</a:t>
-            </a:r>
-            <a:endParaRPr lang="en-US" dirty="0"/>
-          </a:p>
-        </p:txBody>
-      </p:sp>
-      <p:sp>
-        <p:nvSpPr>
-          <p:cNvPr id="6" name="Slide Number Placeholder 5">
-            <a:extLst>
-              <a:ext uri="{FF2B5EF4-FFF2-40B4-BE49-F238E27FC236}">
-                <a16:creationId xmlns:a16="http://schemas.microsoft.com/office/drawing/2014/main" id="{DD96912B-92A4-B391-23EF-8D57B3F7960B}"/>
-              </a:ext>
-            </a:extLst>
-          </p:cNvPr>
-          <p:cNvSpPr>
-            <a:spLocks noGrp="1"/>
-          </p:cNvSpPr>
-          <p:nvPr>
-            <p:ph type="sldNum" sz="quarter" idx="4"/>
-          </p:nvPr>
-        </p:nvSpPr>
-        <p:spPr/>
-        <p:txBody>
-          <a:bodyPr/>
-          <a:lstStyle/>
-          <a:p>
-            <a:fld id="{D57F1E4F-1CFF-5643-939E-217C01CDF565}" type="slidenum">
-              <a:rPr lang="en-US" smtClean="0"/>
-              <a:pPr/>
-              <a:t>8</a:t>
-            </a:fld>
-            <a:endParaRPr lang="en-US" dirty="0"/>
-          </a:p>
-        </p:txBody>
-      </p:sp>
-      <p:pic>
-        <p:nvPicPr>
-          <p:cNvPr id="10" name="Picture 9">
-            <a:extLst>
-              <a:ext uri="{FF2B5EF4-FFF2-40B4-BE49-F238E27FC236}">
-                <a16:creationId xmlns:a16="http://schemas.microsoft.com/office/drawing/2014/main" id="{6D935F45-9166-84D6-1E33-E0FD66B110E1}"/>
-              </a:ext>
-            </a:extLst>
-          </p:cNvPr>
-          <p:cNvPicPr>
-            <a:picLocks noChangeAspect="1"/>
-          </p:cNvPicPr>
-          <p:nvPr/>
-        </p:nvPicPr>
-        <p:blipFill rotWithShape="1">
-          <a:blip r:embed="rId2"/>
-          <a:srcRect b="62963"/>
-          <a:stretch/>
-        </p:blipFill>
-        <p:spPr>
-          <a:xfrm>
-            <a:off x="2905656" y="1829762"/>
-            <a:ext cx="6380688" cy="5028238"/>
-          </a:xfrm>
-          <a:prstGeom prst="rect">
-            <a:avLst/>
-          </a:prstGeom>
-        </p:spPr>
-      </p:pic>
-    </p:spTree>
-    <p:extLst>
-      <p:ext uri="{BB962C8B-B14F-4D97-AF65-F5344CB8AC3E}">
-        <p14:creationId xmlns:p14="http://schemas.microsoft.com/office/powerpoint/2010/main" val="1331247727"/>
-      </p:ext>
-    </p:extLst>
-  </p:cSld>
-  <p:clrMapOvr>
-    <a:masterClrMapping/>
-  </p:clrMapOvr>
-  <mc:AlternateContent xmlns:mc="http://schemas.openxmlformats.org/markup-compatibility/2006">
-    <mc:Choice xmlns:p14="http://schemas.microsoft.com/office/powerpoint/2010/main" Requires="p14">
-      <p:transition spd="med" p14:dur="700">
-        <p:fade/>
-      </p:transition>
-    </mc:Choice>
-    <mc:Fallback>
-      <p:transition spd="med">
-        <p:fade/>
-      </p:transition>
-    </mc:Fallback>
-  </mc:AlternateContent>
-</p:sld>
-</file>
-
 <file path=ppt/slides/slide9.xml><?xml version="1.0" encoding="utf-8"?>
 <p:sld xmlns:a="http://schemas.openxmlformats.org/drawingml/2006/main" xmlns:r="http://schemas.openxmlformats.org/officeDocument/2006/relationships" xmlns:p="http://schemas.openxmlformats.org/presentationml/2006/main">
   <p:cSld>
@@ -11101,7 +12372,7 @@
           <p:cNvPr id="2" name="Title 1">
             <a:extLst>
               <a:ext uri="{FF2B5EF4-FFF2-40B4-BE49-F238E27FC236}">
-                <a16:creationId xmlns:a16="http://schemas.microsoft.com/office/drawing/2014/main" id="{53E70B2C-BDC9-E7B7-B244-605E3E253898}"/>
+                <a16:creationId xmlns:a16="http://schemas.microsoft.com/office/drawing/2014/main" id="{638DA7C3-409B-E587-E8C1-71F25E71B3EE}"/>
               </a:ext>
             </a:extLst>
           </p:cNvPr>
@@ -11119,15 +12390,76 @@
           <a:p>
             <a:r>
               <a:rPr lang="en-US" dirty="0"/>
-              <a:t>SCP / User Agent Proxy – Claim a </a:t>
+              <a:t>DICOMweb Proxies with DIMSE</a:t>
+            </a:r>
+          </a:p>
+        </p:txBody>
+      </p:sp>
+      <p:sp>
+        <p:nvSpPr>
+          <p:cNvPr id="3" name="Content Placeholder 2">
+            <a:extLst>
+              <a:ext uri="{FF2B5EF4-FFF2-40B4-BE49-F238E27FC236}">
+                <a16:creationId xmlns:a16="http://schemas.microsoft.com/office/drawing/2014/main" id="{451B75A2-878E-CA71-C6ED-432ED6DEF0A6}"/>
+              </a:ext>
+            </a:extLst>
+          </p:cNvPr>
+          <p:cNvSpPr>
+            <a:spLocks noGrp="1"/>
+          </p:cNvSpPr>
+          <p:nvPr>
+            <p:ph idx="1"/>
+          </p:nvPr>
+        </p:nvSpPr>
+        <p:spPr/>
+        <p:txBody>
+          <a:bodyPr>
+            <a:normAutofit/>
+          </a:bodyPr>
+          <a:lstStyle/>
+          <a:p>
+            <a:pPr marL="0" indent="0">
+              <a:buNone/>
+            </a:pPr>
+            <a:r>
+              <a:rPr lang="en-US" dirty="0"/>
+              <a:t>Observation</a:t>
+            </a:r>
+          </a:p>
+          <a:p>
+            <a:r>
+              <a:rPr lang="en-US" dirty="0"/>
+              <a:t>In DIMSE, the modality must copy information from the MWL to the MPPS. This is no longer needed when using UPS-RS, as (some of) the applicable information </a:t>
+            </a:r>
+            <a:r>
+              <a:rPr lang="en-US" i="1" dirty="0"/>
+              <a:t>is </a:t>
+            </a:r>
+            <a:r>
+              <a:rPr lang="en-US" dirty="0"/>
+              <a:t>already in the </a:t>
             </a:r>
             <a:r>
               <a:rPr lang="en-US" dirty="0" err="1"/>
-              <a:t>Workitem</a:t>
+              <a:t>workitem</a:t>
             </a:r>
             <a:r>
               <a:rPr lang="en-US" dirty="0"/>
-              <a:t> with UPS-RS</a:t>
+              <a:t>.</a:t>
+            </a:r>
+          </a:p>
+          <a:p>
+            <a:pPr lvl="1"/>
+            <a:r>
+              <a:rPr lang="en-US" dirty="0"/>
+              <a:t>So, when a DIMSE Modality wants to use an Origin Server for Modality Services, the job of the proxy is relatively easy, namely it can ignore some of the provided data.</a:t>
+            </a:r>
+          </a:p>
+          <a:p>
+            <a:pPr lvl="1"/>
+            <a:r>
+              <a:rPr lang="en-US" dirty="0"/>
+              <a:t>The other way around, when a DICOMweb Modality wants to connect to an SCP for MWL and/or MPPS, the proxy must provide information, as the Modality will not provide it.</a:t>
             </a:r>
           </a:p>
         </p:txBody>
@@ -11137,7 +12469,7 @@
           <p:cNvPr id="4" name="Date Placeholder 3">
             <a:extLst>
               <a:ext uri="{FF2B5EF4-FFF2-40B4-BE49-F238E27FC236}">
-                <a16:creationId xmlns:a16="http://schemas.microsoft.com/office/drawing/2014/main" id="{C0657F4D-2983-F09C-5EF1-DE63034DA2DA}"/>
+                <a16:creationId xmlns:a16="http://schemas.microsoft.com/office/drawing/2014/main" id="{65F1CA4D-B6E7-3B73-A684-63DCAFB4D651}"/>
               </a:ext>
             </a:extLst>
           </p:cNvPr>
@@ -11166,7 +12498,7 @@
           <p:cNvPr id="5" name="Footer Placeholder 4">
             <a:extLst>
               <a:ext uri="{FF2B5EF4-FFF2-40B4-BE49-F238E27FC236}">
-                <a16:creationId xmlns:a16="http://schemas.microsoft.com/office/drawing/2014/main" id="{9B6A005D-7500-DD53-15A1-5D233CC7CF3E}"/>
+                <a16:creationId xmlns:a16="http://schemas.microsoft.com/office/drawing/2014/main" id="{85D7C39D-284F-B01D-AEA3-893766C890BD}"/>
               </a:ext>
             </a:extLst>
           </p:cNvPr>
@@ -11198,7 +12530,7 @@
           <p:cNvPr id="6" name="Slide Number Placeholder 5">
             <a:extLst>
               <a:ext uri="{FF2B5EF4-FFF2-40B4-BE49-F238E27FC236}">
-                <a16:creationId xmlns:a16="http://schemas.microsoft.com/office/drawing/2014/main" id="{E2795E09-371A-19FB-4700-9A13B69DE090}"/>
+                <a16:creationId xmlns:a16="http://schemas.microsoft.com/office/drawing/2014/main" id="{39D6FC0A-6DB6-2909-765A-3DEFF772FD50}"/>
               </a:ext>
             </a:extLst>
           </p:cNvPr>
@@ -11223,102 +12555,23 @@
           </a:p>
         </p:txBody>
       </p:sp>
-      <p:grpSp>
-        <p:nvGrpSpPr>
-          <p:cNvPr id="11" name="Group 10">
-            <a:extLst>
-              <a:ext uri="{FF2B5EF4-FFF2-40B4-BE49-F238E27FC236}">
-                <a16:creationId xmlns:a16="http://schemas.microsoft.com/office/drawing/2014/main" id="{E9EF2AE2-9DCF-8A1B-1285-0198F0B45C70}"/>
-              </a:ext>
-            </a:extLst>
-          </p:cNvPr>
-          <p:cNvGrpSpPr/>
-          <p:nvPr/>
-        </p:nvGrpSpPr>
-        <p:grpSpPr>
-          <a:xfrm>
-            <a:off x="2921699" y="1849120"/>
-            <a:ext cx="6348603" cy="4434734"/>
-            <a:chOff x="2921699" y="1849120"/>
-            <a:chExt cx="6348603" cy="4434734"/>
-          </a:xfrm>
-        </p:grpSpPr>
-        <p:pic>
-          <p:nvPicPr>
-            <p:cNvPr id="8" name="Picture 7">
-              <a:extLst>
-                <a:ext uri="{FF2B5EF4-FFF2-40B4-BE49-F238E27FC236}">
-                  <a16:creationId xmlns:a16="http://schemas.microsoft.com/office/drawing/2014/main" id="{C4BC1CE0-B8E9-0BE9-F25F-18A49C0C35AF}"/>
-                </a:ext>
-              </a:extLst>
-            </p:cNvPr>
-            <p:cNvPicPr>
-              <a:picLocks noChangeAspect="1"/>
-            </p:cNvPicPr>
-            <p:nvPr/>
-          </p:nvPicPr>
-          <p:blipFill rotWithShape="1">
-            <a:blip r:embed="rId2"/>
-            <a:srcRect t="36667" b="34000"/>
-            <a:stretch/>
-          </p:blipFill>
-          <p:spPr>
-            <a:xfrm>
-              <a:off x="2921699" y="2321560"/>
-              <a:ext cx="6348603" cy="3962294"/>
-            </a:xfrm>
-            <a:prstGeom prst="rect">
-              <a:avLst/>
-            </a:prstGeom>
-          </p:spPr>
-        </p:pic>
-        <p:pic>
-          <p:nvPicPr>
-            <p:cNvPr id="9" name="Picture 8">
-              <a:extLst>
-                <a:ext uri="{FF2B5EF4-FFF2-40B4-BE49-F238E27FC236}">
-                  <a16:creationId xmlns:a16="http://schemas.microsoft.com/office/drawing/2014/main" id="{D44C4344-DE32-6D24-488D-FC64702B0C83}"/>
-                </a:ext>
-              </a:extLst>
-            </p:cNvPr>
-            <p:cNvPicPr>
-              <a:picLocks noChangeAspect="1"/>
-            </p:cNvPicPr>
-            <p:nvPr/>
-          </p:nvPicPr>
-          <p:blipFill rotWithShape="1">
-            <a:blip r:embed="rId2"/>
-            <a:srcRect t="104" b="96323"/>
-            <a:stretch/>
-          </p:blipFill>
-          <p:spPr>
-            <a:xfrm>
-              <a:off x="2921699" y="1849120"/>
-              <a:ext cx="6348603" cy="482600"/>
-            </a:xfrm>
-            <a:prstGeom prst="rect">
-              <a:avLst/>
-            </a:prstGeom>
-          </p:spPr>
-        </p:pic>
-      </p:grpSp>
     </p:spTree>
     <p:extLst>
       <p:ext uri="{BB962C8B-B14F-4D97-AF65-F5344CB8AC3E}">
-        <p14:creationId xmlns:p14="http://schemas.microsoft.com/office/powerpoint/2010/main" val="366761762"/>
+        <p14:creationId xmlns:p14="http://schemas.microsoft.com/office/powerpoint/2010/main" val="854982095"/>
       </p:ext>
     </p:extLst>
   </p:cSld>
   <p:clrMapOvr>
     <a:masterClrMapping/>
   </p:clrMapOvr>
-  <mc:AlternateContent xmlns:mc="http://schemas.openxmlformats.org/markup-compatibility/2006">
-    <mc:Choice xmlns:p14="http://schemas.microsoft.com/office/powerpoint/2010/main" Requires="p14">
+  <mc:AlternateContent xmlns:mc="http://schemas.openxmlformats.org/markup-compatibility/2006" xmlns:p14="http://schemas.microsoft.com/office/powerpoint/2010/main">
+    <mc:Choice Requires="p14">
       <p:transition spd="med" p14:dur="700">
         <p:fade/>
       </p:transition>
     </mc:Choice>
-    <mc:Fallback>
+    <mc:Fallback xmlns="">
       <p:transition spd="med">
         <p:fade/>
       </p:transition>

--- a/documents/supNNN_fr_DICOMwebModalityServices.20240531.pptx
+++ b/documents/supNNN_fr_DICOMwebModalityServices.20240531.pptx
@@ -6052,7 +6052,7 @@
             </a:r>
             <a:r>
               <a:rPr lang="en-US" sz="1600" dirty="0"/>
-              <a:t>	 Suspend Global </a:t>
+              <a:t>	Suspend Global </a:t>
             </a:r>
             <a:r>
               <a:rPr lang="en-US" sz="1600" dirty="0" err="1"/>
@@ -6191,13 +6191,13 @@
   <p:clrMapOvr>
     <a:masterClrMapping/>
   </p:clrMapOvr>
-  <mc:AlternateContent xmlns:mc="http://schemas.openxmlformats.org/markup-compatibility/2006">
-    <mc:Choice xmlns:p14="http://schemas.microsoft.com/office/powerpoint/2010/main" Requires="p14">
+  <mc:AlternateContent xmlns:mc="http://schemas.openxmlformats.org/markup-compatibility/2006" xmlns:p14="http://schemas.microsoft.com/office/powerpoint/2010/main">
+    <mc:Choice Requires="p14">
       <p:transition spd="med" p14:dur="700">
         <p:fade/>
       </p:transition>
     </mc:Choice>
-    <mc:Fallback>
+    <mc:Fallback xmlns="">
       <p:transition spd="med">
         <p:fade/>
       </p:transition>
@@ -7709,13 +7709,13 @@
   <p:clrMapOvr>
     <a:masterClrMapping/>
   </p:clrMapOvr>
-  <mc:AlternateContent xmlns:mc="http://schemas.openxmlformats.org/markup-compatibility/2006">
-    <mc:Choice xmlns:p14="http://schemas.microsoft.com/office/powerpoint/2010/main" Requires="p14">
+  <mc:AlternateContent xmlns:mc="http://schemas.openxmlformats.org/markup-compatibility/2006" xmlns:p14="http://schemas.microsoft.com/office/powerpoint/2010/main">
+    <mc:Choice Requires="p14">
       <p:transition spd="med" p14:dur="700">
         <p:fade/>
       </p:transition>
     </mc:Choice>
-    <mc:Fallback>
+    <mc:Fallback xmlns="">
       <p:transition spd="med">
         <p:fade/>
       </p:transition>
@@ -7910,13 +7910,13 @@
   <p:clrMapOvr>
     <a:masterClrMapping/>
   </p:clrMapOvr>
-  <mc:AlternateContent xmlns:mc="http://schemas.openxmlformats.org/markup-compatibility/2006">
-    <mc:Choice xmlns:p14="http://schemas.microsoft.com/office/powerpoint/2010/main" Requires="p14">
+  <mc:AlternateContent xmlns:mc="http://schemas.openxmlformats.org/markup-compatibility/2006" xmlns:p14="http://schemas.microsoft.com/office/powerpoint/2010/main">
+    <mc:Choice Requires="p14">
       <p:transition spd="med" p14:dur="700">
         <p:fade/>
       </p:transition>
     </mc:Choice>
-    <mc:Fallback>
+    <mc:Fallback xmlns="">
       <p:transition spd="med">
         <p:fade/>
       </p:transition>
@@ -11367,13 +11367,13 @@
   <p:clrMapOvr>
     <a:masterClrMapping/>
   </p:clrMapOvr>
-  <mc:AlternateContent xmlns:mc="http://schemas.openxmlformats.org/markup-compatibility/2006">
-    <mc:Choice xmlns:p14="http://schemas.microsoft.com/office/powerpoint/2010/main" Requires="p14">
+  <mc:AlternateContent xmlns:mc="http://schemas.openxmlformats.org/markup-compatibility/2006" xmlns:p14="http://schemas.microsoft.com/office/powerpoint/2010/main">
+    <mc:Choice Requires="p14">
       <p:transition spd="med" p14:dur="700">
         <p:fade/>
       </p:transition>
     </mc:Choice>
-    <mc:Fallback>
+    <mc:Fallback xmlns="">
       <p:transition spd="med">
         <p:fade/>
       </p:transition>
@@ -13337,13 +13337,13 @@
   <p:clrMapOvr>
     <a:masterClrMapping/>
   </p:clrMapOvr>
-  <mc:AlternateContent xmlns:mc="http://schemas.openxmlformats.org/markup-compatibility/2006">
-    <mc:Choice xmlns:p14="http://schemas.microsoft.com/office/powerpoint/2010/main" Requires="p14">
+  <mc:AlternateContent xmlns:mc="http://schemas.openxmlformats.org/markup-compatibility/2006" xmlns:p14="http://schemas.microsoft.com/office/powerpoint/2010/main">
+    <mc:Choice Requires="p14">
       <p:transition spd="med" p14:dur="700">
         <p:fade/>
       </p:transition>
     </mc:Choice>
-    <mc:Fallback>
+    <mc:Fallback xmlns="">
       <p:transition spd="med">
         <p:fade/>
       </p:transition>
@@ -15098,13 +15098,13 @@
   <p:clrMapOvr>
     <a:masterClrMapping/>
   </p:clrMapOvr>
-  <mc:AlternateContent xmlns:mc="http://schemas.openxmlformats.org/markup-compatibility/2006">
-    <mc:Choice xmlns:p14="http://schemas.microsoft.com/office/powerpoint/2010/main" Requires="p14">
+  <mc:AlternateContent xmlns:mc="http://schemas.openxmlformats.org/markup-compatibility/2006" xmlns:p14="http://schemas.microsoft.com/office/powerpoint/2010/main">
+    <mc:Choice Requires="p14">
       <p:transition spd="med" p14:dur="700">
         <p:fade/>
       </p:transition>
     </mc:Choice>
-    <mc:Fallback>
+    <mc:Fallback xmlns="">
       <p:transition spd="med">
         <p:fade/>
       </p:transition>
